--- a/Abgaben/Präsentation Masterarbeit/Präsentation Muench.pptx
+++ b/Abgaben/Präsentation Masterarbeit/Präsentation Muench.pptx
@@ -5,19 +5,28 @@
     <p:sldMasterId id="2147483789" r:id="rId1"/>
   </p:sldMasterIdLst>
   <p:notesMasterIdLst>
-    <p:notesMasterId r:id="rId12"/>
+    <p:notesMasterId r:id="rId21"/>
   </p:notesMasterIdLst>
   <p:sldIdLst>
     <p:sldId id="256" r:id="rId2"/>
     <p:sldId id="264" r:id="rId3"/>
-    <p:sldId id="257" r:id="rId4"/>
-    <p:sldId id="258" r:id="rId5"/>
-    <p:sldId id="261" r:id="rId6"/>
-    <p:sldId id="259" r:id="rId7"/>
-    <p:sldId id="260" r:id="rId8"/>
-    <p:sldId id="262" r:id="rId9"/>
-    <p:sldId id="263" r:id="rId10"/>
-    <p:sldId id="265" r:id="rId11"/>
+    <p:sldId id="258" r:id="rId4"/>
+    <p:sldId id="257" r:id="rId5"/>
+    <p:sldId id="266" r:id="rId6"/>
+    <p:sldId id="261" r:id="rId7"/>
+    <p:sldId id="267" r:id="rId8"/>
+    <p:sldId id="259" r:id="rId9"/>
+    <p:sldId id="274" r:id="rId10"/>
+    <p:sldId id="260" r:id="rId11"/>
+    <p:sldId id="268" r:id="rId12"/>
+    <p:sldId id="269" r:id="rId13"/>
+    <p:sldId id="270" r:id="rId14"/>
+    <p:sldId id="273" r:id="rId15"/>
+    <p:sldId id="272" r:id="rId16"/>
+    <p:sldId id="262" r:id="rId17"/>
+    <p:sldId id="271" r:id="rId18"/>
+    <p:sldId id="263" r:id="rId19"/>
+    <p:sldId id="265" r:id="rId20"/>
   </p:sldIdLst>
   <p:sldSz cx="12192000" cy="6858000"/>
   <p:notesSz cx="6858000" cy="9144000"/>
@@ -123,17 +132,29 @@
           <p14:sldIdLst>
             <p14:sldId id="256"/>
             <p14:sldId id="264"/>
+            <p14:sldId id="258"/>
             <p14:sldId id="257"/>
-            <p14:sldId id="258"/>
+            <p14:sldId id="266"/>
             <p14:sldId id="261"/>
+            <p14:sldId id="267"/>
             <p14:sldId id="259"/>
+            <p14:sldId id="274"/>
             <p14:sldId id="260"/>
+            <p14:sldId id="268"/>
+            <p14:sldId id="269"/>
+            <p14:sldId id="270"/>
+            <p14:sldId id="273"/>
+            <p14:sldId id="272"/>
             <p14:sldId id="262"/>
+            <p14:sldId id="271"/>
             <p14:sldId id="263"/>
             <p14:sldId id="265"/>
           </p14:sldIdLst>
         </p14:section>
       </p14:sectionLst>
+    </p:ext>
+    <p:ext uri="{EFAFB233-063F-42B5-8137-9DF3F51BA10A}">
+      <p15:sldGuideLst xmlns:p15="http://schemas.microsoft.com/office/powerpoint/2012/main"/>
     </p:ext>
   </p:extLst>
 </p:presentation>
@@ -221,7 +242,7 @@
           <a:p>
             <a:fld id="{C1014735-C1EC-4119-90C8-04F30BD6CC86}" type="datetimeFigureOut">
               <a:rPr lang="de-AT" smtClean="0"/>
-              <a:t>22.01.2017</a:t>
+              <a:t>31.01.2017</a:t>
             </a:fld>
             <a:endParaRPr lang="de-AT"/>
           </a:p>
@@ -534,26 +555,35 @@
           <a:lstStyle/>
           <a:p>
             <a:r>
+              <a:rPr lang="de-AT" dirty="0" err="1"/>
+              <a:t>Aussendienstplannung</a:t>
+            </a:r>
+            <a:r>
               <a:rPr lang="de-AT" dirty="0"/>
-              <a:t>Bedarf: </a:t>
-            </a:r>
-          </a:p>
-          <a:p>
-            <a:r>
-              <a:rPr lang="de-AT" dirty="0"/>
-              <a:t>/ Kundengespräche</a:t>
-            </a:r>
-          </a:p>
-          <a:p>
-            <a:endParaRPr lang="de-AT" dirty="0"/>
-          </a:p>
-          <a:p>
-            <a:r>
-              <a:rPr lang="de-AT" dirty="0"/>
-              <a:t>/ Interesse:</a:t>
-            </a:r>
-          </a:p>
-          <a:p>
+              <a:t> </a:t>
+            </a:r>
+            <a:r>
+              <a:rPr lang="de-AT" dirty="0">
+                <a:sym typeface="Wingdings" panose="05000000000000000000" pitchFamily="2" charset="2"/>
+              </a:rPr>
+              <a:t> Entscheidungsfindungsprozess</a:t>
+            </a:r>
+          </a:p>
+          <a:p>
+            <a:r>
+              <a:rPr lang="de-AT" dirty="0">
+                <a:sym typeface="Wingdings" panose="05000000000000000000" pitchFamily="2" charset="2"/>
+              </a:rPr>
+              <a:t>Entscheidungsfindungsprozess  Nur so gut wie verfügbare Daten und derer Darstellung</a:t>
+            </a:r>
+          </a:p>
+          <a:p>
+            <a:r>
+              <a:rPr lang="de-AT" dirty="0">
+                <a:sym typeface="Wingdings" panose="05000000000000000000" pitchFamily="2" charset="2"/>
+              </a:rPr>
+              <a:t>Verfügbar != Vorhanden </a:t>
+            </a:r>
             <a:endParaRPr lang="de-AT" dirty="0"/>
           </a:p>
         </p:txBody>
@@ -584,7 +614,7 @@
     </p:spTree>
     <p:extLst>
       <p:ext uri="{BB962C8B-B14F-4D97-AF65-F5344CB8AC3E}">
-        <p14:creationId xmlns:p14="http://schemas.microsoft.com/office/powerpoint/2010/main" val="937029905"/>
+        <p14:creationId xmlns:p14="http://schemas.microsoft.com/office/powerpoint/2010/main" val="2623266355"/>
       </p:ext>
     </p:extLst>
   </p:cSld>
@@ -639,18 +669,20 @@
           <a:lstStyle/>
           <a:p>
             <a:r>
-              <a:rPr lang="de-AT" dirty="0" err="1"/>
-              <a:t>Aussendienstplannung</a:t>
-            </a:r>
-            <a:r>
               <a:rPr lang="de-AT" dirty="0"/>
-              <a:t> </a:t>
+              <a:t>Bedarf: </a:t>
+            </a:r>
+          </a:p>
+          <a:p>
+            <a:r>
+              <a:rPr lang="de-AT" dirty="0"/>
+              <a:t>/ Kundengespräche </a:t>
             </a:r>
             <a:r>
               <a:rPr lang="de-AT" dirty="0">
                 <a:sym typeface="Wingdings" panose="05000000000000000000" pitchFamily="2" charset="2"/>
               </a:rPr>
-              <a:t> Entscheidungsfindungsprozess</a:t>
+              <a:t> Mittagessen mit Kunden</a:t>
             </a:r>
           </a:p>
           <a:p>
@@ -658,15 +690,20 @@
               <a:rPr lang="de-AT" dirty="0">
                 <a:sym typeface="Wingdings" panose="05000000000000000000" pitchFamily="2" charset="2"/>
               </a:rPr>
-              <a:t>Entscheidungsfindungsprozess  Nur so gut wie verfügbare Daten und derer Darstellung</a:t>
-            </a:r>
-          </a:p>
-          <a:p>
+              <a:t>/ Interesse  von klein auf Interesse an Karten</a:t>
+            </a:r>
+            <a:endParaRPr lang="de-AT" dirty="0"/>
+          </a:p>
+          <a:p>
+            <a:r>
+              <a:rPr lang="de-AT" dirty="0"/>
+              <a:t>/ Herausforderung </a:t>
+            </a:r>
             <a:r>
               <a:rPr lang="de-AT" dirty="0">
                 <a:sym typeface="Wingdings" panose="05000000000000000000" pitchFamily="2" charset="2"/>
               </a:rPr>
-              <a:t>Verfügbar != Vorhanden </a:t>
+              <a:t> Es muss doch besser gehen</a:t>
             </a:r>
             <a:endParaRPr lang="de-AT" dirty="0"/>
           </a:p>
@@ -698,7 +735,7 @@
     </p:spTree>
     <p:extLst>
       <p:ext uri="{BB962C8B-B14F-4D97-AF65-F5344CB8AC3E}">
-        <p14:creationId xmlns:p14="http://schemas.microsoft.com/office/powerpoint/2010/main" val="2623266355"/>
+        <p14:creationId xmlns:p14="http://schemas.microsoft.com/office/powerpoint/2010/main" val="937029905"/>
       </p:ext>
     </p:extLst>
   </p:cSld>
@@ -753,18 +790,15 @@
           <a:lstStyle/>
           <a:p>
             <a:r>
-              <a:rPr lang="de-AT" dirty="0" err="1"/>
-              <a:t>Evtl</a:t>
-            </a:r>
-            <a:r>
               <a:rPr lang="de-AT" dirty="0"/>
-              <a:t> Grafik Gemeinsamkeiten </a:t>
-            </a:r>
-            <a:r>
-              <a:rPr lang="de-AT"/>
-              <a:t>aus Masterarbeit</a:t>
-            </a:r>
-            <a:endParaRPr lang="de-AT"/>
+              <a:t>/ Status Quo klären</a:t>
+            </a:r>
+          </a:p>
+          <a:p>
+            <a:r>
+              <a:rPr lang="de-AT" dirty="0"/>
+              <a:t>/ Problem identifizieren</a:t>
+            </a:r>
           </a:p>
         </p:txBody>
       </p:sp>
@@ -785,7 +819,7 @@
           <a:p>
             <a:fld id="{28393167-663F-4E2D-94C0-04507F973EC3}" type="slidenum">
               <a:rPr lang="de-AT" smtClean="0"/>
-              <a:t>5</a:t>
+              <a:t>6</a:t>
             </a:fld>
             <a:endParaRPr lang="de-AT"/>
           </a:p>
@@ -848,6 +882,90 @@
           <a:bodyPr/>
           <a:lstStyle/>
           <a:p>
+            <a:endParaRPr lang="de-AT" dirty="0"/>
+          </a:p>
+        </p:txBody>
+      </p:sp>
+      <p:sp>
+        <p:nvSpPr>
+          <p:cNvPr id="4" name="Foliennummernplatzhalter 3"/>
+          <p:cNvSpPr>
+            <a:spLocks noGrp="1"/>
+          </p:cNvSpPr>
+          <p:nvPr>
+            <p:ph type="sldNum" sz="quarter" idx="10"/>
+          </p:nvPr>
+        </p:nvSpPr>
+        <p:spPr/>
+        <p:txBody>
+          <a:bodyPr/>
+          <a:lstStyle/>
+          <a:p>
+            <a:fld id="{28393167-663F-4E2D-94C0-04507F973EC3}" type="slidenum">
+              <a:rPr lang="de-AT" smtClean="0"/>
+              <a:t>8</a:t>
+            </a:fld>
+            <a:endParaRPr lang="de-AT"/>
+          </a:p>
+        </p:txBody>
+      </p:sp>
+    </p:spTree>
+    <p:extLst>
+      <p:ext uri="{BB962C8B-B14F-4D97-AF65-F5344CB8AC3E}">
+        <p14:creationId xmlns:p14="http://schemas.microsoft.com/office/powerpoint/2010/main" val="1596149267"/>
+      </p:ext>
+    </p:extLst>
+  </p:cSld>
+  <p:clrMapOvr>
+    <a:masterClrMapping/>
+  </p:clrMapOvr>
+</p:notes>
+</file>
+
+<file path=ppt/notesSlides/notesSlide5.xml><?xml version="1.0" encoding="utf-8"?>
+<p:notes xmlns:a="http://schemas.openxmlformats.org/drawingml/2006/main" xmlns:r="http://schemas.openxmlformats.org/officeDocument/2006/relationships" xmlns:p="http://schemas.openxmlformats.org/presentationml/2006/main">
+  <p:cSld>
+    <p:spTree>
+      <p:nvGrpSpPr>
+        <p:cNvPr id="1" name=""/>
+        <p:cNvGrpSpPr/>
+        <p:nvPr/>
+      </p:nvGrpSpPr>
+      <p:grpSpPr>
+        <a:xfrm>
+          <a:off x="0" y="0"/>
+          <a:ext cx="0" cy="0"/>
+          <a:chOff x="0" y="0"/>
+          <a:chExt cx="0" cy="0"/>
+        </a:xfrm>
+      </p:grpSpPr>
+      <p:sp>
+        <p:nvSpPr>
+          <p:cNvPr id="2" name="Folienbildplatzhalter 1"/>
+          <p:cNvSpPr>
+            <a:spLocks noGrp="1" noRot="1" noChangeAspect="1"/>
+          </p:cNvSpPr>
+          <p:nvPr>
+            <p:ph type="sldImg"/>
+          </p:nvPr>
+        </p:nvSpPr>
+        <p:spPr/>
+      </p:sp>
+      <p:sp>
+        <p:nvSpPr>
+          <p:cNvPr id="3" name="Notizenplatzhalter 2"/>
+          <p:cNvSpPr>
+            <a:spLocks noGrp="1"/>
+          </p:cNvSpPr>
+          <p:nvPr>
+            <p:ph type="body" idx="1"/>
+          </p:nvPr>
+        </p:nvSpPr>
+        <p:spPr/>
+        <p:txBody>
+          <a:bodyPr/>
+          <a:lstStyle/>
+          <a:p>
             <a:r>
               <a:rPr lang="de-AT" sz="1200" kern="1200" dirty="0" err="1">
                 <a:solidFill>
@@ -1013,7 +1131,7 @@
           <a:p>
             <a:fld id="{28393167-663F-4E2D-94C0-04507F973EC3}" type="slidenum">
               <a:rPr lang="de-AT" smtClean="0"/>
-              <a:t>7</a:t>
+              <a:t>10</a:t>
             </a:fld>
             <a:endParaRPr lang="de-AT"/>
           </a:p>
@@ -1023,6 +1141,714 @@
     <p:extLst>
       <p:ext uri="{BB962C8B-B14F-4D97-AF65-F5344CB8AC3E}">
         <p14:creationId xmlns:p14="http://schemas.microsoft.com/office/powerpoint/2010/main" val="3682762688"/>
+      </p:ext>
+    </p:extLst>
+  </p:cSld>
+  <p:clrMapOvr>
+    <a:masterClrMapping/>
+  </p:clrMapOvr>
+</p:notes>
+</file>
+
+<file path=ppt/notesSlides/notesSlide6.xml><?xml version="1.0" encoding="utf-8"?>
+<p:notes xmlns:a="http://schemas.openxmlformats.org/drawingml/2006/main" xmlns:r="http://schemas.openxmlformats.org/officeDocument/2006/relationships" xmlns:p="http://schemas.openxmlformats.org/presentationml/2006/main">
+  <p:cSld>
+    <p:spTree>
+      <p:nvGrpSpPr>
+        <p:cNvPr id="1" name=""/>
+        <p:cNvGrpSpPr/>
+        <p:nvPr/>
+      </p:nvGrpSpPr>
+      <p:grpSpPr>
+        <a:xfrm>
+          <a:off x="0" y="0"/>
+          <a:ext cx="0" cy="0"/>
+          <a:chOff x="0" y="0"/>
+          <a:chExt cx="0" cy="0"/>
+        </a:xfrm>
+      </p:grpSpPr>
+      <p:sp>
+        <p:nvSpPr>
+          <p:cNvPr id="2" name="Folienbildplatzhalter 1"/>
+          <p:cNvSpPr>
+            <a:spLocks noGrp="1" noRot="1" noChangeAspect="1"/>
+          </p:cNvSpPr>
+          <p:nvPr>
+            <p:ph type="sldImg"/>
+          </p:nvPr>
+        </p:nvSpPr>
+        <p:spPr/>
+      </p:sp>
+      <p:sp>
+        <p:nvSpPr>
+          <p:cNvPr id="3" name="Notizenplatzhalter 2"/>
+          <p:cNvSpPr>
+            <a:spLocks noGrp="1"/>
+          </p:cNvSpPr>
+          <p:nvPr>
+            <p:ph type="body" idx="1"/>
+          </p:nvPr>
+        </p:nvSpPr>
+        <p:spPr/>
+        <p:txBody>
+          <a:bodyPr/>
+          <a:lstStyle/>
+          <a:p>
+            <a:r>
+              <a:rPr lang="de-AT" dirty="0"/>
+              <a:t>/ G1: keine Erfahrung, G3: Fortgeschritten</a:t>
+            </a:r>
+          </a:p>
+          <a:p>
+            <a:r>
+              <a:rPr lang="de-AT" dirty="0"/>
+              <a:t>/ 3 männlich</a:t>
+            </a:r>
+          </a:p>
+          <a:p>
+            <a:r>
+              <a:rPr lang="de-AT" dirty="0"/>
+              <a:t>/ 6 weiblich</a:t>
+            </a:r>
+          </a:p>
+          <a:p>
+            <a:r>
+              <a:rPr lang="de-AT" dirty="0"/>
+              <a:t>/ 2 keine Nennung</a:t>
+            </a:r>
+          </a:p>
+        </p:txBody>
+      </p:sp>
+      <p:sp>
+        <p:nvSpPr>
+          <p:cNvPr id="4" name="Foliennummernplatzhalter 3"/>
+          <p:cNvSpPr>
+            <a:spLocks noGrp="1"/>
+          </p:cNvSpPr>
+          <p:nvPr>
+            <p:ph type="sldNum" sz="quarter" idx="10"/>
+          </p:nvPr>
+        </p:nvSpPr>
+        <p:spPr/>
+        <p:txBody>
+          <a:bodyPr/>
+          <a:lstStyle/>
+          <a:p>
+            <a:fld id="{28393167-663F-4E2D-94C0-04507F973EC3}" type="slidenum">
+              <a:rPr lang="de-AT" smtClean="0"/>
+              <a:t>15</a:t>
+            </a:fld>
+            <a:endParaRPr lang="de-AT"/>
+          </a:p>
+        </p:txBody>
+      </p:sp>
+    </p:spTree>
+    <p:extLst>
+      <p:ext uri="{BB962C8B-B14F-4D97-AF65-F5344CB8AC3E}">
+        <p14:creationId xmlns:p14="http://schemas.microsoft.com/office/powerpoint/2010/main" val="3510593283"/>
+      </p:ext>
+    </p:extLst>
+  </p:cSld>
+  <p:clrMapOvr>
+    <a:masterClrMapping/>
+  </p:clrMapOvr>
+</p:notes>
+</file>
+
+<file path=ppt/notesSlides/notesSlide7.xml><?xml version="1.0" encoding="utf-8"?>
+<p:notes xmlns:a="http://schemas.openxmlformats.org/drawingml/2006/main" xmlns:r="http://schemas.openxmlformats.org/officeDocument/2006/relationships" xmlns:p="http://schemas.openxmlformats.org/presentationml/2006/main">
+  <p:cSld>
+    <p:spTree>
+      <p:nvGrpSpPr>
+        <p:cNvPr id="1" name=""/>
+        <p:cNvGrpSpPr/>
+        <p:nvPr/>
+      </p:nvGrpSpPr>
+      <p:grpSpPr>
+        <a:xfrm>
+          <a:off x="0" y="0"/>
+          <a:ext cx="0" cy="0"/>
+          <a:chOff x="0" y="0"/>
+          <a:chExt cx="0" cy="0"/>
+        </a:xfrm>
+      </p:grpSpPr>
+      <p:sp>
+        <p:nvSpPr>
+          <p:cNvPr id="2" name="Folienbildplatzhalter 1"/>
+          <p:cNvSpPr>
+            <a:spLocks noGrp="1" noRot="1" noChangeAspect="1"/>
+          </p:cNvSpPr>
+          <p:nvPr>
+            <p:ph type="sldImg"/>
+          </p:nvPr>
+        </p:nvSpPr>
+        <p:spPr/>
+      </p:sp>
+      <p:sp>
+        <p:nvSpPr>
+          <p:cNvPr id="3" name="Notizenplatzhalter 2"/>
+          <p:cNvSpPr>
+            <a:spLocks noGrp="1"/>
+          </p:cNvSpPr>
+          <p:nvPr>
+            <p:ph type="body" idx="1"/>
+          </p:nvPr>
+        </p:nvSpPr>
+        <p:spPr/>
+        <p:txBody>
+          <a:bodyPr/>
+          <a:lstStyle/>
+          <a:p>
+            <a:r>
+              <a:rPr lang="de-AT" dirty="0"/>
+              <a:t>/ 3 Gruppen: nach  (11 Personen)</a:t>
+            </a:r>
+          </a:p>
+          <a:p>
+            <a:r>
+              <a:rPr lang="de-AT" dirty="0"/>
+              <a:t>/ 25,5 Jahre (</a:t>
+            </a:r>
+            <a:r>
+              <a:rPr lang="de-AT" dirty="0"/>
+              <a:t>mittleres Alter)</a:t>
+            </a:r>
+            <a:endParaRPr lang="de-AT" dirty="0"/>
+          </a:p>
+          <a:p>
+            <a:pPr marL="0" marR="0" lvl="0" indent="0" algn="l" defTabSz="914400" rtl="0" eaLnBrk="1" fontAlgn="auto" latinLnBrk="0" hangingPunct="1">
+              <a:lnSpc>
+                <a:spcPct val="100000"/>
+              </a:lnSpc>
+              <a:spcBef>
+                <a:spcPts val="0"/>
+              </a:spcBef>
+              <a:spcAft>
+                <a:spcPts val="0"/>
+              </a:spcAft>
+              <a:buClrTx/>
+              <a:buSzTx/>
+              <a:buFontTx/>
+              <a:buNone/>
+              <a:tabLst/>
+              <a:defRPr/>
+            </a:pPr>
+            <a:r>
+              <a:rPr lang="de-AT" dirty="0"/>
+              <a:t>/ 29 Minuten (mittlere Testdauer</a:t>
+            </a:r>
+          </a:p>
+          <a:p>
+            <a:pPr marL="0" marR="0" lvl="0" indent="0" algn="l" defTabSz="914400" rtl="0" eaLnBrk="1" fontAlgn="auto" latinLnBrk="0" hangingPunct="1">
+              <a:lnSpc>
+                <a:spcPct val="100000"/>
+              </a:lnSpc>
+              <a:spcBef>
+                <a:spcPts val="0"/>
+              </a:spcBef>
+              <a:spcAft>
+                <a:spcPts val="0"/>
+              </a:spcAft>
+              <a:buClrTx/>
+              <a:buSzTx/>
+              <a:buFontTx/>
+              <a:buNone/>
+              <a:tabLst/>
+              <a:defRPr/>
+            </a:pPr>
+            <a:endParaRPr lang="de-AT" dirty="0"/>
+          </a:p>
+          <a:p>
+            <a:pPr marL="0" marR="0" lvl="0" indent="0" algn="l" defTabSz="914400" rtl="0" eaLnBrk="1" fontAlgn="auto" latinLnBrk="0" hangingPunct="1">
+              <a:lnSpc>
+                <a:spcPct val="100000"/>
+              </a:lnSpc>
+              <a:spcBef>
+                <a:spcPts val="0"/>
+              </a:spcBef>
+              <a:spcAft>
+                <a:spcPts val="0"/>
+              </a:spcAft>
+              <a:buClrTx/>
+              <a:buSzTx/>
+              <a:buFontTx/>
+              <a:buNone/>
+              <a:tabLst/>
+              <a:defRPr/>
+            </a:pPr>
+            <a:r>
+              <a:rPr lang="de-AT" dirty="0"/>
+              <a:t># Fragebogen – 20 Fragen</a:t>
+            </a:r>
+          </a:p>
+          <a:p>
+            <a:pPr marL="0" marR="0" lvl="0" indent="0" algn="l" defTabSz="914400" rtl="0" eaLnBrk="1" fontAlgn="auto" latinLnBrk="0" hangingPunct="1">
+              <a:lnSpc>
+                <a:spcPct val="100000"/>
+              </a:lnSpc>
+              <a:spcBef>
+                <a:spcPts val="0"/>
+              </a:spcBef>
+              <a:spcAft>
+                <a:spcPts val="0"/>
+              </a:spcAft>
+              <a:buClrTx/>
+              <a:buSzTx/>
+              <a:buFontTx/>
+              <a:buNone/>
+              <a:tabLst/>
+              <a:defRPr/>
+            </a:pPr>
+            <a:r>
+              <a:rPr lang="de-AT" dirty="0"/>
+              <a:t>/ eigene Fragen</a:t>
+            </a:r>
+          </a:p>
+          <a:p>
+            <a:pPr marL="0" marR="0" lvl="0" indent="0" algn="l" defTabSz="914400" rtl="0" eaLnBrk="1" fontAlgn="auto" latinLnBrk="0" hangingPunct="1">
+              <a:lnSpc>
+                <a:spcPct val="100000"/>
+              </a:lnSpc>
+              <a:spcBef>
+                <a:spcPts val="0"/>
+              </a:spcBef>
+              <a:spcAft>
+                <a:spcPts val="0"/>
+              </a:spcAft>
+              <a:buClrTx/>
+              <a:buSzTx/>
+              <a:buFontTx/>
+              <a:buNone/>
+              <a:tabLst/>
+              <a:defRPr/>
+            </a:pPr>
+            <a:r>
+              <a:rPr lang="de-AT" dirty="0"/>
+              <a:t>/ </a:t>
+            </a:r>
+            <a:r>
+              <a:rPr lang="de-AT" dirty="0" err="1"/>
+              <a:t>IsoMetric</a:t>
+            </a:r>
+            <a:r>
+              <a:rPr lang="de-AT" dirty="0"/>
+              <a:t> S (</a:t>
+            </a:r>
+            <a:r>
+              <a:rPr lang="de-AT" dirty="0" err="1"/>
+              <a:t>Willmut</a:t>
+            </a:r>
+            <a:r>
+              <a:rPr lang="de-AT" dirty="0"/>
+              <a:t> 1997)</a:t>
+            </a:r>
+          </a:p>
+          <a:p>
+            <a:pPr marL="0" marR="0" lvl="0" indent="0" algn="l" defTabSz="914400" rtl="0" eaLnBrk="1" fontAlgn="auto" latinLnBrk="0" hangingPunct="1">
+              <a:lnSpc>
+                <a:spcPct val="100000"/>
+              </a:lnSpc>
+              <a:spcBef>
+                <a:spcPts val="0"/>
+              </a:spcBef>
+              <a:spcAft>
+                <a:spcPts val="0"/>
+              </a:spcAft>
+              <a:buClrTx/>
+              <a:buSzTx/>
+              <a:buFontTx/>
+              <a:buNone/>
+              <a:tabLst/>
+              <a:defRPr/>
+            </a:pPr>
+            <a:r>
+              <a:rPr lang="de-AT" dirty="0"/>
+              <a:t>/ ISONORM (</a:t>
+            </a:r>
+            <a:r>
+              <a:rPr lang="de-AT" dirty="0" err="1"/>
+              <a:t>Prümper</a:t>
+            </a:r>
+            <a:r>
+              <a:rPr lang="de-AT" dirty="0"/>
+              <a:t> und </a:t>
+            </a:r>
+            <a:r>
+              <a:rPr lang="de-AT" dirty="0" err="1"/>
+              <a:t>Anft</a:t>
+            </a:r>
+            <a:r>
+              <a:rPr lang="de-AT" dirty="0"/>
+              <a:t> 1993)</a:t>
+            </a:r>
+          </a:p>
+          <a:p>
+            <a:pPr marL="0" marR="0" lvl="0" indent="0" algn="l" defTabSz="914400" rtl="0" eaLnBrk="1" fontAlgn="auto" latinLnBrk="0" hangingPunct="1">
+              <a:lnSpc>
+                <a:spcPct val="100000"/>
+              </a:lnSpc>
+              <a:spcBef>
+                <a:spcPts val="0"/>
+              </a:spcBef>
+              <a:spcAft>
+                <a:spcPts val="0"/>
+              </a:spcAft>
+              <a:buClrTx/>
+              <a:buSzTx/>
+              <a:buFontTx/>
+              <a:buNone/>
+              <a:tabLst/>
+              <a:defRPr/>
+            </a:pPr>
+            <a:r>
+              <a:rPr lang="de-AT" dirty="0"/>
+              <a:t>/ Erfahrung, Effektivität, Effizienz, Zufriedenheit</a:t>
+            </a:r>
+          </a:p>
+          <a:p>
+            <a:pPr marL="0" marR="0" lvl="0" indent="0" algn="l" defTabSz="914400" rtl="0" eaLnBrk="1" fontAlgn="auto" latinLnBrk="0" hangingPunct="1">
+              <a:lnSpc>
+                <a:spcPct val="100000"/>
+              </a:lnSpc>
+              <a:spcBef>
+                <a:spcPts val="0"/>
+              </a:spcBef>
+              <a:spcAft>
+                <a:spcPts val="0"/>
+              </a:spcAft>
+              <a:buClrTx/>
+              <a:buSzTx/>
+              <a:buFontTx/>
+              <a:buNone/>
+              <a:tabLst/>
+              <a:defRPr/>
+            </a:pPr>
+            <a:endParaRPr lang="de-AT" dirty="0"/>
+          </a:p>
+          <a:p>
+            <a:endParaRPr lang="de-AT" dirty="0"/>
+          </a:p>
+        </p:txBody>
+      </p:sp>
+      <p:sp>
+        <p:nvSpPr>
+          <p:cNvPr id="4" name="Foliennummernplatzhalter 3"/>
+          <p:cNvSpPr>
+            <a:spLocks noGrp="1"/>
+          </p:cNvSpPr>
+          <p:nvPr>
+            <p:ph type="sldNum" sz="quarter" idx="10"/>
+          </p:nvPr>
+        </p:nvSpPr>
+        <p:spPr/>
+        <p:txBody>
+          <a:bodyPr/>
+          <a:lstStyle/>
+          <a:p>
+            <a:fld id="{28393167-663F-4E2D-94C0-04507F973EC3}" type="slidenum">
+              <a:rPr lang="de-AT" smtClean="0"/>
+              <a:t>16</a:t>
+            </a:fld>
+            <a:endParaRPr lang="de-AT"/>
+          </a:p>
+        </p:txBody>
+      </p:sp>
+    </p:spTree>
+    <p:extLst>
+      <p:ext uri="{BB962C8B-B14F-4D97-AF65-F5344CB8AC3E}">
+        <p14:creationId xmlns:p14="http://schemas.microsoft.com/office/powerpoint/2010/main" val="1987830926"/>
+      </p:ext>
+    </p:extLst>
+  </p:cSld>
+  <p:clrMapOvr>
+    <a:masterClrMapping/>
+  </p:clrMapOvr>
+</p:notes>
+</file>
+
+<file path=ppt/notesSlides/notesSlide8.xml><?xml version="1.0" encoding="utf-8"?>
+<p:notes xmlns:a="http://schemas.openxmlformats.org/drawingml/2006/main" xmlns:r="http://schemas.openxmlformats.org/officeDocument/2006/relationships" xmlns:p="http://schemas.openxmlformats.org/presentationml/2006/main">
+  <p:cSld>
+    <p:spTree>
+      <p:nvGrpSpPr>
+        <p:cNvPr id="1" name=""/>
+        <p:cNvGrpSpPr/>
+        <p:nvPr/>
+      </p:nvGrpSpPr>
+      <p:grpSpPr>
+        <a:xfrm>
+          <a:off x="0" y="0"/>
+          <a:ext cx="0" cy="0"/>
+          <a:chOff x="0" y="0"/>
+          <a:chExt cx="0" cy="0"/>
+        </a:xfrm>
+      </p:grpSpPr>
+      <p:sp>
+        <p:nvSpPr>
+          <p:cNvPr id="2" name="Folienbildplatzhalter 1"/>
+          <p:cNvSpPr>
+            <a:spLocks noGrp="1" noRot="1" noChangeAspect="1"/>
+          </p:cNvSpPr>
+          <p:nvPr>
+            <p:ph type="sldImg"/>
+          </p:nvPr>
+        </p:nvSpPr>
+        <p:spPr/>
+      </p:sp>
+      <p:sp>
+        <p:nvSpPr>
+          <p:cNvPr id="3" name="Notizenplatzhalter 2"/>
+          <p:cNvSpPr>
+            <a:spLocks noGrp="1"/>
+          </p:cNvSpPr>
+          <p:nvPr>
+            <p:ph type="body" idx="1"/>
+          </p:nvPr>
+        </p:nvSpPr>
+        <p:spPr/>
+        <p:txBody>
+          <a:bodyPr/>
+          <a:lstStyle/>
+          <a:p>
+            <a:r>
+              <a:rPr lang="de-AT" dirty="0"/>
+              <a:t>/ 3 Gruppen: nach Erfahrungsgrad</a:t>
+            </a:r>
+          </a:p>
+          <a:p>
+            <a:r>
+              <a:rPr lang="de-AT" dirty="0"/>
+              <a:t>/ 11 Personen</a:t>
+            </a:r>
+          </a:p>
+          <a:p>
+            <a:r>
+              <a:rPr lang="de-AT" dirty="0"/>
+              <a:t>/ 25,5 Jahre</a:t>
+            </a:r>
+          </a:p>
+          <a:p>
+            <a:pPr marL="0" marR="0" lvl="0" indent="0" algn="l" defTabSz="914400" rtl="0" eaLnBrk="1" fontAlgn="auto" latinLnBrk="0" hangingPunct="1">
+              <a:lnSpc>
+                <a:spcPct val="100000"/>
+              </a:lnSpc>
+              <a:spcBef>
+                <a:spcPts val="0"/>
+              </a:spcBef>
+              <a:spcAft>
+                <a:spcPts val="0"/>
+              </a:spcAft>
+              <a:buClrTx/>
+              <a:buSzTx/>
+              <a:buFontTx/>
+              <a:buNone/>
+              <a:tabLst/>
+              <a:defRPr/>
+            </a:pPr>
+            <a:r>
+              <a:rPr lang="de-AT" dirty="0"/>
+              <a:t>/ 29 Minuten</a:t>
+            </a:r>
+          </a:p>
+          <a:p>
+            <a:pPr marL="0" marR="0" lvl="0" indent="0" algn="l" defTabSz="914400" rtl="0" eaLnBrk="1" fontAlgn="auto" latinLnBrk="0" hangingPunct="1">
+              <a:lnSpc>
+                <a:spcPct val="100000"/>
+              </a:lnSpc>
+              <a:spcBef>
+                <a:spcPts val="0"/>
+              </a:spcBef>
+              <a:spcAft>
+                <a:spcPts val="0"/>
+              </a:spcAft>
+              <a:buClrTx/>
+              <a:buSzTx/>
+              <a:buFontTx/>
+              <a:buNone/>
+              <a:tabLst/>
+              <a:defRPr/>
+            </a:pPr>
+            <a:endParaRPr lang="de-AT" dirty="0"/>
+          </a:p>
+          <a:p>
+            <a:pPr marL="0" marR="0" lvl="0" indent="0" algn="l" defTabSz="914400" rtl="0" eaLnBrk="1" fontAlgn="auto" latinLnBrk="0" hangingPunct="1">
+              <a:lnSpc>
+                <a:spcPct val="100000"/>
+              </a:lnSpc>
+              <a:spcBef>
+                <a:spcPts val="0"/>
+              </a:spcBef>
+              <a:spcAft>
+                <a:spcPts val="0"/>
+              </a:spcAft>
+              <a:buClrTx/>
+              <a:buSzTx/>
+              <a:buFontTx/>
+              <a:buNone/>
+              <a:tabLst/>
+              <a:defRPr/>
+            </a:pPr>
+            <a:r>
+              <a:rPr lang="de-AT" dirty="0"/>
+              <a:t># Fragebogen – 20 Fragen</a:t>
+            </a:r>
+          </a:p>
+          <a:p>
+            <a:pPr marL="0" marR="0" lvl="0" indent="0" algn="l" defTabSz="914400" rtl="0" eaLnBrk="1" fontAlgn="auto" latinLnBrk="0" hangingPunct="1">
+              <a:lnSpc>
+                <a:spcPct val="100000"/>
+              </a:lnSpc>
+              <a:spcBef>
+                <a:spcPts val="0"/>
+              </a:spcBef>
+              <a:spcAft>
+                <a:spcPts val="0"/>
+              </a:spcAft>
+              <a:buClrTx/>
+              <a:buSzTx/>
+              <a:buFontTx/>
+              <a:buNone/>
+              <a:tabLst/>
+              <a:defRPr/>
+            </a:pPr>
+            <a:r>
+              <a:rPr lang="de-AT" dirty="0"/>
+              <a:t>/ eigene Fragen</a:t>
+            </a:r>
+          </a:p>
+          <a:p>
+            <a:pPr marL="0" marR="0" lvl="0" indent="0" algn="l" defTabSz="914400" rtl="0" eaLnBrk="1" fontAlgn="auto" latinLnBrk="0" hangingPunct="1">
+              <a:lnSpc>
+                <a:spcPct val="100000"/>
+              </a:lnSpc>
+              <a:spcBef>
+                <a:spcPts val="0"/>
+              </a:spcBef>
+              <a:spcAft>
+                <a:spcPts val="0"/>
+              </a:spcAft>
+              <a:buClrTx/>
+              <a:buSzTx/>
+              <a:buFontTx/>
+              <a:buNone/>
+              <a:tabLst/>
+              <a:defRPr/>
+            </a:pPr>
+            <a:r>
+              <a:rPr lang="de-AT" dirty="0"/>
+              <a:t>/ </a:t>
+            </a:r>
+            <a:r>
+              <a:rPr lang="de-AT" dirty="0" err="1"/>
+              <a:t>IsoMetric</a:t>
+            </a:r>
+            <a:r>
+              <a:rPr lang="de-AT" dirty="0"/>
+              <a:t> S (</a:t>
+            </a:r>
+            <a:r>
+              <a:rPr lang="de-AT" dirty="0" err="1"/>
+              <a:t>Willmut</a:t>
+            </a:r>
+            <a:r>
+              <a:rPr lang="de-AT" dirty="0"/>
+              <a:t> 1997)</a:t>
+            </a:r>
+          </a:p>
+          <a:p>
+            <a:pPr marL="0" marR="0" lvl="0" indent="0" algn="l" defTabSz="914400" rtl="0" eaLnBrk="1" fontAlgn="auto" latinLnBrk="0" hangingPunct="1">
+              <a:lnSpc>
+                <a:spcPct val="100000"/>
+              </a:lnSpc>
+              <a:spcBef>
+                <a:spcPts val="0"/>
+              </a:spcBef>
+              <a:spcAft>
+                <a:spcPts val="0"/>
+              </a:spcAft>
+              <a:buClrTx/>
+              <a:buSzTx/>
+              <a:buFontTx/>
+              <a:buNone/>
+              <a:tabLst/>
+              <a:defRPr/>
+            </a:pPr>
+            <a:r>
+              <a:rPr lang="de-AT" dirty="0"/>
+              <a:t>/ ISONORM (</a:t>
+            </a:r>
+            <a:r>
+              <a:rPr lang="de-AT" dirty="0" err="1"/>
+              <a:t>Prümper</a:t>
+            </a:r>
+            <a:r>
+              <a:rPr lang="de-AT" dirty="0"/>
+              <a:t> und </a:t>
+            </a:r>
+            <a:r>
+              <a:rPr lang="de-AT" dirty="0" err="1"/>
+              <a:t>Anft</a:t>
+            </a:r>
+            <a:r>
+              <a:rPr lang="de-AT" dirty="0"/>
+              <a:t> 1993)</a:t>
+            </a:r>
+          </a:p>
+          <a:p>
+            <a:pPr marL="0" marR="0" lvl="0" indent="0" algn="l" defTabSz="914400" rtl="0" eaLnBrk="1" fontAlgn="auto" latinLnBrk="0" hangingPunct="1">
+              <a:lnSpc>
+                <a:spcPct val="100000"/>
+              </a:lnSpc>
+              <a:spcBef>
+                <a:spcPts val="0"/>
+              </a:spcBef>
+              <a:spcAft>
+                <a:spcPts val="0"/>
+              </a:spcAft>
+              <a:buClrTx/>
+              <a:buSzTx/>
+              <a:buFontTx/>
+              <a:buNone/>
+              <a:tabLst/>
+              <a:defRPr/>
+            </a:pPr>
+            <a:r>
+              <a:rPr lang="de-AT" dirty="0"/>
+              <a:t>/ Erfahrung, Effektivität, Effizienz, Zufriedenheit</a:t>
+            </a:r>
+          </a:p>
+          <a:p>
+            <a:endParaRPr lang="de-AT" dirty="0"/>
+          </a:p>
+        </p:txBody>
+      </p:sp>
+      <p:sp>
+        <p:nvSpPr>
+          <p:cNvPr id="4" name="Foliennummernplatzhalter 3"/>
+          <p:cNvSpPr>
+            <a:spLocks noGrp="1"/>
+          </p:cNvSpPr>
+          <p:nvPr>
+            <p:ph type="sldNum" sz="quarter" idx="10"/>
+          </p:nvPr>
+        </p:nvSpPr>
+        <p:spPr/>
+        <p:txBody>
+          <a:bodyPr/>
+          <a:lstStyle/>
+          <a:p>
+            <a:fld id="{28393167-663F-4E2D-94C0-04507F973EC3}" type="slidenum">
+              <a:rPr lang="de-AT" smtClean="0"/>
+              <a:t>17</a:t>
+            </a:fld>
+            <a:endParaRPr lang="de-AT"/>
+          </a:p>
+        </p:txBody>
+      </p:sp>
+    </p:spTree>
+    <p:extLst>
+      <p:ext uri="{BB962C8B-B14F-4D97-AF65-F5344CB8AC3E}">
+        <p14:creationId xmlns:p14="http://schemas.microsoft.com/office/powerpoint/2010/main" val="1217845631"/>
       </p:ext>
     </p:extLst>
   </p:cSld>
@@ -1163,7 +1989,7 @@
           <a:p>
             <a:fld id="{42CFA529-0F1A-44DC-B789-CEDBE28DE722}" type="datetimeFigureOut">
               <a:rPr lang="de-AT" smtClean="0"/>
-              <a:t>22.01.2017</a:t>
+              <a:t>31.01.2017</a:t>
             </a:fld>
             <a:endParaRPr lang="de-AT"/>
           </a:p>
@@ -1333,7 +2159,7 @@
           <a:p>
             <a:fld id="{42CFA529-0F1A-44DC-B789-CEDBE28DE722}" type="datetimeFigureOut">
               <a:rPr lang="de-AT" smtClean="0"/>
-              <a:t>22.01.2017</a:t>
+              <a:t>31.01.2017</a:t>
             </a:fld>
             <a:endParaRPr lang="de-AT"/>
           </a:p>
@@ -1513,7 +2339,7 @@
           <a:p>
             <a:fld id="{42CFA529-0F1A-44DC-B789-CEDBE28DE722}" type="datetimeFigureOut">
               <a:rPr lang="de-AT" smtClean="0"/>
-              <a:t>22.01.2017</a:t>
+              <a:t>31.01.2017</a:t>
             </a:fld>
             <a:endParaRPr lang="de-AT"/>
           </a:p>
@@ -1689,7 +2515,7 @@
           <a:p>
             <a:fld id="{42CFA529-0F1A-44DC-B789-CEDBE28DE722}" type="datetimeFigureOut">
               <a:rPr lang="de-AT" smtClean="0"/>
-              <a:t>22.01.2017</a:t>
+              <a:t>31.01.2017</a:t>
             </a:fld>
             <a:endParaRPr lang="de-AT"/>
           </a:p>
@@ -1935,7 +2761,7 @@
           <a:p>
             <a:fld id="{42CFA529-0F1A-44DC-B789-CEDBE28DE722}" type="datetimeFigureOut">
               <a:rPr lang="de-AT" smtClean="0"/>
-              <a:t>22.01.2017</a:t>
+              <a:t>31.01.2017</a:t>
             </a:fld>
             <a:endParaRPr lang="de-AT"/>
           </a:p>
@@ -2167,7 +2993,7 @@
           <a:p>
             <a:fld id="{42CFA529-0F1A-44DC-B789-CEDBE28DE722}" type="datetimeFigureOut">
               <a:rPr lang="de-AT" smtClean="0"/>
-              <a:t>22.01.2017</a:t>
+              <a:t>31.01.2017</a:t>
             </a:fld>
             <a:endParaRPr lang="de-AT"/>
           </a:p>
@@ -2534,7 +3360,7 @@
           <a:p>
             <a:fld id="{42CFA529-0F1A-44DC-B789-CEDBE28DE722}" type="datetimeFigureOut">
               <a:rPr lang="de-AT" smtClean="0"/>
-              <a:t>22.01.2017</a:t>
+              <a:t>31.01.2017</a:t>
             </a:fld>
             <a:endParaRPr lang="de-AT"/>
           </a:p>
@@ -2652,7 +3478,7 @@
           <a:p>
             <a:fld id="{42CFA529-0F1A-44DC-B789-CEDBE28DE722}" type="datetimeFigureOut">
               <a:rPr lang="de-AT" smtClean="0"/>
-              <a:t>22.01.2017</a:t>
+              <a:t>31.01.2017</a:t>
             </a:fld>
             <a:endParaRPr lang="de-AT"/>
           </a:p>
@@ -2747,7 +3573,7 @@
           <a:p>
             <a:fld id="{42CFA529-0F1A-44DC-B789-CEDBE28DE722}" type="datetimeFigureOut">
               <a:rPr lang="de-AT" smtClean="0"/>
-              <a:t>22.01.2017</a:t>
+              <a:t>31.01.2017</a:t>
             </a:fld>
             <a:endParaRPr lang="de-AT"/>
           </a:p>
@@ -3024,7 +3850,7 @@
           <a:p>
             <a:fld id="{42CFA529-0F1A-44DC-B789-CEDBE28DE722}" type="datetimeFigureOut">
               <a:rPr lang="de-AT" smtClean="0"/>
-              <a:t>22.01.2017</a:t>
+              <a:t>31.01.2017</a:t>
             </a:fld>
             <a:endParaRPr lang="de-AT"/>
           </a:p>
@@ -3277,7 +4103,7 @@
           <a:p>
             <a:fld id="{42CFA529-0F1A-44DC-B789-CEDBE28DE722}" type="datetimeFigureOut">
               <a:rPr lang="de-AT" smtClean="0"/>
-              <a:t>22.01.2017</a:t>
+              <a:t>31.01.2017</a:t>
             </a:fld>
             <a:endParaRPr lang="de-AT"/>
           </a:p>
@@ -3490,7 +4316,7 @@
           <a:p>
             <a:fld id="{42CFA529-0F1A-44DC-B789-CEDBE28DE722}" type="datetimeFigureOut">
               <a:rPr lang="de-AT" smtClean="0"/>
-              <a:t>22.01.2017</a:t>
+              <a:t>31.01.2017</a:t>
             </a:fld>
             <a:endParaRPr lang="de-AT"/>
           </a:p>
@@ -3912,22 +4738,16 @@
           </a:bodyPr>
           <a:lstStyle/>
           <a:p>
-            <a:r>
-              <a:rPr lang="de-DE" sz="4400" b="1" dirty="0"/>
-              <a:t>Kontextsensitive Darstellung von Informationen</a:t>
-            </a:r>
-            <a:br>
-              <a:rPr lang="de-DE" sz="4400" b="1" dirty="0"/>
-            </a:br>
-            <a:r>
-              <a:rPr lang="de-DE" sz="4400" b="1" dirty="0"/>
-              <a:t>zur Unterstützung der Ressourcen-Einteilung</a:t>
-            </a:r>
-            <a:r>
-              <a:rPr lang="de-DE" sz="4400" dirty="0"/>
+            <a:pPr algn="l"/>
+            <a:r>
+              <a:rPr lang="de-DE" sz="4000" b="1" dirty="0"/>
+              <a:t>Kontextsensitive Darstellung von Informationen zur Unterstützung der Ressourcen-Einteilung</a:t>
+            </a:r>
+            <a:r>
+              <a:rPr lang="de-DE" sz="4000" dirty="0"/>
               <a:t> </a:t>
             </a:r>
-            <a:endParaRPr lang="de-AT" sz="4400" dirty="0"/>
+            <a:endParaRPr lang="de-AT" sz="4000" dirty="0"/>
           </a:p>
         </p:txBody>
       </p:sp>
@@ -3948,19 +4768,108 @@
           </a:bodyPr>
           <a:lstStyle/>
           <a:p>
+            <a:pPr algn="l">
+              <a:lnSpc>
+                <a:spcPct val="100000"/>
+              </a:lnSpc>
+            </a:pPr>
             <a:r>
               <a:rPr lang="de-AT" dirty="0"/>
-              <a:t>Präsentation der Masterarbeit</a:t>
-            </a:r>
-          </a:p>
-          <a:p>
-            <a:r>
+              <a:t>Masterarbeit im Studiengang Informatik</a:t>
+            </a:r>
+            <a:br>
               <a:rPr lang="de-AT" dirty="0"/>
-              <a:t>Martin Münch</a:t>
-            </a:r>
-          </a:p>
-        </p:txBody>
-      </p:sp>
+            </a:br>
+            <a:r>
+              <a:rPr lang="de-AT" dirty="0"/>
+              <a:t>Februar 2017</a:t>
+            </a:r>
+            <a:br>
+              <a:rPr lang="de-AT" dirty="0"/>
+            </a:br>
+            <a:r>
+              <a:rPr lang="de-AT" dirty="0"/>
+              <a:t>Martin Münch, </a:t>
+            </a:r>
+            <a:r>
+              <a:rPr lang="de-AT" dirty="0" err="1"/>
+              <a:t>BSc</a:t>
+            </a:r>
+            <a:endParaRPr lang="de-AT" dirty="0"/>
+          </a:p>
+        </p:txBody>
+      </p:sp>
+      <p:pic>
+        <p:nvPicPr>
+          <p:cNvPr id="4" name="Picture 2" descr="http://www.fhv.at/presse/fhv-logos/a3-png"/>
+          <p:cNvPicPr>
+            <a:picLocks noChangeAspect="1" noChangeArrowheads="1"/>
+          </p:cNvPicPr>
+          <p:nvPr/>
+        </p:nvPicPr>
+        <p:blipFill>
+          <a:blip r:embed="rId2">
+            <a:extLst>
+              <a:ext uri="{28A0092B-C50C-407E-A947-70E740481C1C}">
+                <a14:useLocalDpi xmlns:a14="http://schemas.microsoft.com/office/drawing/2010/main" val="0"/>
+              </a:ext>
+            </a:extLst>
+          </a:blip>
+          <a:srcRect/>
+          <a:stretch>
+            <a:fillRect/>
+          </a:stretch>
+        </p:blipFill>
+        <p:spPr bwMode="auto">
+          <a:xfrm>
+            <a:off x="9200578" y="5983215"/>
+            <a:ext cx="2590800" cy="581026"/>
+          </a:xfrm>
+          <a:prstGeom prst="rect">
+            <a:avLst/>
+          </a:prstGeom>
+          <a:noFill/>
+          <a:extLst>
+            <a:ext uri="{909E8E84-426E-40DD-AFC4-6F175D3DCCD1}">
+              <a14:hiddenFill xmlns:a14="http://schemas.microsoft.com/office/drawing/2010/main">
+                <a:solidFill>
+                  <a:srgbClr val="FFFFFF"/>
+                </a:solidFill>
+              </a14:hiddenFill>
+            </a:ext>
+          </a:extLst>
+        </p:spPr>
+      </p:pic>
+      <p:pic>
+        <p:nvPicPr>
+          <p:cNvPr id="7" name="Grafik 6"/>
+          <p:cNvPicPr>
+            <a:picLocks noChangeAspect="1"/>
+          </p:cNvPicPr>
+          <p:nvPr/>
+        </p:nvPicPr>
+        <p:blipFill>
+          <a:blip r:embed="rId3">
+            <a:extLst>
+              <a:ext uri="{28A0092B-C50C-407E-A947-70E740481C1C}">
+                <a14:useLocalDpi xmlns:a14="http://schemas.microsoft.com/office/drawing/2010/main" val="0"/>
+              </a:ext>
+            </a:extLst>
+          </a:blip>
+          <a:stretch>
+            <a:fillRect/>
+          </a:stretch>
+        </p:blipFill>
+        <p:spPr>
+          <a:xfrm>
+            <a:off x="1524000" y="5983215"/>
+            <a:ext cx="1990165" cy="678204"/>
+          </a:xfrm>
+          <a:prstGeom prst="rect">
+            <a:avLst/>
+          </a:prstGeom>
+        </p:spPr>
+      </p:pic>
     </p:spTree>
     <p:extLst>
       <p:ext uri="{BB962C8B-B14F-4D97-AF65-F5344CB8AC3E}">
@@ -3991,42 +4900,1556 @@
           <a:chExt cx="0" cy="0"/>
         </a:xfrm>
       </p:grpSpPr>
-      <p:sp>
-        <p:nvSpPr>
-          <p:cNvPr id="4" name="Titel 3"/>
-          <p:cNvSpPr>
-            <a:spLocks noGrp="1"/>
-          </p:cNvSpPr>
-          <p:nvPr>
-            <p:ph type="title"/>
-          </p:nvPr>
-        </p:nvSpPr>
-        <p:spPr/>
-        <p:txBody>
-          <a:bodyPr/>
-          <a:lstStyle/>
-          <a:p>
-            <a:pPr algn="r"/>
-            <a:r>
-              <a:rPr lang="de-AT" dirty="0"/>
-              <a:t>Danke!</a:t>
-            </a:r>
-          </a:p>
-        </p:txBody>
-      </p:sp>
-      <p:sp>
-        <p:nvSpPr>
-          <p:cNvPr id="5" name="Textplatzhalter 4"/>
-          <p:cNvSpPr>
-            <a:spLocks noGrp="1"/>
-          </p:cNvSpPr>
-          <p:nvPr>
-            <p:ph type="body" idx="1"/>
-          </p:nvPr>
-        </p:nvSpPr>
+      <p:pic>
+        <p:nvPicPr>
+          <p:cNvPr id="4" name="Inhaltsplatzhalter 3"/>
+          <p:cNvPicPr>
+            <a:picLocks noGrp="1" noChangeAspect="1"/>
+          </p:cNvPicPr>
+          <p:nvPr>
+            <p:ph idx="4294967295"/>
+          </p:nvPr>
+        </p:nvPicPr>
+        <p:blipFill>
+          <a:blip r:embed="rId3">
+            <a:extLst>
+              <a:ext uri="{28A0092B-C50C-407E-A947-70E740481C1C}">
+                <a14:useLocalDpi xmlns:a14="http://schemas.microsoft.com/office/drawing/2010/main" val="0"/>
+              </a:ext>
+            </a:extLst>
+          </a:blip>
+          <a:stretch>
+            <a:fillRect/>
+          </a:stretch>
+        </p:blipFill>
         <p:spPr>
           <a:xfrm>
-            <a:off x="854532" y="5594663"/>
+            <a:off x="1690389" y="0"/>
+            <a:ext cx="8393112" cy="6858000"/>
+          </a:xfrm>
+        </p:spPr>
+      </p:pic>
+    </p:spTree>
+    <p:extLst>
+      <p:ext uri="{BB962C8B-B14F-4D97-AF65-F5344CB8AC3E}">
+        <p14:creationId xmlns:p14="http://schemas.microsoft.com/office/powerpoint/2010/main" val="3458263676"/>
+      </p:ext>
+    </p:extLst>
+  </p:cSld>
+  <p:clrMapOvr>
+    <a:masterClrMapping/>
+  </p:clrMapOvr>
+</p:sld>
+</file>
+
+<file path=ppt/slides/slide11.xml><?xml version="1.0" encoding="utf-8"?>
+<p:sld xmlns:a="http://schemas.openxmlformats.org/drawingml/2006/main" xmlns:r="http://schemas.openxmlformats.org/officeDocument/2006/relationships" xmlns:p="http://schemas.openxmlformats.org/presentationml/2006/main">
+  <p:cSld>
+    <p:spTree>
+      <p:nvGrpSpPr>
+        <p:cNvPr id="1" name=""/>
+        <p:cNvGrpSpPr/>
+        <p:nvPr/>
+      </p:nvGrpSpPr>
+      <p:grpSpPr>
+        <a:xfrm>
+          <a:off x="0" y="0"/>
+          <a:ext cx="0" cy="0"/>
+          <a:chOff x="0" y="0"/>
+          <a:chExt cx="0" cy="0"/>
+        </a:xfrm>
+      </p:grpSpPr>
+      <p:pic>
+        <p:nvPicPr>
+          <p:cNvPr id="4" name="Grafik 3"/>
+          <p:cNvPicPr>
+            <a:picLocks noChangeAspect="1"/>
+          </p:cNvPicPr>
+          <p:nvPr/>
+        </p:nvPicPr>
+        <p:blipFill>
+          <a:blip r:embed="rId2">
+            <a:extLst>
+              <a:ext uri="{28A0092B-C50C-407E-A947-70E740481C1C}">
+                <a14:useLocalDpi xmlns:a14="http://schemas.microsoft.com/office/drawing/2010/main" val="0"/>
+              </a:ext>
+            </a:extLst>
+          </a:blip>
+          <a:stretch>
+            <a:fillRect/>
+          </a:stretch>
+        </p:blipFill>
+        <p:spPr>
+          <a:xfrm>
+            <a:off x="605591" y="0"/>
+            <a:ext cx="10324178" cy="6863965"/>
+          </a:xfrm>
+          <a:prstGeom prst="rect">
+            <a:avLst/>
+          </a:prstGeom>
+        </p:spPr>
+      </p:pic>
+      <p:pic>
+        <p:nvPicPr>
+          <p:cNvPr id="8" name="Grafik 7"/>
+          <p:cNvPicPr>
+            <a:picLocks noChangeAspect="1"/>
+          </p:cNvPicPr>
+          <p:nvPr/>
+        </p:nvPicPr>
+        <p:blipFill>
+          <a:blip r:embed="rId3">
+            <a:extLst>
+              <a:ext uri="{28A0092B-C50C-407E-A947-70E740481C1C}">
+                <a14:useLocalDpi xmlns:a14="http://schemas.microsoft.com/office/drawing/2010/main" val="0"/>
+              </a:ext>
+            </a:extLst>
+          </a:blip>
+          <a:stretch>
+            <a:fillRect/>
+          </a:stretch>
+        </p:blipFill>
+        <p:spPr>
+          <a:xfrm>
+            <a:off x="7927803" y="3689874"/>
+            <a:ext cx="4093933" cy="2904564"/>
+          </a:xfrm>
+          <a:prstGeom prst="rect">
+            <a:avLst/>
+          </a:prstGeom>
+        </p:spPr>
+      </p:pic>
+      <p:pic>
+        <p:nvPicPr>
+          <p:cNvPr id="7" name="Grafik 6"/>
+          <p:cNvPicPr>
+            <a:picLocks noChangeAspect="1"/>
+          </p:cNvPicPr>
+          <p:nvPr/>
+        </p:nvPicPr>
+        <p:blipFill>
+          <a:blip r:embed="rId4">
+            <a:extLst>
+              <a:ext uri="{28A0092B-C50C-407E-A947-70E740481C1C}">
+                <a14:useLocalDpi xmlns:a14="http://schemas.microsoft.com/office/drawing/2010/main" val="0"/>
+              </a:ext>
+            </a:extLst>
+          </a:blip>
+          <a:stretch>
+            <a:fillRect/>
+          </a:stretch>
+        </p:blipFill>
+        <p:spPr>
+          <a:xfrm>
+            <a:off x="5550946" y="990908"/>
+            <a:ext cx="4215991" cy="3639893"/>
+          </a:xfrm>
+          <a:prstGeom prst="rect">
+            <a:avLst/>
+          </a:prstGeom>
+        </p:spPr>
+      </p:pic>
+      <p:pic>
+        <p:nvPicPr>
+          <p:cNvPr id="9" name="Grafik 8"/>
+          <p:cNvPicPr>
+            <a:picLocks noChangeAspect="1"/>
+          </p:cNvPicPr>
+          <p:nvPr/>
+        </p:nvPicPr>
+        <p:blipFill>
+          <a:blip r:embed="rId5">
+            <a:extLst>
+              <a:ext uri="{28A0092B-C50C-407E-A947-70E740481C1C}">
+                <a14:useLocalDpi xmlns:a14="http://schemas.microsoft.com/office/drawing/2010/main" val="0"/>
+              </a:ext>
+            </a:extLst>
+          </a:blip>
+          <a:stretch>
+            <a:fillRect/>
+          </a:stretch>
+        </p:blipFill>
+        <p:spPr>
+          <a:xfrm>
+            <a:off x="268627" y="309908"/>
+            <a:ext cx="3378216" cy="1744793"/>
+          </a:xfrm>
+          <a:prstGeom prst="rect">
+            <a:avLst/>
+          </a:prstGeom>
+        </p:spPr>
+      </p:pic>
+      <p:sp>
+        <p:nvSpPr>
+          <p:cNvPr id="10" name="Ellipse 9"/>
+          <p:cNvSpPr/>
+          <p:nvPr/>
+        </p:nvSpPr>
+        <p:spPr>
+          <a:xfrm>
+            <a:off x="9877949" y="-131157"/>
+            <a:ext cx="1256215" cy="582977"/>
+          </a:xfrm>
+          <a:prstGeom prst="ellipse">
+            <a:avLst/>
+          </a:prstGeom>
+          <a:noFill/>
+          <a:ln w="19050">
+            <a:solidFill>
+              <a:srgbClr val="FF0000"/>
+            </a:solidFill>
+          </a:ln>
+        </p:spPr>
+        <p:style>
+          <a:lnRef idx="2">
+            <a:schemeClr val="accent1">
+              <a:shade val="50000"/>
+            </a:schemeClr>
+          </a:lnRef>
+          <a:fillRef idx="1">
+            <a:schemeClr val="accent1"/>
+          </a:fillRef>
+          <a:effectRef idx="0">
+            <a:schemeClr val="accent1"/>
+          </a:effectRef>
+          <a:fontRef idx="minor">
+            <a:schemeClr val="lt1"/>
+          </a:fontRef>
+        </p:style>
+        <p:txBody>
+          <a:bodyPr rtlCol="0" anchor="ctr"/>
+          <a:lstStyle/>
+          <a:p>
+            <a:pPr algn="ctr"/>
+            <a:endParaRPr lang="de-AT"/>
+          </a:p>
+        </p:txBody>
+      </p:sp>
+      <p:sp>
+        <p:nvSpPr>
+          <p:cNvPr id="12" name="Ellipse 11"/>
+          <p:cNvSpPr/>
+          <p:nvPr/>
+        </p:nvSpPr>
+        <p:spPr>
+          <a:xfrm>
+            <a:off x="5916706" y="2366682"/>
+            <a:ext cx="1645919" cy="1678194"/>
+          </a:xfrm>
+          <a:prstGeom prst="ellipse">
+            <a:avLst/>
+          </a:prstGeom>
+          <a:noFill/>
+          <a:ln w="28575"/>
+        </p:spPr>
+        <p:style>
+          <a:lnRef idx="2">
+            <a:schemeClr val="accent1">
+              <a:shade val="50000"/>
+            </a:schemeClr>
+          </a:lnRef>
+          <a:fillRef idx="1">
+            <a:schemeClr val="accent1"/>
+          </a:fillRef>
+          <a:effectRef idx="0">
+            <a:schemeClr val="accent1"/>
+          </a:effectRef>
+          <a:fontRef idx="minor">
+            <a:schemeClr val="lt1"/>
+          </a:fontRef>
+        </p:style>
+        <p:txBody>
+          <a:bodyPr rtlCol="0" anchor="ctr"/>
+          <a:lstStyle/>
+          <a:p>
+            <a:pPr algn="ctr"/>
+            <a:endParaRPr lang="de-AT"/>
+          </a:p>
+        </p:txBody>
+      </p:sp>
+      <p:sp>
+        <p:nvSpPr>
+          <p:cNvPr id="14" name="Ellipse 13"/>
+          <p:cNvSpPr/>
+          <p:nvPr/>
+        </p:nvSpPr>
+        <p:spPr>
+          <a:xfrm>
+            <a:off x="10682344" y="3550023"/>
+            <a:ext cx="1461450" cy="1430767"/>
+          </a:xfrm>
+          <a:prstGeom prst="ellipse">
+            <a:avLst/>
+          </a:prstGeom>
+          <a:noFill/>
+          <a:ln w="28575"/>
+        </p:spPr>
+        <p:style>
+          <a:lnRef idx="2">
+            <a:schemeClr val="accent1">
+              <a:shade val="50000"/>
+            </a:schemeClr>
+          </a:lnRef>
+          <a:fillRef idx="1">
+            <a:schemeClr val="accent1"/>
+          </a:fillRef>
+          <a:effectRef idx="0">
+            <a:schemeClr val="accent1"/>
+          </a:effectRef>
+          <a:fontRef idx="minor">
+            <a:schemeClr val="lt1"/>
+          </a:fontRef>
+        </p:style>
+        <p:txBody>
+          <a:bodyPr rtlCol="0" anchor="ctr"/>
+          <a:lstStyle/>
+          <a:p>
+            <a:pPr algn="ctr"/>
+            <a:endParaRPr lang="de-AT"/>
+          </a:p>
+        </p:txBody>
+      </p:sp>
+    </p:spTree>
+    <p:extLst>
+      <p:ext uri="{BB962C8B-B14F-4D97-AF65-F5344CB8AC3E}">
+        <p14:creationId xmlns:p14="http://schemas.microsoft.com/office/powerpoint/2010/main" val="3084243162"/>
+      </p:ext>
+    </p:extLst>
+  </p:cSld>
+  <p:clrMapOvr>
+    <a:masterClrMapping/>
+  </p:clrMapOvr>
+  <p:timing>
+    <p:tnLst>
+      <p:par>
+        <p:cTn id="1" dur="indefinite" restart="never" nodeType="tmRoot">
+          <p:childTnLst>
+            <p:seq concurrent="1" nextAc="seek">
+              <p:cTn id="2" dur="indefinite" nodeType="mainSeq">
+                <p:childTnLst>
+                  <p:par>
+                    <p:cTn id="3" fill="hold">
+                      <p:stCondLst>
+                        <p:cond delay="indefinite"/>
+                      </p:stCondLst>
+                      <p:childTnLst>
+                        <p:par>
+                          <p:cTn id="4" fill="hold">
+                            <p:stCondLst>
+                              <p:cond delay="0"/>
+                            </p:stCondLst>
+                            <p:childTnLst>
+                              <p:par>
+                                <p:cTn id="5" presetID="1" presetClass="entr" presetSubtype="0" fill="hold" nodeType="clickEffect">
+                                  <p:stCondLst>
+                                    <p:cond delay="0"/>
+                                  </p:stCondLst>
+                                  <p:childTnLst>
+                                    <p:set>
+                                      <p:cBhvr>
+                                        <p:cTn id="6" dur="1" fill="hold">
+                                          <p:stCondLst>
+                                            <p:cond delay="0"/>
+                                          </p:stCondLst>
+                                        </p:cTn>
+                                        <p:tgtEl>
+                                          <p:spTgt spid="9"/>
+                                        </p:tgtEl>
+                                        <p:attrNameLst>
+                                          <p:attrName>style.visibility</p:attrName>
+                                        </p:attrNameLst>
+                                      </p:cBhvr>
+                                      <p:to>
+                                        <p:strVal val="visible"/>
+                                      </p:to>
+                                    </p:set>
+                                  </p:childTnLst>
+                                </p:cTn>
+                              </p:par>
+                            </p:childTnLst>
+                          </p:cTn>
+                        </p:par>
+                      </p:childTnLst>
+                    </p:cTn>
+                  </p:par>
+                  <p:par>
+                    <p:cTn id="7" fill="hold">
+                      <p:stCondLst>
+                        <p:cond delay="indefinite"/>
+                      </p:stCondLst>
+                      <p:childTnLst>
+                        <p:par>
+                          <p:cTn id="8" fill="hold">
+                            <p:stCondLst>
+                              <p:cond delay="0"/>
+                            </p:stCondLst>
+                            <p:childTnLst>
+                              <p:par>
+                                <p:cTn id="9" presetID="1" presetClass="entr" presetSubtype="0" fill="hold" nodeType="clickEffect">
+                                  <p:stCondLst>
+                                    <p:cond delay="0"/>
+                                  </p:stCondLst>
+                                  <p:childTnLst>
+                                    <p:set>
+                                      <p:cBhvr>
+                                        <p:cTn id="10" dur="1" fill="hold">
+                                          <p:stCondLst>
+                                            <p:cond delay="0"/>
+                                          </p:stCondLst>
+                                        </p:cTn>
+                                        <p:tgtEl>
+                                          <p:spTgt spid="8"/>
+                                        </p:tgtEl>
+                                        <p:attrNameLst>
+                                          <p:attrName>style.visibility</p:attrName>
+                                        </p:attrNameLst>
+                                      </p:cBhvr>
+                                      <p:to>
+                                        <p:strVal val="visible"/>
+                                      </p:to>
+                                    </p:set>
+                                  </p:childTnLst>
+                                </p:cTn>
+                              </p:par>
+                            </p:childTnLst>
+                          </p:cTn>
+                        </p:par>
+                      </p:childTnLst>
+                    </p:cTn>
+                  </p:par>
+                  <p:par>
+                    <p:cTn id="11" fill="hold">
+                      <p:stCondLst>
+                        <p:cond delay="indefinite"/>
+                      </p:stCondLst>
+                      <p:childTnLst>
+                        <p:par>
+                          <p:cTn id="12" fill="hold">
+                            <p:stCondLst>
+                              <p:cond delay="0"/>
+                            </p:stCondLst>
+                            <p:childTnLst>
+                              <p:par>
+                                <p:cTn id="13" presetID="1" presetClass="entr" presetSubtype="0" fill="hold" nodeType="clickEffect">
+                                  <p:stCondLst>
+                                    <p:cond delay="0"/>
+                                  </p:stCondLst>
+                                  <p:childTnLst>
+                                    <p:set>
+                                      <p:cBhvr>
+                                        <p:cTn id="14" dur="1" fill="hold">
+                                          <p:stCondLst>
+                                            <p:cond delay="0"/>
+                                          </p:stCondLst>
+                                        </p:cTn>
+                                        <p:tgtEl>
+                                          <p:spTgt spid="7"/>
+                                        </p:tgtEl>
+                                        <p:attrNameLst>
+                                          <p:attrName>style.visibility</p:attrName>
+                                        </p:attrNameLst>
+                                      </p:cBhvr>
+                                      <p:to>
+                                        <p:strVal val="visible"/>
+                                      </p:to>
+                                    </p:set>
+                                  </p:childTnLst>
+                                </p:cTn>
+                              </p:par>
+                            </p:childTnLst>
+                          </p:cTn>
+                        </p:par>
+                      </p:childTnLst>
+                    </p:cTn>
+                  </p:par>
+                  <p:par>
+                    <p:cTn id="15" fill="hold">
+                      <p:stCondLst>
+                        <p:cond delay="indefinite"/>
+                      </p:stCondLst>
+                      <p:childTnLst>
+                        <p:par>
+                          <p:cTn id="16" fill="hold">
+                            <p:stCondLst>
+                              <p:cond delay="0"/>
+                            </p:stCondLst>
+                            <p:childTnLst>
+                              <p:par>
+                                <p:cTn id="17" presetID="1" presetClass="entr" presetSubtype="0" fill="hold" grpId="0" nodeType="clickEffect">
+                                  <p:stCondLst>
+                                    <p:cond delay="0"/>
+                                  </p:stCondLst>
+                                  <p:childTnLst>
+                                    <p:set>
+                                      <p:cBhvr>
+                                        <p:cTn id="18" dur="1" fill="hold">
+                                          <p:stCondLst>
+                                            <p:cond delay="0"/>
+                                          </p:stCondLst>
+                                        </p:cTn>
+                                        <p:tgtEl>
+                                          <p:spTgt spid="12"/>
+                                        </p:tgtEl>
+                                        <p:attrNameLst>
+                                          <p:attrName>style.visibility</p:attrName>
+                                        </p:attrNameLst>
+                                      </p:cBhvr>
+                                      <p:to>
+                                        <p:strVal val="visible"/>
+                                      </p:to>
+                                    </p:set>
+                                  </p:childTnLst>
+                                </p:cTn>
+                              </p:par>
+                              <p:par>
+                                <p:cTn id="19" presetID="1" presetClass="entr" presetSubtype="0" fill="hold" grpId="0" nodeType="withEffect">
+                                  <p:stCondLst>
+                                    <p:cond delay="0"/>
+                                  </p:stCondLst>
+                                  <p:childTnLst>
+                                    <p:set>
+                                      <p:cBhvr>
+                                        <p:cTn id="20" dur="1" fill="hold">
+                                          <p:stCondLst>
+                                            <p:cond delay="0"/>
+                                          </p:stCondLst>
+                                        </p:cTn>
+                                        <p:tgtEl>
+                                          <p:spTgt spid="14"/>
+                                        </p:tgtEl>
+                                        <p:attrNameLst>
+                                          <p:attrName>style.visibility</p:attrName>
+                                        </p:attrNameLst>
+                                      </p:cBhvr>
+                                      <p:to>
+                                        <p:strVal val="visible"/>
+                                      </p:to>
+                                    </p:set>
+                                  </p:childTnLst>
+                                </p:cTn>
+                              </p:par>
+                            </p:childTnLst>
+                          </p:cTn>
+                        </p:par>
+                      </p:childTnLst>
+                    </p:cTn>
+                  </p:par>
+                  <p:par>
+                    <p:cTn id="21" fill="hold">
+                      <p:stCondLst>
+                        <p:cond delay="indefinite"/>
+                      </p:stCondLst>
+                      <p:childTnLst>
+                        <p:par>
+                          <p:cTn id="22" fill="hold">
+                            <p:stCondLst>
+                              <p:cond delay="0"/>
+                            </p:stCondLst>
+                            <p:childTnLst>
+                              <p:par>
+                                <p:cTn id="23" presetID="1" presetClass="entr" presetSubtype="0" fill="hold" grpId="0" nodeType="clickEffect">
+                                  <p:stCondLst>
+                                    <p:cond delay="0"/>
+                                  </p:stCondLst>
+                                  <p:childTnLst>
+                                    <p:set>
+                                      <p:cBhvr>
+                                        <p:cTn id="24" dur="1" fill="hold">
+                                          <p:stCondLst>
+                                            <p:cond delay="0"/>
+                                          </p:stCondLst>
+                                        </p:cTn>
+                                        <p:tgtEl>
+                                          <p:spTgt spid="10"/>
+                                        </p:tgtEl>
+                                        <p:attrNameLst>
+                                          <p:attrName>style.visibility</p:attrName>
+                                        </p:attrNameLst>
+                                      </p:cBhvr>
+                                      <p:to>
+                                        <p:strVal val="visible"/>
+                                      </p:to>
+                                    </p:set>
+                                  </p:childTnLst>
+                                </p:cTn>
+                              </p:par>
+                            </p:childTnLst>
+                          </p:cTn>
+                        </p:par>
+                      </p:childTnLst>
+                    </p:cTn>
+                  </p:par>
+                </p:childTnLst>
+              </p:cTn>
+              <p:prevCondLst>
+                <p:cond evt="onPrev" delay="0">
+                  <p:tgtEl>
+                    <p:sldTgt/>
+                  </p:tgtEl>
+                </p:cond>
+              </p:prevCondLst>
+              <p:nextCondLst>
+                <p:cond evt="onNext" delay="0">
+                  <p:tgtEl>
+                    <p:sldTgt/>
+                  </p:tgtEl>
+                </p:cond>
+              </p:nextCondLst>
+            </p:seq>
+          </p:childTnLst>
+        </p:cTn>
+      </p:par>
+    </p:tnLst>
+    <p:bldLst>
+      <p:bldP spid="10" grpId="0" animBg="1"/>
+      <p:bldP spid="12" grpId="0" animBg="1"/>
+      <p:bldP spid="14" grpId="0" animBg="1"/>
+    </p:bldLst>
+  </p:timing>
+</p:sld>
+</file>
+
+<file path=ppt/slides/slide12.xml><?xml version="1.0" encoding="utf-8"?>
+<p:sld xmlns:a="http://schemas.openxmlformats.org/drawingml/2006/main" xmlns:r="http://schemas.openxmlformats.org/officeDocument/2006/relationships" xmlns:p="http://schemas.openxmlformats.org/presentationml/2006/main">
+  <p:cSld>
+    <p:spTree>
+      <p:nvGrpSpPr>
+        <p:cNvPr id="1" name=""/>
+        <p:cNvGrpSpPr/>
+        <p:nvPr/>
+      </p:nvGrpSpPr>
+      <p:grpSpPr>
+        <a:xfrm>
+          <a:off x="0" y="0"/>
+          <a:ext cx="0" cy="0"/>
+          <a:chOff x="0" y="0"/>
+          <a:chExt cx="0" cy="0"/>
+        </a:xfrm>
+      </p:grpSpPr>
+      <p:pic>
+        <p:nvPicPr>
+          <p:cNvPr id="2" name="Grafik 1"/>
+          <p:cNvPicPr>
+            <a:picLocks noChangeAspect="1"/>
+          </p:cNvPicPr>
+          <p:nvPr/>
+        </p:nvPicPr>
+        <p:blipFill>
+          <a:blip r:embed="rId2">
+            <a:extLst>
+              <a:ext uri="{28A0092B-C50C-407E-A947-70E740481C1C}">
+                <a14:useLocalDpi xmlns:a14="http://schemas.microsoft.com/office/drawing/2010/main" val="0"/>
+              </a:ext>
+            </a:extLst>
+          </a:blip>
+          <a:stretch>
+            <a:fillRect/>
+          </a:stretch>
+        </p:blipFill>
+        <p:spPr>
+          <a:xfrm>
+            <a:off x="0" y="762000"/>
+            <a:ext cx="12162859" cy="5017775"/>
+          </a:xfrm>
+          <a:prstGeom prst="rect">
+            <a:avLst/>
+          </a:prstGeom>
+        </p:spPr>
+      </p:pic>
+      <p:sp>
+        <p:nvSpPr>
+          <p:cNvPr id="3" name="Ellipse 2"/>
+          <p:cNvSpPr/>
+          <p:nvPr/>
+        </p:nvSpPr>
+        <p:spPr>
+          <a:xfrm>
+            <a:off x="10935785" y="675668"/>
+            <a:ext cx="1256215" cy="394989"/>
+          </a:xfrm>
+          <a:prstGeom prst="ellipse">
+            <a:avLst/>
+          </a:prstGeom>
+          <a:noFill/>
+          <a:ln w="19050">
+            <a:solidFill>
+              <a:srgbClr val="FF0000"/>
+            </a:solidFill>
+          </a:ln>
+        </p:spPr>
+        <p:style>
+          <a:lnRef idx="2">
+            <a:schemeClr val="accent1">
+              <a:shade val="50000"/>
+            </a:schemeClr>
+          </a:lnRef>
+          <a:fillRef idx="1">
+            <a:schemeClr val="accent1"/>
+          </a:fillRef>
+          <a:effectRef idx="0">
+            <a:schemeClr val="accent1"/>
+          </a:effectRef>
+          <a:fontRef idx="minor">
+            <a:schemeClr val="lt1"/>
+          </a:fontRef>
+        </p:style>
+        <p:txBody>
+          <a:bodyPr rtlCol="0" anchor="ctr"/>
+          <a:lstStyle/>
+          <a:p>
+            <a:pPr algn="ctr"/>
+            <a:endParaRPr lang="de-AT"/>
+          </a:p>
+        </p:txBody>
+      </p:sp>
+      <p:sp>
+        <p:nvSpPr>
+          <p:cNvPr id="4" name="Ellipse 3"/>
+          <p:cNvSpPr/>
+          <p:nvPr/>
+        </p:nvSpPr>
+        <p:spPr>
+          <a:xfrm>
+            <a:off x="8143537" y="1016867"/>
+            <a:ext cx="3765177" cy="548640"/>
+          </a:xfrm>
+          <a:prstGeom prst="ellipse">
+            <a:avLst/>
+          </a:prstGeom>
+          <a:noFill/>
+          <a:ln w="28575"/>
+        </p:spPr>
+        <p:style>
+          <a:lnRef idx="2">
+            <a:schemeClr val="accent1">
+              <a:shade val="50000"/>
+            </a:schemeClr>
+          </a:lnRef>
+          <a:fillRef idx="1">
+            <a:schemeClr val="accent1"/>
+          </a:fillRef>
+          <a:effectRef idx="0">
+            <a:schemeClr val="accent1"/>
+          </a:effectRef>
+          <a:fontRef idx="minor">
+            <a:schemeClr val="lt1"/>
+          </a:fontRef>
+        </p:style>
+        <p:txBody>
+          <a:bodyPr rtlCol="0" anchor="ctr"/>
+          <a:lstStyle/>
+          <a:p>
+            <a:pPr algn="ctr"/>
+            <a:endParaRPr lang="de-AT"/>
+          </a:p>
+        </p:txBody>
+      </p:sp>
+    </p:spTree>
+    <p:extLst>
+      <p:ext uri="{BB962C8B-B14F-4D97-AF65-F5344CB8AC3E}">
+        <p14:creationId xmlns:p14="http://schemas.microsoft.com/office/powerpoint/2010/main" val="2147807918"/>
+      </p:ext>
+    </p:extLst>
+  </p:cSld>
+  <p:clrMapOvr>
+    <a:masterClrMapping/>
+  </p:clrMapOvr>
+  <p:timing>
+    <p:tnLst>
+      <p:par>
+        <p:cTn id="1" dur="indefinite" restart="never" nodeType="tmRoot">
+          <p:childTnLst>
+            <p:seq concurrent="1" nextAc="seek">
+              <p:cTn id="2" dur="indefinite" nodeType="mainSeq">
+                <p:childTnLst>
+                  <p:par>
+                    <p:cTn id="3" fill="hold">
+                      <p:stCondLst>
+                        <p:cond delay="indefinite"/>
+                      </p:stCondLst>
+                      <p:childTnLst>
+                        <p:par>
+                          <p:cTn id="4" fill="hold">
+                            <p:stCondLst>
+                              <p:cond delay="0"/>
+                            </p:stCondLst>
+                            <p:childTnLst>
+                              <p:par>
+                                <p:cTn id="5" presetID="1" presetClass="entr" presetSubtype="0" fill="hold" grpId="0" nodeType="clickEffect">
+                                  <p:stCondLst>
+                                    <p:cond delay="0"/>
+                                  </p:stCondLst>
+                                  <p:childTnLst>
+                                    <p:set>
+                                      <p:cBhvr>
+                                        <p:cTn id="6" dur="1" fill="hold">
+                                          <p:stCondLst>
+                                            <p:cond delay="0"/>
+                                          </p:stCondLst>
+                                        </p:cTn>
+                                        <p:tgtEl>
+                                          <p:spTgt spid="4"/>
+                                        </p:tgtEl>
+                                        <p:attrNameLst>
+                                          <p:attrName>style.visibility</p:attrName>
+                                        </p:attrNameLst>
+                                      </p:cBhvr>
+                                      <p:to>
+                                        <p:strVal val="visible"/>
+                                      </p:to>
+                                    </p:set>
+                                  </p:childTnLst>
+                                </p:cTn>
+                              </p:par>
+                            </p:childTnLst>
+                          </p:cTn>
+                        </p:par>
+                      </p:childTnLst>
+                    </p:cTn>
+                  </p:par>
+                  <p:par>
+                    <p:cTn id="7" fill="hold">
+                      <p:stCondLst>
+                        <p:cond delay="indefinite"/>
+                      </p:stCondLst>
+                      <p:childTnLst>
+                        <p:par>
+                          <p:cTn id="8" fill="hold">
+                            <p:stCondLst>
+                              <p:cond delay="0"/>
+                            </p:stCondLst>
+                            <p:childTnLst>
+                              <p:par>
+                                <p:cTn id="9" presetID="1" presetClass="entr" presetSubtype="0" fill="hold" grpId="0" nodeType="clickEffect">
+                                  <p:stCondLst>
+                                    <p:cond delay="0"/>
+                                  </p:stCondLst>
+                                  <p:childTnLst>
+                                    <p:set>
+                                      <p:cBhvr>
+                                        <p:cTn id="10" dur="1" fill="hold">
+                                          <p:stCondLst>
+                                            <p:cond delay="0"/>
+                                          </p:stCondLst>
+                                        </p:cTn>
+                                        <p:tgtEl>
+                                          <p:spTgt spid="3"/>
+                                        </p:tgtEl>
+                                        <p:attrNameLst>
+                                          <p:attrName>style.visibility</p:attrName>
+                                        </p:attrNameLst>
+                                      </p:cBhvr>
+                                      <p:to>
+                                        <p:strVal val="visible"/>
+                                      </p:to>
+                                    </p:set>
+                                  </p:childTnLst>
+                                </p:cTn>
+                              </p:par>
+                            </p:childTnLst>
+                          </p:cTn>
+                        </p:par>
+                      </p:childTnLst>
+                    </p:cTn>
+                  </p:par>
+                </p:childTnLst>
+              </p:cTn>
+              <p:prevCondLst>
+                <p:cond evt="onPrev" delay="0">
+                  <p:tgtEl>
+                    <p:sldTgt/>
+                  </p:tgtEl>
+                </p:cond>
+              </p:prevCondLst>
+              <p:nextCondLst>
+                <p:cond evt="onNext" delay="0">
+                  <p:tgtEl>
+                    <p:sldTgt/>
+                  </p:tgtEl>
+                </p:cond>
+              </p:nextCondLst>
+            </p:seq>
+          </p:childTnLst>
+        </p:cTn>
+      </p:par>
+    </p:tnLst>
+    <p:bldLst>
+      <p:bldP spid="3" grpId="0" animBg="1"/>
+      <p:bldP spid="4" grpId="0" animBg="1"/>
+    </p:bldLst>
+  </p:timing>
+</p:sld>
+</file>
+
+<file path=ppt/slides/slide13.xml><?xml version="1.0" encoding="utf-8"?>
+<p:sld xmlns:a="http://schemas.openxmlformats.org/drawingml/2006/main" xmlns:r="http://schemas.openxmlformats.org/officeDocument/2006/relationships" xmlns:p="http://schemas.openxmlformats.org/presentationml/2006/main">
+  <p:cSld>
+    <p:spTree>
+      <p:nvGrpSpPr>
+        <p:cNvPr id="1" name=""/>
+        <p:cNvGrpSpPr/>
+        <p:nvPr/>
+      </p:nvGrpSpPr>
+      <p:grpSpPr>
+        <a:xfrm>
+          <a:off x="0" y="0"/>
+          <a:ext cx="0" cy="0"/>
+          <a:chOff x="0" y="0"/>
+          <a:chExt cx="0" cy="0"/>
+        </a:xfrm>
+      </p:grpSpPr>
+      <p:pic>
+        <p:nvPicPr>
+          <p:cNvPr id="2" name="Grafik 1"/>
+          <p:cNvPicPr>
+            <a:picLocks noChangeAspect="1"/>
+          </p:cNvPicPr>
+          <p:nvPr/>
+        </p:nvPicPr>
+        <p:blipFill>
+          <a:blip r:embed="rId2">
+            <a:extLst>
+              <a:ext uri="{28A0092B-C50C-407E-A947-70E740481C1C}">
+                <a14:useLocalDpi xmlns:a14="http://schemas.microsoft.com/office/drawing/2010/main" val="0"/>
+              </a:ext>
+            </a:extLst>
+          </a:blip>
+          <a:stretch>
+            <a:fillRect/>
+          </a:stretch>
+        </p:blipFill>
+        <p:spPr>
+          <a:xfrm>
+            <a:off x="949569" y="128954"/>
+            <a:ext cx="9964615" cy="6624912"/>
+          </a:xfrm>
+          <a:prstGeom prst="rect">
+            <a:avLst/>
+          </a:prstGeom>
+        </p:spPr>
+      </p:pic>
+    </p:spTree>
+    <p:extLst>
+      <p:ext uri="{BB962C8B-B14F-4D97-AF65-F5344CB8AC3E}">
+        <p14:creationId xmlns:p14="http://schemas.microsoft.com/office/powerpoint/2010/main" val="1868774062"/>
+      </p:ext>
+    </p:extLst>
+  </p:cSld>
+  <p:clrMapOvr>
+    <a:masterClrMapping/>
+  </p:clrMapOvr>
+</p:sld>
+</file>
+
+<file path=ppt/slides/slide14.xml><?xml version="1.0" encoding="utf-8"?>
+<p:sld xmlns:a="http://schemas.openxmlformats.org/drawingml/2006/main" xmlns:r="http://schemas.openxmlformats.org/officeDocument/2006/relationships" xmlns:p="http://schemas.openxmlformats.org/presentationml/2006/main">
+  <p:cSld>
+    <p:spTree>
+      <p:nvGrpSpPr>
+        <p:cNvPr id="1" name=""/>
+        <p:cNvGrpSpPr/>
+        <p:nvPr/>
+      </p:nvGrpSpPr>
+      <p:grpSpPr>
+        <a:xfrm>
+          <a:off x="0" y="0"/>
+          <a:ext cx="0" cy="0"/>
+          <a:chOff x="0" y="0"/>
+          <a:chExt cx="0" cy="0"/>
+        </a:xfrm>
+      </p:grpSpPr>
+      <p:sp>
+        <p:nvSpPr>
+          <p:cNvPr id="4" name="Titel 3"/>
+          <p:cNvSpPr>
+            <a:spLocks noGrp="1"/>
+          </p:cNvSpPr>
+          <p:nvPr>
+            <p:ph type="title"/>
+          </p:nvPr>
+        </p:nvSpPr>
+        <p:spPr/>
+        <p:txBody>
+          <a:bodyPr/>
+          <a:lstStyle/>
+          <a:p>
+            <a:r>
+              <a:rPr lang="de-AT" dirty="0"/>
+              <a:t>Evaluation</a:t>
+            </a:r>
+            <a:endParaRPr lang="de-AT" dirty="0"/>
+          </a:p>
+        </p:txBody>
+      </p:sp>
+      <p:sp>
+        <p:nvSpPr>
+          <p:cNvPr id="5" name="Textplatzhalter 4"/>
+          <p:cNvSpPr>
+            <a:spLocks noGrp="1"/>
+          </p:cNvSpPr>
+          <p:nvPr>
+            <p:ph type="body" idx="1"/>
+          </p:nvPr>
+        </p:nvSpPr>
+        <p:spPr/>
+        <p:txBody>
+          <a:bodyPr/>
+          <a:lstStyle/>
+          <a:p>
+            <a:endParaRPr lang="de-AT"/>
+          </a:p>
+        </p:txBody>
+      </p:sp>
+    </p:spTree>
+    <p:extLst>
+      <p:ext uri="{BB962C8B-B14F-4D97-AF65-F5344CB8AC3E}">
+        <p14:creationId xmlns:p14="http://schemas.microsoft.com/office/powerpoint/2010/main" val="3067481724"/>
+      </p:ext>
+    </p:extLst>
+  </p:cSld>
+  <p:clrMapOvr>
+    <a:masterClrMapping/>
+  </p:clrMapOvr>
+</p:sld>
+</file>
+
+<file path=ppt/slides/slide15.xml><?xml version="1.0" encoding="utf-8"?>
+<p:sld xmlns:a="http://schemas.openxmlformats.org/drawingml/2006/main" xmlns:r="http://schemas.openxmlformats.org/officeDocument/2006/relationships" xmlns:p="http://schemas.openxmlformats.org/presentationml/2006/main">
+  <p:cSld>
+    <p:spTree>
+      <p:nvGrpSpPr>
+        <p:cNvPr id="1" name=""/>
+        <p:cNvGrpSpPr/>
+        <p:nvPr/>
+      </p:nvGrpSpPr>
+      <p:grpSpPr>
+        <a:xfrm>
+          <a:off x="0" y="0"/>
+          <a:ext cx="0" cy="0"/>
+          <a:chOff x="0" y="0"/>
+          <a:chExt cx="0" cy="0"/>
+        </a:xfrm>
+      </p:grpSpPr>
+      <p:sp>
+        <p:nvSpPr>
+          <p:cNvPr id="2" name="Titel 1"/>
+          <p:cNvSpPr>
+            <a:spLocks noGrp="1"/>
+          </p:cNvSpPr>
+          <p:nvPr>
+            <p:ph type="title"/>
+          </p:nvPr>
+        </p:nvSpPr>
+        <p:spPr/>
+        <p:txBody>
+          <a:bodyPr/>
+          <a:lstStyle/>
+          <a:p>
+            <a:r>
+              <a:rPr lang="de-AT" dirty="0"/>
+              <a:t>Evaluation – Stichprobenbeschreibung</a:t>
+            </a:r>
+            <a:endParaRPr lang="de-AT" dirty="0"/>
+          </a:p>
+        </p:txBody>
+      </p:sp>
+      <p:sp>
+        <p:nvSpPr>
+          <p:cNvPr id="3" name="Inhaltsplatzhalter 2"/>
+          <p:cNvSpPr>
+            <a:spLocks noGrp="1"/>
+          </p:cNvSpPr>
+          <p:nvPr>
+            <p:ph idx="1"/>
+          </p:nvPr>
+        </p:nvSpPr>
+        <p:spPr/>
+        <p:txBody>
+          <a:bodyPr/>
+          <a:lstStyle/>
+          <a:p>
+            <a:r>
+              <a:rPr lang="de-AT" dirty="0"/>
+              <a:t>3 Gruppen: nach  (11 Personen)</a:t>
+            </a:r>
+          </a:p>
+          <a:p>
+            <a:r>
+              <a:rPr lang="de-AT" dirty="0"/>
+              <a:t>25,5 Jahre (mittleres Alter)</a:t>
+            </a:r>
+          </a:p>
+          <a:p>
+            <a:pPr marL="0" lvl="0" indent="0">
+              <a:lnSpc>
+                <a:spcPct val="100000"/>
+              </a:lnSpc>
+              <a:spcBef>
+                <a:spcPts val="0"/>
+              </a:spcBef>
+              <a:buNone/>
+              <a:defRPr/>
+            </a:pPr>
+            <a:r>
+              <a:rPr lang="de-AT" dirty="0"/>
+              <a:t>/ 29 Minuten (mittlere Testdauer)</a:t>
+            </a:r>
+          </a:p>
+          <a:p>
+            <a:endParaRPr lang="de-AT" dirty="0"/>
+          </a:p>
+        </p:txBody>
+      </p:sp>
+    </p:spTree>
+    <p:extLst>
+      <p:ext uri="{BB962C8B-B14F-4D97-AF65-F5344CB8AC3E}">
+        <p14:creationId xmlns:p14="http://schemas.microsoft.com/office/powerpoint/2010/main" val="1476064314"/>
+      </p:ext>
+    </p:extLst>
+  </p:cSld>
+  <p:clrMapOvr>
+    <a:masterClrMapping/>
+  </p:clrMapOvr>
+</p:sld>
+</file>
+
+<file path=ppt/slides/slide16.xml><?xml version="1.0" encoding="utf-8"?>
+<p:sld xmlns:a="http://schemas.openxmlformats.org/drawingml/2006/main" xmlns:r="http://schemas.openxmlformats.org/officeDocument/2006/relationships" xmlns:p="http://schemas.openxmlformats.org/presentationml/2006/main">
+  <p:cSld>
+    <p:spTree>
+      <p:nvGrpSpPr>
+        <p:cNvPr id="1" name=""/>
+        <p:cNvGrpSpPr/>
+        <p:nvPr/>
+      </p:nvGrpSpPr>
+      <p:grpSpPr>
+        <a:xfrm>
+          <a:off x="0" y="0"/>
+          <a:ext cx="0" cy="0"/>
+          <a:chOff x="0" y="0"/>
+          <a:chExt cx="0" cy="0"/>
+        </a:xfrm>
+      </p:grpSpPr>
+      <p:sp>
+        <p:nvSpPr>
+          <p:cNvPr id="2" name="Titel 1"/>
+          <p:cNvSpPr>
+            <a:spLocks noGrp="1"/>
+          </p:cNvSpPr>
+          <p:nvPr>
+            <p:ph type="title"/>
+          </p:nvPr>
+        </p:nvSpPr>
+        <p:spPr/>
+        <p:txBody>
+          <a:bodyPr>
+            <a:normAutofit/>
+          </a:bodyPr>
+          <a:lstStyle/>
+          <a:p>
+            <a:r>
+              <a:rPr lang="de-AT" dirty="0"/>
+              <a:t>Evaluation – </a:t>
+            </a:r>
+            <a:r>
+              <a:rPr lang="de-AT" dirty="0"/>
+              <a:t>Gebrauchstauglichkeitsanalyse</a:t>
+            </a:r>
+            <a:endParaRPr lang="de-AT" dirty="0"/>
+          </a:p>
+        </p:txBody>
+      </p:sp>
+      <p:sp>
+        <p:nvSpPr>
+          <p:cNvPr id="3" name="Inhaltsplatzhalter 2"/>
+          <p:cNvSpPr>
+            <a:spLocks noGrp="1"/>
+          </p:cNvSpPr>
+          <p:nvPr>
+            <p:ph idx="1"/>
+          </p:nvPr>
+        </p:nvSpPr>
+        <p:spPr/>
+        <p:txBody>
+          <a:bodyPr/>
+          <a:lstStyle/>
+          <a:p>
+            <a:r>
+              <a:rPr lang="de-AT" dirty="0"/>
+              <a:t>Testszenario mit Prototyp</a:t>
+            </a:r>
+          </a:p>
+          <a:p>
+            <a:r>
+              <a:rPr lang="de-AT" dirty="0" err="1"/>
+              <a:t>Eyetracking</a:t>
+            </a:r>
+            <a:endParaRPr lang="de-AT" dirty="0"/>
+          </a:p>
+          <a:p>
+            <a:r>
+              <a:rPr lang="de-AT" dirty="0"/>
+              <a:t>Fragebogen</a:t>
+            </a:r>
+          </a:p>
+          <a:p>
+            <a:pPr lvl="1"/>
+            <a:endParaRPr lang="de-AT" dirty="0"/>
+          </a:p>
+          <a:p>
+            <a:pPr marL="457200" lvl="1" indent="0">
+              <a:buNone/>
+            </a:pPr>
+            <a:endParaRPr lang="de-AT" dirty="0"/>
+          </a:p>
+        </p:txBody>
+      </p:sp>
+      <p:sp>
+        <p:nvSpPr>
+          <p:cNvPr id="5" name="Fußzeilenplatzhalter 4"/>
+          <p:cNvSpPr>
+            <a:spLocks noGrp="1"/>
+          </p:cNvSpPr>
+          <p:nvPr>
+            <p:ph type="ftr" sz="quarter" idx="11"/>
+          </p:nvPr>
+        </p:nvSpPr>
+        <p:spPr>
+          <a:xfrm>
+            <a:off x="838199" y="6311900"/>
+            <a:ext cx="6089725" cy="365125"/>
+          </a:xfrm>
+        </p:spPr>
+        <p:txBody>
+          <a:bodyPr/>
+          <a:lstStyle/>
+          <a:p>
+            <a:pPr algn="l"/>
+            <a:r>
+              <a:rPr lang="de-AT" sz="2000" dirty="0"/>
+              <a:t>Gebrauchstauglichkeitsanalyse nach </a:t>
+            </a:r>
+            <a:r>
+              <a:rPr lang="de-AT" sz="2000" dirty="0"/>
+              <a:t>ISO 9241</a:t>
+            </a:r>
+          </a:p>
+        </p:txBody>
+      </p:sp>
+    </p:spTree>
+    <p:extLst>
+      <p:ext uri="{BB962C8B-B14F-4D97-AF65-F5344CB8AC3E}">
+        <p14:creationId xmlns:p14="http://schemas.microsoft.com/office/powerpoint/2010/main" val="2503047061"/>
+      </p:ext>
+    </p:extLst>
+  </p:cSld>
+  <p:clrMapOvr>
+    <a:masterClrMapping/>
+  </p:clrMapOvr>
+</p:sld>
+</file>
+
+<file path=ppt/slides/slide17.xml><?xml version="1.0" encoding="utf-8"?>
+<p:sld xmlns:a="http://schemas.openxmlformats.org/drawingml/2006/main" xmlns:r="http://schemas.openxmlformats.org/officeDocument/2006/relationships" xmlns:p="http://schemas.openxmlformats.org/presentationml/2006/main">
+  <p:cSld>
+    <p:spTree>
+      <p:nvGrpSpPr>
+        <p:cNvPr id="1" name=""/>
+        <p:cNvGrpSpPr/>
+        <p:nvPr/>
+      </p:nvGrpSpPr>
+      <p:grpSpPr>
+        <a:xfrm>
+          <a:off x="0" y="0"/>
+          <a:ext cx="0" cy="0"/>
+          <a:chOff x="0" y="0"/>
+          <a:chExt cx="0" cy="0"/>
+        </a:xfrm>
+      </p:grpSpPr>
+      <p:sp>
+        <p:nvSpPr>
+          <p:cNvPr id="2" name="Titel 1"/>
+          <p:cNvSpPr>
+            <a:spLocks noGrp="1"/>
+          </p:cNvSpPr>
+          <p:nvPr>
+            <p:ph type="title"/>
+          </p:nvPr>
+        </p:nvSpPr>
+        <p:spPr/>
+        <p:txBody>
+          <a:bodyPr/>
+          <a:lstStyle/>
+          <a:p>
+            <a:r>
+              <a:rPr lang="de-AT" dirty="0"/>
+              <a:t>Evaluation – </a:t>
+            </a:r>
+            <a:r>
+              <a:rPr lang="de-AT" dirty="0"/>
+              <a:t>Verhaltensbeobachtung</a:t>
+            </a:r>
+            <a:endParaRPr lang="de-AT" dirty="0"/>
+          </a:p>
+        </p:txBody>
+      </p:sp>
+      <p:sp>
+        <p:nvSpPr>
+          <p:cNvPr id="3" name="Inhaltsplatzhalter 2"/>
+          <p:cNvSpPr>
+            <a:spLocks noGrp="1"/>
+          </p:cNvSpPr>
+          <p:nvPr>
+            <p:ph idx="1"/>
+          </p:nvPr>
+        </p:nvSpPr>
+        <p:spPr/>
+        <p:txBody>
+          <a:bodyPr/>
+          <a:lstStyle/>
+          <a:p>
+            <a:r>
+              <a:rPr lang="de-AT" dirty="0"/>
+              <a:t>Verwendungsmuster der Ansichten</a:t>
+            </a:r>
+          </a:p>
+          <a:p>
+            <a:r>
+              <a:rPr lang="de-AT" dirty="0"/>
+              <a:t>Während des Testes</a:t>
+            </a:r>
+          </a:p>
+          <a:p>
+            <a:r>
+              <a:rPr lang="de-AT" dirty="0"/>
+              <a:t>Auswertung</a:t>
+            </a:r>
+          </a:p>
+        </p:txBody>
+      </p:sp>
+      <p:sp>
+        <p:nvSpPr>
+          <p:cNvPr id="5" name="Fußzeilenplatzhalter 4"/>
+          <p:cNvSpPr>
+            <a:spLocks noGrp="1"/>
+          </p:cNvSpPr>
+          <p:nvPr>
+            <p:ph type="ftr" sz="quarter" idx="11"/>
+          </p:nvPr>
+        </p:nvSpPr>
+        <p:spPr>
+          <a:xfrm>
+            <a:off x="838200" y="6311900"/>
+            <a:ext cx="4114800" cy="365125"/>
+          </a:xfrm>
+        </p:spPr>
+        <p:txBody>
+          <a:bodyPr/>
+          <a:lstStyle/>
+          <a:p>
+            <a:pPr algn="l"/>
+            <a:r>
+              <a:rPr lang="de-AT" sz="2000" dirty="0"/>
+              <a:t>[1] ISO 9241</a:t>
+            </a:r>
+          </a:p>
+        </p:txBody>
+      </p:sp>
+    </p:spTree>
+    <p:extLst>
+      <p:ext uri="{BB962C8B-B14F-4D97-AF65-F5344CB8AC3E}">
+        <p14:creationId xmlns:p14="http://schemas.microsoft.com/office/powerpoint/2010/main" val="2976699284"/>
+      </p:ext>
+    </p:extLst>
+  </p:cSld>
+  <p:clrMapOvr>
+    <a:masterClrMapping/>
+  </p:clrMapOvr>
+</p:sld>
+</file>
+
+<file path=ppt/slides/slide18.xml><?xml version="1.0" encoding="utf-8"?>
+<p:sld xmlns:a="http://schemas.openxmlformats.org/drawingml/2006/main" xmlns:r="http://schemas.openxmlformats.org/officeDocument/2006/relationships" xmlns:p="http://schemas.openxmlformats.org/presentationml/2006/main">
+  <p:cSld>
+    <p:spTree>
+      <p:nvGrpSpPr>
+        <p:cNvPr id="1" name=""/>
+        <p:cNvGrpSpPr/>
+        <p:nvPr/>
+      </p:nvGrpSpPr>
+      <p:grpSpPr>
+        <a:xfrm>
+          <a:off x="0" y="0"/>
+          <a:ext cx="0" cy="0"/>
+          <a:chOff x="0" y="0"/>
+          <a:chExt cx="0" cy="0"/>
+        </a:xfrm>
+      </p:grpSpPr>
+      <p:sp>
+        <p:nvSpPr>
+          <p:cNvPr id="2" name="Titel 1"/>
+          <p:cNvSpPr>
+            <a:spLocks noGrp="1"/>
+          </p:cNvSpPr>
+          <p:nvPr>
+            <p:ph type="title"/>
+          </p:nvPr>
+        </p:nvSpPr>
+        <p:spPr/>
+        <p:txBody>
+          <a:bodyPr/>
+          <a:lstStyle/>
+          <a:p>
+            <a:r>
+              <a:rPr lang="de-AT" dirty="0"/>
+              <a:t>Diskussion</a:t>
+            </a:r>
+          </a:p>
+        </p:txBody>
+      </p:sp>
+      <p:sp>
+        <p:nvSpPr>
+          <p:cNvPr id="3" name="Inhaltsplatzhalter 2"/>
+          <p:cNvSpPr>
+            <a:spLocks noGrp="1"/>
+          </p:cNvSpPr>
+          <p:nvPr>
+            <p:ph idx="1"/>
+          </p:nvPr>
+        </p:nvSpPr>
+        <p:spPr/>
+        <p:txBody>
+          <a:bodyPr/>
+          <a:lstStyle/>
+          <a:p>
+            <a:pPr marL="0" indent="0">
+              <a:buNone/>
+            </a:pPr>
+            <a:r>
+              <a:rPr lang="de-AT" dirty="0"/>
+              <a:t>+ bessere Übersicht</a:t>
+            </a:r>
+          </a:p>
+          <a:p>
+            <a:pPr marL="0" indent="0">
+              <a:buNone/>
+            </a:pPr>
+            <a:r>
+              <a:rPr lang="de-AT" dirty="0"/>
+              <a:t>+ Kartenansicht </a:t>
+            </a:r>
+            <a:r>
+              <a:rPr lang="de-AT" dirty="0">
+                <a:sym typeface="Wingdings" panose="05000000000000000000" pitchFamily="2" charset="2"/>
+              </a:rPr>
+              <a:t>&lt;-- --&gt; Listenansicht</a:t>
+            </a:r>
+          </a:p>
+          <a:p>
+            <a:pPr marL="0" indent="0">
+              <a:buNone/>
+            </a:pPr>
+            <a:r>
+              <a:rPr lang="de-AT" dirty="0">
+                <a:sym typeface="Wingdings" panose="05000000000000000000" pitchFamily="2" charset="2"/>
+              </a:rPr>
+              <a:t>+ zusätzliche Informationen</a:t>
+            </a:r>
+          </a:p>
+          <a:p>
+            <a:pPr marL="0" indent="0">
+              <a:buNone/>
+            </a:pPr>
+            <a:endParaRPr lang="de-AT" dirty="0">
+              <a:sym typeface="Wingdings" panose="05000000000000000000" pitchFamily="2" charset="2"/>
+            </a:endParaRPr>
+          </a:p>
+          <a:p>
+            <a:pPr marL="0" indent="0">
+              <a:buNone/>
+            </a:pPr>
+            <a:r>
+              <a:rPr lang="de-AT" dirty="0">
+                <a:sym typeface="Wingdings" panose="05000000000000000000" pitchFamily="2" charset="2"/>
+              </a:rPr>
+              <a:t>- Definierte Informationen</a:t>
+            </a:r>
+            <a:endParaRPr lang="de-AT" dirty="0"/>
+          </a:p>
+        </p:txBody>
+      </p:sp>
+    </p:spTree>
+    <p:extLst>
+      <p:ext uri="{BB962C8B-B14F-4D97-AF65-F5344CB8AC3E}">
+        <p14:creationId xmlns:p14="http://schemas.microsoft.com/office/powerpoint/2010/main" val="3665434776"/>
+      </p:ext>
+    </p:extLst>
+  </p:cSld>
+  <p:clrMapOvr>
+    <a:masterClrMapping/>
+  </p:clrMapOvr>
+</p:sld>
+</file>
+
+<file path=ppt/slides/slide19.xml><?xml version="1.0" encoding="utf-8"?>
+<p:sld xmlns:a="http://schemas.openxmlformats.org/drawingml/2006/main" xmlns:r="http://schemas.openxmlformats.org/officeDocument/2006/relationships" xmlns:p="http://schemas.openxmlformats.org/presentationml/2006/main">
+  <p:cSld>
+    <p:spTree>
+      <p:nvGrpSpPr>
+        <p:cNvPr id="1" name=""/>
+        <p:cNvGrpSpPr/>
+        <p:nvPr/>
+      </p:nvGrpSpPr>
+      <p:grpSpPr>
+        <a:xfrm>
+          <a:off x="0" y="0"/>
+          <a:ext cx="0" cy="0"/>
+          <a:chOff x="0" y="0"/>
+          <a:chExt cx="0" cy="0"/>
+        </a:xfrm>
+      </p:grpSpPr>
+      <p:sp>
+        <p:nvSpPr>
+          <p:cNvPr id="4" name="Titel 3"/>
+          <p:cNvSpPr>
+            <a:spLocks noGrp="1"/>
+          </p:cNvSpPr>
+          <p:nvPr>
+            <p:ph type="title"/>
+          </p:nvPr>
+        </p:nvSpPr>
+        <p:spPr>
+          <a:xfrm>
+            <a:off x="831850" y="1709738"/>
+            <a:ext cx="10515600" cy="2852737"/>
+          </a:xfrm>
+        </p:spPr>
+        <p:txBody>
+          <a:bodyPr/>
+          <a:lstStyle/>
+          <a:p>
+            <a:pPr algn="r"/>
+            <a:r>
+              <a:rPr lang="de-AT"/>
+              <a:t>Danke!</a:t>
+            </a:r>
+            <a:endParaRPr lang="de-AT" dirty="0"/>
+          </a:p>
+        </p:txBody>
+      </p:sp>
+      <p:sp>
+        <p:nvSpPr>
+          <p:cNvPr id="5" name="Textplatzhalter 4"/>
+          <p:cNvSpPr>
+            <a:spLocks noGrp="1"/>
+          </p:cNvSpPr>
+          <p:nvPr>
+            <p:ph type="body" idx="1"/>
+          </p:nvPr>
+        </p:nvSpPr>
+        <p:spPr>
+          <a:xfrm>
+            <a:off x="2091661" y="4400564"/>
             <a:ext cx="9144000" cy="754025"/>
           </a:xfrm>
         </p:spPr>
@@ -4038,17 +6461,10 @@
           <a:p>
             <a:pPr algn="r"/>
             <a:r>
-              <a:rPr lang="de-AT" dirty="0"/>
-              <a:t>Speziellen Dank an: Andreas </a:t>
-            </a:r>
-            <a:r>
-              <a:rPr lang="de-AT" dirty="0" err="1"/>
-              <a:t>Zwerger</a:t>
-            </a:r>
-            <a:r>
-              <a:rPr lang="de-AT" dirty="0"/>
-              <a:t>, Walter Ritter und Sonja Kopf</a:t>
-            </a:r>
+              <a:rPr lang="de-AT"/>
+              <a:t>Speziellen Dank an: Andreas Zwerger, Walter Ritter und Sonja Kopf</a:t>
+            </a:r>
+            <a:endParaRPr lang="de-AT" dirty="0"/>
           </a:p>
         </p:txBody>
       </p:sp>
@@ -4142,7 +6558,6 @@
               <a:rPr lang="de-AT" dirty="0"/>
               <a:t>(Sprichwort)</a:t>
             </a:r>
-            <a:endParaRPr lang="de-AT" dirty="0"/>
           </a:p>
         </p:txBody>
       </p:sp>
@@ -4176,66 +6591,35 @@
           <a:chExt cx="0" cy="0"/>
         </a:xfrm>
       </p:grpSpPr>
-      <p:sp>
-        <p:nvSpPr>
-          <p:cNvPr id="2" name="Titel 1"/>
-          <p:cNvSpPr>
-            <a:spLocks noGrp="1"/>
-          </p:cNvSpPr>
-          <p:nvPr>
-            <p:ph type="title"/>
-          </p:nvPr>
-        </p:nvSpPr>
-        <p:spPr/>
-        <p:txBody>
-          <a:bodyPr/>
-          <a:lstStyle/>
-          <a:p>
-            <a:r>
-              <a:rPr lang="de-AT" dirty="0"/>
-              <a:t>Motivation</a:t>
-            </a:r>
-          </a:p>
-        </p:txBody>
-      </p:sp>
-      <p:sp>
-        <p:nvSpPr>
-          <p:cNvPr id="3" name="Inhaltsplatzhalter 2"/>
-          <p:cNvSpPr>
-            <a:spLocks noGrp="1"/>
-          </p:cNvSpPr>
-          <p:nvPr>
-            <p:ph idx="1"/>
-          </p:nvPr>
-        </p:nvSpPr>
-        <p:spPr/>
-        <p:txBody>
-          <a:bodyPr/>
-          <a:lstStyle/>
-          <a:p>
-            <a:r>
-              <a:rPr lang="de-AT" dirty="0"/>
-              <a:t>Bedarf</a:t>
-            </a:r>
-          </a:p>
-          <a:p>
-            <a:r>
-              <a:rPr lang="de-AT" dirty="0"/>
-              <a:t>Interesse </a:t>
-            </a:r>
-          </a:p>
-          <a:p>
-            <a:r>
-              <a:rPr lang="de-AT" dirty="0"/>
-              <a:t>Herausforderung </a:t>
-            </a:r>
-          </a:p>
-        </p:txBody>
-      </p:sp>
+      <p:pic>
+        <p:nvPicPr>
+          <p:cNvPr id="4" name="Inhaltsplatzhalter 3"/>
+          <p:cNvPicPr>
+            <a:picLocks noGrp="1" noChangeAspect="1"/>
+          </p:cNvPicPr>
+          <p:nvPr>
+            <p:ph idx="4294967295"/>
+          </p:nvPr>
+        </p:nvPicPr>
+        <p:blipFill rotWithShape="1">
+          <a:blip r:embed="rId3"/>
+          <a:srcRect r="5012"/>
+          <a:stretch/>
+        </p:blipFill>
+        <p:spPr>
+          <a:xfrm>
+            <a:off x="-1035050" y="0"/>
+            <a:ext cx="13227050" cy="6858000"/>
+          </a:xfrm>
+          <a:prstGeom prst="rect">
+            <a:avLst/>
+          </a:prstGeom>
+        </p:spPr>
+      </p:pic>
     </p:spTree>
     <p:extLst>
       <p:ext uri="{BB962C8B-B14F-4D97-AF65-F5344CB8AC3E}">
-        <p14:creationId xmlns:p14="http://schemas.microsoft.com/office/powerpoint/2010/main" val="798509907"/>
+        <p14:creationId xmlns:p14="http://schemas.microsoft.com/office/powerpoint/2010/main" val="3779421197"/>
       </p:ext>
     </p:extLst>
   </p:cSld>
@@ -4279,40 +6663,49 @@
           <a:p>
             <a:r>
               <a:rPr lang="de-AT" dirty="0"/>
-              <a:t>Problemstellung</a:t>
-            </a:r>
-          </a:p>
-        </p:txBody>
-      </p:sp>
-      <p:pic>
-        <p:nvPicPr>
-          <p:cNvPr id="4" name="Inhaltsplatzhalter 3"/>
-          <p:cNvPicPr>
-            <a:picLocks noGrp="1" noChangeAspect="1"/>
-          </p:cNvPicPr>
+              <a:t>Motivation</a:t>
+            </a:r>
+          </a:p>
+        </p:txBody>
+      </p:sp>
+      <p:sp>
+        <p:nvSpPr>
+          <p:cNvPr id="3" name="Inhaltsplatzhalter 2"/>
+          <p:cNvSpPr>
+            <a:spLocks noGrp="1"/>
+          </p:cNvSpPr>
           <p:nvPr>
             <p:ph idx="1"/>
           </p:nvPr>
-        </p:nvPicPr>
-        <p:blipFill rotWithShape="1">
-          <a:blip r:embed="rId3"/>
-          <a:srcRect r="5012"/>
-          <a:stretch/>
-        </p:blipFill>
-        <p:spPr>
-          <a:xfrm>
-            <a:off x="1899808" y="1690688"/>
-            <a:ext cx="8392383" cy="4351338"/>
-          </a:xfrm>
-          <a:prstGeom prst="rect">
-            <a:avLst/>
-          </a:prstGeom>
-        </p:spPr>
-      </p:pic>
+        </p:nvSpPr>
+        <p:spPr/>
+        <p:txBody>
+          <a:bodyPr/>
+          <a:lstStyle/>
+          <a:p>
+            <a:r>
+              <a:rPr lang="de-AT" dirty="0"/>
+              <a:t>Bedarf</a:t>
+            </a:r>
+          </a:p>
+          <a:p>
+            <a:r>
+              <a:rPr lang="de-AT" dirty="0"/>
+              <a:t>Interesse </a:t>
+            </a:r>
+          </a:p>
+          <a:p>
+            <a:r>
+              <a:rPr lang="de-AT" dirty="0"/>
+              <a:t>Herausforderung </a:t>
+            </a:r>
+          </a:p>
+        </p:txBody>
+      </p:sp>
     </p:spTree>
     <p:extLst>
       <p:ext uri="{BB962C8B-B14F-4D97-AF65-F5344CB8AC3E}">
-        <p14:creationId xmlns:p14="http://schemas.microsoft.com/office/powerpoint/2010/main" val="3779421197"/>
+        <p14:creationId xmlns:p14="http://schemas.microsoft.com/office/powerpoint/2010/main" val="798509907"/>
       </p:ext>
     </p:extLst>
   </p:cSld>
@@ -4356,49 +6749,64 @@
           <a:p>
             <a:r>
               <a:rPr lang="de-AT" dirty="0"/>
+              <a:t>Übersicht</a:t>
+            </a:r>
+          </a:p>
+        </p:txBody>
+      </p:sp>
+      <p:sp>
+        <p:nvSpPr>
+          <p:cNvPr id="3" name="Inhaltsplatzhalter 2"/>
+          <p:cNvSpPr>
+            <a:spLocks noGrp="1"/>
+          </p:cNvSpPr>
+          <p:nvPr>
+            <p:ph idx="1"/>
+          </p:nvPr>
+        </p:nvSpPr>
+        <p:spPr/>
+        <p:txBody>
+          <a:bodyPr/>
+          <a:lstStyle/>
+          <a:p>
+            <a:r>
+              <a:rPr lang="de-AT" dirty="0"/>
+              <a:t>Motivation</a:t>
+            </a:r>
+          </a:p>
+          <a:p>
+            <a:r>
+              <a:rPr lang="de-AT" dirty="0"/>
               <a:t>Interviews</a:t>
             </a:r>
           </a:p>
-        </p:txBody>
-      </p:sp>
-      <p:sp>
-        <p:nvSpPr>
-          <p:cNvPr id="3" name="Inhaltsplatzhalter 2"/>
-          <p:cNvSpPr>
-            <a:spLocks noGrp="1"/>
-          </p:cNvSpPr>
-          <p:nvPr>
-            <p:ph idx="1"/>
-          </p:nvPr>
-        </p:nvSpPr>
-        <p:spPr/>
-        <p:txBody>
-          <a:bodyPr/>
-          <a:lstStyle/>
           <a:p>
             <a:r>
               <a:rPr lang="de-AT" dirty="0"/>
-              <a:t>Drei Personen</a:t>
+              <a:t>Konzept</a:t>
             </a:r>
           </a:p>
           <a:p>
             <a:r>
               <a:rPr lang="de-AT" dirty="0"/>
-              <a:t>Erfahrung im Außendienst</a:t>
+              <a:t>Prototyp</a:t>
             </a:r>
           </a:p>
           <a:p>
             <a:r>
               <a:rPr lang="de-AT" dirty="0"/>
-              <a:t>Schwerpunkt auf dem Workflow der Planung</a:t>
-            </a:r>
+              <a:t>Evaluation</a:t>
+            </a:r>
+          </a:p>
+          <a:p>
+            <a:endParaRPr lang="de-AT" dirty="0"/>
           </a:p>
         </p:txBody>
       </p:sp>
     </p:spTree>
     <p:extLst>
       <p:ext uri="{BB962C8B-B14F-4D97-AF65-F5344CB8AC3E}">
-        <p14:creationId xmlns:p14="http://schemas.microsoft.com/office/powerpoint/2010/main" val="1877269497"/>
+        <p14:creationId xmlns:p14="http://schemas.microsoft.com/office/powerpoint/2010/main" val="388082528"/>
       </p:ext>
     </p:extLst>
   </p:cSld>
@@ -4442,7 +6850,7 @@
           <a:p>
             <a:r>
               <a:rPr lang="de-AT" dirty="0"/>
-              <a:t>Konzept</a:t>
+              <a:t>Interviews</a:t>
             </a:r>
           </a:p>
         </p:txBody>
@@ -4463,26 +6871,139 @@
           <a:lstStyle/>
           <a:p>
             <a:r>
-              <a:rPr lang="de-AT" dirty="0" err="1"/>
-              <a:t>Nutzer_inzentrierte</a:t>
-            </a:r>
-            <a:r>
               <a:rPr lang="de-AT" dirty="0"/>
-              <a:t> Entwicklung</a:t>
-            </a:r>
-          </a:p>
-        </p:txBody>
-      </p:sp>
+              <a:t>Drei Personen</a:t>
+            </a:r>
+          </a:p>
+          <a:p>
+            <a:r>
+              <a:rPr lang="de-AT" dirty="0"/>
+              <a:t>Erfahrung im Außendienst</a:t>
+            </a:r>
+          </a:p>
+          <a:p>
+            <a:r>
+              <a:rPr lang="de-AT" dirty="0"/>
+              <a:t>Schwerpunkt auf dem Workflow der Planung</a:t>
+            </a:r>
+          </a:p>
+        </p:txBody>
+      </p:sp>
+      <p:pic>
+        <p:nvPicPr>
+          <p:cNvPr id="5" name="Grafik 4"/>
+          <p:cNvPicPr>
+            <a:picLocks noChangeAspect="1"/>
+          </p:cNvPicPr>
+          <p:nvPr/>
+        </p:nvPicPr>
+        <p:blipFill>
+          <a:blip r:embed="rId3">
+            <a:extLst>
+              <a:ext uri="{28A0092B-C50C-407E-A947-70E740481C1C}">
+                <a14:useLocalDpi xmlns:a14="http://schemas.microsoft.com/office/drawing/2010/main" val="0"/>
+              </a:ext>
+            </a:extLst>
+          </a:blip>
+          <a:stretch>
+            <a:fillRect/>
+          </a:stretch>
+        </p:blipFill>
+        <p:spPr>
+          <a:xfrm>
+            <a:off x="64548" y="4621105"/>
+            <a:ext cx="12192000" cy="2236895"/>
+          </a:xfrm>
+          <a:prstGeom prst="rect">
+            <a:avLst/>
+          </a:prstGeom>
+        </p:spPr>
+      </p:pic>
     </p:spTree>
     <p:extLst>
       <p:ext uri="{BB962C8B-B14F-4D97-AF65-F5344CB8AC3E}">
-        <p14:creationId xmlns:p14="http://schemas.microsoft.com/office/powerpoint/2010/main" val="2774008469"/>
+        <p14:creationId xmlns:p14="http://schemas.microsoft.com/office/powerpoint/2010/main" val="1877269497"/>
       </p:ext>
     </p:extLst>
   </p:cSld>
   <p:clrMapOvr>
     <a:masterClrMapping/>
   </p:clrMapOvr>
+  <p:timing>
+    <p:tnLst>
+      <p:par>
+        <p:cTn id="1" dur="indefinite" restart="never" nodeType="tmRoot">
+          <p:childTnLst>
+            <p:seq concurrent="1" nextAc="seek">
+              <p:cTn id="2" dur="indefinite" nodeType="mainSeq">
+                <p:childTnLst>
+                  <p:par>
+                    <p:cTn id="3" fill="hold">
+                      <p:stCondLst>
+                        <p:cond delay="indefinite"/>
+                      </p:stCondLst>
+                      <p:childTnLst>
+                        <p:par>
+                          <p:cTn id="4" fill="hold">
+                            <p:stCondLst>
+                              <p:cond delay="0"/>
+                            </p:stCondLst>
+                            <p:childTnLst>
+                              <p:par>
+                                <p:cTn id="5" presetID="1" presetClass="entr" presetSubtype="0" fill="hold" nodeType="clickEffect">
+                                  <p:stCondLst>
+                                    <p:cond delay="0"/>
+                                  </p:stCondLst>
+                                  <p:childTnLst>
+                                    <p:set>
+                                      <p:cBhvr>
+                                        <p:cTn id="6" dur="1" fill="hold">
+                                          <p:stCondLst>
+                                            <p:cond delay="0"/>
+                                          </p:stCondLst>
+                                        </p:cTn>
+                                        <p:tgtEl>
+                                          <p:spTgt spid="5"/>
+                                        </p:tgtEl>
+                                        <p:attrNameLst>
+                                          <p:attrName>style.visibility</p:attrName>
+                                        </p:attrNameLst>
+                                      </p:cBhvr>
+                                      <p:to>
+                                        <p:strVal val="visible"/>
+                                      </p:to>
+                                    </p:set>
+                                  </p:childTnLst>
+                                </p:cTn>
+                              </p:par>
+                            </p:childTnLst>
+                          </p:cTn>
+                        </p:par>
+                      </p:childTnLst>
+                    </p:cTn>
+                  </p:par>
+                </p:childTnLst>
+              </p:cTn>
+              <p:prevCondLst>
+                <p:cond evt="onPrev" delay="0">
+                  <p:tgtEl>
+                    <p:sldTgt/>
+                  </p:tgtEl>
+                </p:cond>
+              </p:prevCondLst>
+              <p:nextCondLst>
+                <p:cond evt="onNext" delay="0">
+                  <p:tgtEl>
+                    <p:sldTgt/>
+                  </p:tgtEl>
+                </p:cond>
+              </p:nextCondLst>
+            </p:seq>
+          </p:childTnLst>
+        </p:cTn>
+      </p:par>
+    </p:tnLst>
+  </p:timing>
 </p:sld>
 </file>
 
@@ -4503,51 +7024,34 @@
           <a:chExt cx="0" cy="0"/>
         </a:xfrm>
       </p:grpSpPr>
-      <p:sp>
-        <p:nvSpPr>
-          <p:cNvPr id="2" name="Titel 1"/>
-          <p:cNvSpPr>
-            <a:spLocks noGrp="1"/>
-          </p:cNvSpPr>
-          <p:nvPr>
-            <p:ph type="title"/>
-          </p:nvPr>
-        </p:nvSpPr>
-        <p:spPr/>
-        <p:txBody>
-          <a:bodyPr/>
-          <a:lstStyle/>
-          <a:p>
-            <a:r>
-              <a:rPr lang="de-AT" dirty="0"/>
-              <a:t>Prototyp</a:t>
-            </a:r>
-          </a:p>
-        </p:txBody>
-      </p:sp>
-      <p:sp>
-        <p:nvSpPr>
-          <p:cNvPr id="3" name="Inhaltsplatzhalter 2"/>
-          <p:cNvSpPr>
-            <a:spLocks noGrp="1"/>
-          </p:cNvSpPr>
-          <p:nvPr>
-            <p:ph idx="1"/>
-          </p:nvPr>
-        </p:nvSpPr>
-        <p:spPr/>
-        <p:txBody>
-          <a:bodyPr/>
-          <a:lstStyle/>
-          <a:p>
-            <a:endParaRPr lang="de-AT"/>
-          </a:p>
-        </p:txBody>
-      </p:sp>
+      <p:pic>
+        <p:nvPicPr>
+          <p:cNvPr id="8" name="Grafik 7"/>
+          <p:cNvPicPr>
+            <a:picLocks noChangeAspect="1"/>
+          </p:cNvPicPr>
+          <p:nvPr/>
+        </p:nvPicPr>
+        <p:blipFill>
+          <a:blip r:embed="rId2"/>
+          <a:stretch>
+            <a:fillRect/>
+          </a:stretch>
+        </p:blipFill>
+        <p:spPr>
+          <a:xfrm>
+            <a:off x="355003" y="0"/>
+            <a:ext cx="11456371" cy="6858000"/>
+          </a:xfrm>
+          <a:prstGeom prst="rect">
+            <a:avLst/>
+          </a:prstGeom>
+        </p:spPr>
+      </p:pic>
     </p:spTree>
     <p:extLst>
       <p:ext uri="{BB962C8B-B14F-4D97-AF65-F5344CB8AC3E}">
-        <p14:creationId xmlns:p14="http://schemas.microsoft.com/office/powerpoint/2010/main" val="3458263676"/>
+        <p14:creationId xmlns:p14="http://schemas.microsoft.com/office/powerpoint/2010/main" val="2539963839"/>
       </p:ext>
     </p:extLst>
   </p:cSld>
@@ -4584,47 +7088,914 @@
             <p:ph type="title"/>
           </p:nvPr>
         </p:nvSpPr>
-        <p:spPr/>
+        <p:spPr>
+          <a:xfrm>
+            <a:off x="838200" y="365125"/>
+            <a:ext cx="10515600" cy="1325563"/>
+          </a:xfrm>
+        </p:spPr>
+        <p:txBody>
+          <a:bodyPr/>
+          <a:lstStyle/>
+          <a:p>
+            <a:r>
+              <a:rPr lang="de-AT"/>
+              <a:t>Konzept</a:t>
+            </a:r>
+            <a:endParaRPr lang="de-AT" dirty="0"/>
+          </a:p>
+        </p:txBody>
+      </p:sp>
+      <p:sp>
+        <p:nvSpPr>
+          <p:cNvPr id="3" name="Inhaltsplatzhalter 2"/>
+          <p:cNvSpPr>
+            <a:spLocks noGrp="1"/>
+          </p:cNvSpPr>
+          <p:nvPr>
+            <p:ph idx="1"/>
+          </p:nvPr>
+        </p:nvSpPr>
+        <p:spPr>
+          <a:xfrm>
+            <a:off x="838200" y="1825625"/>
+            <a:ext cx="10515600" cy="4351338"/>
+          </a:xfrm>
+        </p:spPr>
         <p:txBody>
           <a:bodyPr/>
           <a:lstStyle/>
           <a:p>
             <a:r>
               <a:rPr lang="de-AT" dirty="0"/>
-              <a:t>Evaluation</a:t>
-            </a:r>
-          </a:p>
-        </p:txBody>
-      </p:sp>
-      <p:sp>
-        <p:nvSpPr>
-          <p:cNvPr id="3" name="Inhaltsplatzhalter 2"/>
-          <p:cNvSpPr>
-            <a:spLocks noGrp="1"/>
-          </p:cNvSpPr>
-          <p:nvPr>
-            <p:ph idx="1"/>
-          </p:nvPr>
-        </p:nvSpPr>
-        <p:spPr/>
-        <p:txBody>
-          <a:bodyPr/>
-          <a:lstStyle/>
-          <a:p>
+              <a:t>Übersicht Standorte</a:t>
+            </a:r>
+          </a:p>
+          <a:p>
+            <a:r>
+              <a:rPr lang="de-AT" dirty="0"/>
+              <a:t>Routenverwaltung</a:t>
+            </a:r>
+          </a:p>
+          <a:p>
+            <a:r>
+              <a:rPr lang="de-AT" dirty="0"/>
+              <a:t>Kontextsensitive Informationen</a:t>
+            </a:r>
+          </a:p>
+          <a:p>
+            <a:r>
+              <a:rPr lang="de-AT" dirty="0"/>
+              <a:t>Daten und Funktionalität zentralisieren</a:t>
+            </a:r>
+          </a:p>
+          <a:p>
+            <a:endParaRPr lang="de-AT" b="1" dirty="0"/>
+          </a:p>
+        </p:txBody>
+      </p:sp>
+      <p:sp>
+        <p:nvSpPr>
+          <p:cNvPr id="4" name="Rechteck 3"/>
+          <p:cNvSpPr/>
+          <p:nvPr/>
+        </p:nvSpPr>
+        <p:spPr>
+          <a:xfrm>
+            <a:off x="5600814" y="3613635"/>
+            <a:ext cx="6096000" cy="646331"/>
+          </a:xfrm>
+          <a:prstGeom prst="rect">
+            <a:avLst/>
+          </a:prstGeom>
+        </p:spPr>
+        <p:txBody>
+          <a:bodyPr>
+            <a:spAutoFit/>
+          </a:bodyPr>
+          <a:lstStyle/>
+          <a:p>
+            <a:br>
+              <a:rPr lang="de-AT" dirty="0"/>
+            </a:br>
+            <a:endParaRPr lang="de-AT" dirty="0"/>
+          </a:p>
+        </p:txBody>
+      </p:sp>
+      <p:pic>
+        <p:nvPicPr>
+          <p:cNvPr id="5" name="Grafik 4"/>
+          <p:cNvPicPr>
+            <a:picLocks noChangeAspect="1"/>
+          </p:cNvPicPr>
+          <p:nvPr/>
+        </p:nvPicPr>
+        <p:blipFill>
+          <a:blip r:embed="rId3"/>
+          <a:stretch>
+            <a:fillRect/>
+          </a:stretch>
+        </p:blipFill>
+        <p:spPr>
+          <a:xfrm>
+            <a:off x="7067996" y="3775939"/>
+            <a:ext cx="5130655" cy="3071307"/>
+          </a:xfrm>
+          <a:prstGeom prst="rect">
+            <a:avLst/>
+          </a:prstGeom>
+        </p:spPr>
+      </p:pic>
+      <p:sp>
+        <p:nvSpPr>
+          <p:cNvPr id="6" name="Ellipse 5"/>
+          <p:cNvSpPr/>
+          <p:nvPr/>
+        </p:nvSpPr>
+        <p:spPr>
+          <a:xfrm>
+            <a:off x="7853084" y="4722612"/>
+            <a:ext cx="559397" cy="914400"/>
+          </a:xfrm>
+          <a:prstGeom prst="ellipse">
+            <a:avLst/>
+          </a:prstGeom>
+          <a:noFill/>
+          <a:ln w="19050">
+            <a:solidFill>
+              <a:srgbClr val="FF0000"/>
+            </a:solidFill>
+          </a:ln>
+        </p:spPr>
+        <p:style>
+          <a:lnRef idx="2">
+            <a:schemeClr val="accent1">
+              <a:shade val="50000"/>
+            </a:schemeClr>
+          </a:lnRef>
+          <a:fillRef idx="1">
+            <a:schemeClr val="accent1"/>
+          </a:fillRef>
+          <a:effectRef idx="0">
+            <a:schemeClr val="accent1"/>
+          </a:effectRef>
+          <a:fontRef idx="minor">
+            <a:schemeClr val="lt1"/>
+          </a:fontRef>
+        </p:style>
+        <p:txBody>
+          <a:bodyPr rtlCol="0" anchor="ctr"/>
+          <a:lstStyle/>
+          <a:p>
+            <a:pPr algn="ctr"/>
             <a:endParaRPr lang="de-AT"/>
           </a:p>
         </p:txBody>
       </p:sp>
+      <p:sp>
+        <p:nvSpPr>
+          <p:cNvPr id="7" name="Ellipse 6"/>
+          <p:cNvSpPr/>
+          <p:nvPr/>
+        </p:nvSpPr>
+        <p:spPr>
+          <a:xfrm>
+            <a:off x="8726246" y="4799921"/>
+            <a:ext cx="559397" cy="914400"/>
+          </a:xfrm>
+          <a:prstGeom prst="ellipse">
+            <a:avLst/>
+          </a:prstGeom>
+          <a:noFill/>
+          <a:ln w="19050">
+            <a:solidFill>
+              <a:srgbClr val="FF0000"/>
+            </a:solidFill>
+          </a:ln>
+        </p:spPr>
+        <p:style>
+          <a:lnRef idx="2">
+            <a:schemeClr val="accent1">
+              <a:shade val="50000"/>
+            </a:schemeClr>
+          </a:lnRef>
+          <a:fillRef idx="1">
+            <a:schemeClr val="accent1"/>
+          </a:fillRef>
+          <a:effectRef idx="0">
+            <a:schemeClr val="accent1"/>
+          </a:effectRef>
+          <a:fontRef idx="minor">
+            <a:schemeClr val="lt1"/>
+          </a:fontRef>
+        </p:style>
+        <p:txBody>
+          <a:bodyPr rtlCol="0" anchor="ctr"/>
+          <a:lstStyle/>
+          <a:p>
+            <a:pPr algn="ctr"/>
+            <a:endParaRPr lang="de-AT"/>
+          </a:p>
+        </p:txBody>
+      </p:sp>
+      <p:sp>
+        <p:nvSpPr>
+          <p:cNvPr id="8" name="Ellipse 7"/>
+          <p:cNvSpPr/>
+          <p:nvPr/>
+        </p:nvSpPr>
+        <p:spPr>
+          <a:xfrm>
+            <a:off x="9586258" y="4799921"/>
+            <a:ext cx="559397" cy="914400"/>
+          </a:xfrm>
+          <a:prstGeom prst="ellipse">
+            <a:avLst/>
+          </a:prstGeom>
+          <a:noFill/>
+          <a:ln w="19050">
+            <a:solidFill>
+              <a:srgbClr val="FF0000"/>
+            </a:solidFill>
+          </a:ln>
+        </p:spPr>
+        <p:style>
+          <a:lnRef idx="2">
+            <a:schemeClr val="accent1">
+              <a:shade val="50000"/>
+            </a:schemeClr>
+          </a:lnRef>
+          <a:fillRef idx="1">
+            <a:schemeClr val="accent1"/>
+          </a:fillRef>
+          <a:effectRef idx="0">
+            <a:schemeClr val="accent1"/>
+          </a:effectRef>
+          <a:fontRef idx="minor">
+            <a:schemeClr val="lt1"/>
+          </a:fontRef>
+        </p:style>
+        <p:txBody>
+          <a:bodyPr rtlCol="0" anchor="ctr"/>
+          <a:lstStyle/>
+          <a:p>
+            <a:pPr algn="ctr"/>
+            <a:endParaRPr lang="de-AT"/>
+          </a:p>
+        </p:txBody>
+      </p:sp>
+      <p:sp>
+        <p:nvSpPr>
+          <p:cNvPr id="9" name="Ellipse 8"/>
+          <p:cNvSpPr/>
+          <p:nvPr/>
+        </p:nvSpPr>
+        <p:spPr>
+          <a:xfrm>
+            <a:off x="11280037" y="4259966"/>
+            <a:ext cx="654766" cy="1377046"/>
+          </a:xfrm>
+          <a:prstGeom prst="ellipse">
+            <a:avLst/>
+          </a:prstGeom>
+          <a:noFill/>
+          <a:ln w="19050">
+            <a:solidFill>
+              <a:srgbClr val="FF0000"/>
+            </a:solidFill>
+          </a:ln>
+        </p:spPr>
+        <p:style>
+          <a:lnRef idx="2">
+            <a:schemeClr val="accent1">
+              <a:shade val="50000"/>
+            </a:schemeClr>
+          </a:lnRef>
+          <a:fillRef idx="1">
+            <a:schemeClr val="accent1"/>
+          </a:fillRef>
+          <a:effectRef idx="0">
+            <a:schemeClr val="accent1"/>
+          </a:effectRef>
+          <a:fontRef idx="minor">
+            <a:schemeClr val="lt1"/>
+          </a:fontRef>
+        </p:style>
+        <p:txBody>
+          <a:bodyPr rtlCol="0" anchor="ctr"/>
+          <a:lstStyle/>
+          <a:p>
+            <a:pPr algn="ctr"/>
+            <a:endParaRPr lang="de-AT"/>
+          </a:p>
+        </p:txBody>
+      </p:sp>
+      <p:cxnSp>
+        <p:nvCxnSpPr>
+          <p:cNvPr id="15" name="Verbinder: gewinkelt 14"/>
+          <p:cNvCxnSpPr>
+            <a:cxnSpLocks/>
+          </p:cNvCxnSpPr>
+          <p:nvPr/>
+        </p:nvCxnSpPr>
+        <p:spPr>
+          <a:xfrm rot="10800000">
+            <a:off x="6923348" y="3613639"/>
+            <a:ext cx="1209434" cy="949511"/>
+          </a:xfrm>
+          <a:prstGeom prst="bentConnector3">
+            <a:avLst>
+              <a:gd name="adj1" fmla="val 1079"/>
+            </a:avLst>
+          </a:prstGeom>
+          <a:ln>
+            <a:tailEnd type="triangle"/>
+          </a:ln>
+        </p:spPr>
+        <p:style>
+          <a:lnRef idx="1">
+            <a:schemeClr val="accent1"/>
+          </a:lnRef>
+          <a:fillRef idx="0">
+            <a:schemeClr val="accent1"/>
+          </a:fillRef>
+          <a:effectRef idx="0">
+            <a:schemeClr val="accent1"/>
+          </a:effectRef>
+          <a:fontRef idx="minor">
+            <a:schemeClr val="tx1"/>
+          </a:fontRef>
+        </p:style>
+      </p:cxnSp>
+      <p:cxnSp>
+        <p:nvCxnSpPr>
+          <p:cNvPr id="19" name="Verbinder: gewinkelt 18"/>
+          <p:cNvCxnSpPr>
+            <a:cxnSpLocks/>
+          </p:cNvCxnSpPr>
+          <p:nvPr/>
+        </p:nvCxnSpPr>
+        <p:spPr>
+          <a:xfrm rot="10800000">
+            <a:off x="5992009" y="3108960"/>
+            <a:ext cx="3013938" cy="1609812"/>
+          </a:xfrm>
+          <a:prstGeom prst="bentConnector3">
+            <a:avLst>
+              <a:gd name="adj1" fmla="val -327"/>
+            </a:avLst>
+          </a:prstGeom>
+          <a:ln>
+            <a:tailEnd type="triangle"/>
+          </a:ln>
+        </p:spPr>
+        <p:style>
+          <a:lnRef idx="1">
+            <a:schemeClr val="accent1"/>
+          </a:lnRef>
+          <a:fillRef idx="0">
+            <a:schemeClr val="accent1"/>
+          </a:fillRef>
+          <a:effectRef idx="0">
+            <a:schemeClr val="accent1"/>
+          </a:effectRef>
+          <a:fontRef idx="minor">
+            <a:schemeClr val="tx1"/>
+          </a:fontRef>
+        </p:style>
+      </p:cxnSp>
+      <p:cxnSp>
+        <p:nvCxnSpPr>
+          <p:cNvPr id="22" name="Verbinder: gewinkelt 21"/>
+          <p:cNvCxnSpPr>
+            <a:cxnSpLocks/>
+          </p:cNvCxnSpPr>
+          <p:nvPr/>
+        </p:nvCxnSpPr>
+        <p:spPr>
+          <a:xfrm rot="10800000">
+            <a:off x="4270786" y="2007712"/>
+            <a:ext cx="7355292" cy="2211681"/>
+          </a:xfrm>
+          <a:prstGeom prst="bentConnector3">
+            <a:avLst>
+              <a:gd name="adj1" fmla="val 126"/>
+            </a:avLst>
+          </a:prstGeom>
+          <a:ln>
+            <a:tailEnd type="triangle"/>
+          </a:ln>
+        </p:spPr>
+        <p:style>
+          <a:lnRef idx="1">
+            <a:schemeClr val="accent1"/>
+          </a:lnRef>
+          <a:fillRef idx="0">
+            <a:schemeClr val="accent1"/>
+          </a:fillRef>
+          <a:effectRef idx="0">
+            <a:schemeClr val="accent1"/>
+          </a:effectRef>
+          <a:fontRef idx="minor">
+            <a:schemeClr val="tx1"/>
+          </a:fontRef>
+        </p:style>
+      </p:cxnSp>
+      <p:cxnSp>
+        <p:nvCxnSpPr>
+          <p:cNvPr id="38" name="Verbinder: gewinkelt 37"/>
+          <p:cNvCxnSpPr>
+            <a:cxnSpLocks/>
+          </p:cNvCxnSpPr>
+          <p:nvPr/>
+        </p:nvCxnSpPr>
+        <p:spPr>
+          <a:xfrm rot="10800000">
+            <a:off x="4104380" y="2569012"/>
+            <a:ext cx="5761577" cy="2148241"/>
+          </a:xfrm>
+          <a:prstGeom prst="bentConnector3">
+            <a:avLst>
+              <a:gd name="adj1" fmla="val -39"/>
+            </a:avLst>
+          </a:prstGeom>
+          <a:ln>
+            <a:tailEnd type="triangle"/>
+          </a:ln>
+        </p:spPr>
+        <p:style>
+          <a:lnRef idx="1">
+            <a:schemeClr val="accent1"/>
+          </a:lnRef>
+          <a:fillRef idx="0">
+            <a:schemeClr val="accent1"/>
+          </a:fillRef>
+          <a:effectRef idx="0">
+            <a:schemeClr val="accent1"/>
+          </a:effectRef>
+          <a:fontRef idx="minor">
+            <a:schemeClr val="tx1"/>
+          </a:fontRef>
+        </p:style>
+      </p:cxnSp>
     </p:spTree>
     <p:extLst>
       <p:ext uri="{BB962C8B-B14F-4D97-AF65-F5344CB8AC3E}">
-        <p14:creationId xmlns:p14="http://schemas.microsoft.com/office/powerpoint/2010/main" val="2503047061"/>
+        <p14:creationId xmlns:p14="http://schemas.microsoft.com/office/powerpoint/2010/main" val="2774008469"/>
       </p:ext>
     </p:extLst>
   </p:cSld>
   <p:clrMapOvr>
     <a:masterClrMapping/>
   </p:clrMapOvr>
+  <p:timing>
+    <p:tnLst>
+      <p:par>
+        <p:cTn id="1" dur="indefinite" restart="never" nodeType="tmRoot">
+          <p:childTnLst>
+            <p:seq concurrent="1" nextAc="seek">
+              <p:cTn id="2" dur="indefinite" nodeType="mainSeq">
+                <p:childTnLst>
+                  <p:par>
+                    <p:cTn id="3" fill="hold">
+                      <p:stCondLst>
+                        <p:cond delay="indefinite"/>
+                      </p:stCondLst>
+                      <p:childTnLst>
+                        <p:par>
+                          <p:cTn id="4" fill="hold">
+                            <p:stCondLst>
+                              <p:cond delay="0"/>
+                            </p:stCondLst>
+                            <p:childTnLst>
+                              <p:par>
+                                <p:cTn id="5" presetID="1" presetClass="entr" presetSubtype="0" fill="hold" grpId="0" nodeType="clickEffect">
+                                  <p:stCondLst>
+                                    <p:cond delay="0"/>
+                                  </p:stCondLst>
+                                  <p:childTnLst>
+                                    <p:set>
+                                      <p:cBhvr>
+                                        <p:cTn id="6" dur="1" fill="hold">
+                                          <p:stCondLst>
+                                            <p:cond delay="0"/>
+                                          </p:stCondLst>
+                                        </p:cTn>
+                                        <p:tgtEl>
+                                          <p:spTgt spid="9"/>
+                                        </p:tgtEl>
+                                        <p:attrNameLst>
+                                          <p:attrName>style.visibility</p:attrName>
+                                        </p:attrNameLst>
+                                      </p:cBhvr>
+                                      <p:to>
+                                        <p:strVal val="visible"/>
+                                      </p:to>
+                                    </p:set>
+                                  </p:childTnLst>
+                                </p:cTn>
+                              </p:par>
+                              <p:par>
+                                <p:cTn id="7" presetID="1" presetClass="entr" presetSubtype="0" fill="hold" nodeType="withEffect">
+                                  <p:stCondLst>
+                                    <p:cond delay="0"/>
+                                  </p:stCondLst>
+                                  <p:childTnLst>
+                                    <p:set>
+                                      <p:cBhvr>
+                                        <p:cTn id="8" dur="1" fill="hold">
+                                          <p:stCondLst>
+                                            <p:cond delay="0"/>
+                                          </p:stCondLst>
+                                        </p:cTn>
+                                        <p:tgtEl>
+                                          <p:spTgt spid="22"/>
+                                        </p:tgtEl>
+                                        <p:attrNameLst>
+                                          <p:attrName>style.visibility</p:attrName>
+                                        </p:attrNameLst>
+                                      </p:cBhvr>
+                                      <p:to>
+                                        <p:strVal val="visible"/>
+                                      </p:to>
+                                    </p:set>
+                                  </p:childTnLst>
+                                </p:cTn>
+                              </p:par>
+                              <p:par>
+                                <p:cTn id="9" presetID="1" presetClass="entr" presetSubtype="0" fill="hold" nodeType="withEffect">
+                                  <p:stCondLst>
+                                    <p:cond delay="0"/>
+                                  </p:stCondLst>
+                                  <p:childTnLst>
+                                    <p:set>
+                                      <p:cBhvr>
+                                        <p:cTn id="10" dur="1" fill="hold">
+                                          <p:stCondLst>
+                                            <p:cond delay="0"/>
+                                          </p:stCondLst>
+                                        </p:cTn>
+                                        <p:tgtEl>
+                                          <p:spTgt spid="3">
+                                            <p:txEl>
+                                              <p:pRg st="0" end="0"/>
+                                            </p:txEl>
+                                          </p:spTgt>
+                                        </p:tgtEl>
+                                        <p:attrNameLst>
+                                          <p:attrName>style.visibility</p:attrName>
+                                        </p:attrNameLst>
+                                      </p:cBhvr>
+                                      <p:to>
+                                        <p:strVal val="visible"/>
+                                      </p:to>
+                                    </p:set>
+                                  </p:childTnLst>
+                                </p:cTn>
+                              </p:par>
+                            </p:childTnLst>
+                          </p:cTn>
+                        </p:par>
+                      </p:childTnLst>
+                    </p:cTn>
+                  </p:par>
+                  <p:par>
+                    <p:cTn id="11" fill="hold">
+                      <p:stCondLst>
+                        <p:cond delay="indefinite"/>
+                      </p:stCondLst>
+                      <p:childTnLst>
+                        <p:par>
+                          <p:cTn id="12" fill="hold">
+                            <p:stCondLst>
+                              <p:cond delay="0"/>
+                            </p:stCondLst>
+                            <p:childTnLst>
+                              <p:par>
+                                <p:cTn id="13" presetID="1" presetClass="entr" presetSubtype="0" fill="hold" nodeType="clickEffect">
+                                  <p:stCondLst>
+                                    <p:cond delay="0"/>
+                                  </p:stCondLst>
+                                  <p:childTnLst>
+                                    <p:set>
+                                      <p:cBhvr>
+                                        <p:cTn id="14" dur="1" fill="hold">
+                                          <p:stCondLst>
+                                            <p:cond delay="0"/>
+                                          </p:stCondLst>
+                                        </p:cTn>
+                                        <p:tgtEl>
+                                          <p:spTgt spid="3">
+                                            <p:txEl>
+                                              <p:pRg st="1" end="1"/>
+                                            </p:txEl>
+                                          </p:spTgt>
+                                        </p:tgtEl>
+                                        <p:attrNameLst>
+                                          <p:attrName>style.visibility</p:attrName>
+                                        </p:attrNameLst>
+                                      </p:cBhvr>
+                                      <p:to>
+                                        <p:strVal val="visible"/>
+                                      </p:to>
+                                    </p:set>
+                                  </p:childTnLst>
+                                </p:cTn>
+                              </p:par>
+                              <p:par>
+                                <p:cTn id="15" presetID="1" presetClass="entr" presetSubtype="0" fill="hold" nodeType="withEffect">
+                                  <p:stCondLst>
+                                    <p:cond delay="0"/>
+                                  </p:stCondLst>
+                                  <p:childTnLst>
+                                    <p:set>
+                                      <p:cBhvr>
+                                        <p:cTn id="16" dur="1" fill="hold">
+                                          <p:stCondLst>
+                                            <p:cond delay="0"/>
+                                          </p:stCondLst>
+                                        </p:cTn>
+                                        <p:tgtEl>
+                                          <p:spTgt spid="38"/>
+                                        </p:tgtEl>
+                                        <p:attrNameLst>
+                                          <p:attrName>style.visibility</p:attrName>
+                                        </p:attrNameLst>
+                                      </p:cBhvr>
+                                      <p:to>
+                                        <p:strVal val="visible"/>
+                                      </p:to>
+                                    </p:set>
+                                  </p:childTnLst>
+                                </p:cTn>
+                              </p:par>
+                              <p:par>
+                                <p:cTn id="17" presetID="1" presetClass="entr" presetSubtype="0" fill="hold" grpId="0" nodeType="withEffect">
+                                  <p:stCondLst>
+                                    <p:cond delay="0"/>
+                                  </p:stCondLst>
+                                  <p:childTnLst>
+                                    <p:set>
+                                      <p:cBhvr>
+                                        <p:cTn id="18" dur="1" fill="hold">
+                                          <p:stCondLst>
+                                            <p:cond delay="0"/>
+                                          </p:stCondLst>
+                                        </p:cTn>
+                                        <p:tgtEl>
+                                          <p:spTgt spid="8"/>
+                                        </p:tgtEl>
+                                        <p:attrNameLst>
+                                          <p:attrName>style.visibility</p:attrName>
+                                        </p:attrNameLst>
+                                      </p:cBhvr>
+                                      <p:to>
+                                        <p:strVal val="visible"/>
+                                      </p:to>
+                                    </p:set>
+                                  </p:childTnLst>
+                                </p:cTn>
+                              </p:par>
+                            </p:childTnLst>
+                          </p:cTn>
+                        </p:par>
+                      </p:childTnLst>
+                    </p:cTn>
+                  </p:par>
+                  <p:par>
+                    <p:cTn id="19" fill="hold">
+                      <p:stCondLst>
+                        <p:cond delay="indefinite"/>
+                      </p:stCondLst>
+                      <p:childTnLst>
+                        <p:par>
+                          <p:cTn id="20" fill="hold">
+                            <p:stCondLst>
+                              <p:cond delay="0"/>
+                            </p:stCondLst>
+                            <p:childTnLst>
+                              <p:par>
+                                <p:cTn id="21" presetID="1" presetClass="entr" presetSubtype="0" fill="hold" nodeType="clickEffect">
+                                  <p:stCondLst>
+                                    <p:cond delay="0"/>
+                                  </p:stCondLst>
+                                  <p:childTnLst>
+                                    <p:set>
+                                      <p:cBhvr>
+                                        <p:cTn id="22" dur="1" fill="hold">
+                                          <p:stCondLst>
+                                            <p:cond delay="0"/>
+                                          </p:stCondLst>
+                                        </p:cTn>
+                                        <p:tgtEl>
+                                          <p:spTgt spid="3">
+                                            <p:txEl>
+                                              <p:pRg st="2" end="2"/>
+                                            </p:txEl>
+                                          </p:spTgt>
+                                        </p:tgtEl>
+                                        <p:attrNameLst>
+                                          <p:attrName>style.visibility</p:attrName>
+                                        </p:attrNameLst>
+                                      </p:cBhvr>
+                                      <p:to>
+                                        <p:strVal val="visible"/>
+                                      </p:to>
+                                    </p:set>
+                                  </p:childTnLst>
+                                </p:cTn>
+                              </p:par>
+                              <p:par>
+                                <p:cTn id="23" presetID="1" presetClass="entr" presetSubtype="0" fill="hold" nodeType="withEffect">
+                                  <p:stCondLst>
+                                    <p:cond delay="0"/>
+                                  </p:stCondLst>
+                                  <p:childTnLst>
+                                    <p:set>
+                                      <p:cBhvr>
+                                        <p:cTn id="24" dur="1" fill="hold">
+                                          <p:stCondLst>
+                                            <p:cond delay="0"/>
+                                          </p:stCondLst>
+                                        </p:cTn>
+                                        <p:tgtEl>
+                                          <p:spTgt spid="19"/>
+                                        </p:tgtEl>
+                                        <p:attrNameLst>
+                                          <p:attrName>style.visibility</p:attrName>
+                                        </p:attrNameLst>
+                                      </p:cBhvr>
+                                      <p:to>
+                                        <p:strVal val="visible"/>
+                                      </p:to>
+                                    </p:set>
+                                  </p:childTnLst>
+                                </p:cTn>
+                              </p:par>
+                              <p:par>
+                                <p:cTn id="25" presetID="1" presetClass="entr" presetSubtype="0" fill="hold" grpId="0" nodeType="withEffect">
+                                  <p:stCondLst>
+                                    <p:cond delay="0"/>
+                                  </p:stCondLst>
+                                  <p:childTnLst>
+                                    <p:set>
+                                      <p:cBhvr>
+                                        <p:cTn id="26" dur="1" fill="hold">
+                                          <p:stCondLst>
+                                            <p:cond delay="0"/>
+                                          </p:stCondLst>
+                                        </p:cTn>
+                                        <p:tgtEl>
+                                          <p:spTgt spid="7"/>
+                                        </p:tgtEl>
+                                        <p:attrNameLst>
+                                          <p:attrName>style.visibility</p:attrName>
+                                        </p:attrNameLst>
+                                      </p:cBhvr>
+                                      <p:to>
+                                        <p:strVal val="visible"/>
+                                      </p:to>
+                                    </p:set>
+                                  </p:childTnLst>
+                                </p:cTn>
+                              </p:par>
+                            </p:childTnLst>
+                          </p:cTn>
+                        </p:par>
+                      </p:childTnLst>
+                    </p:cTn>
+                  </p:par>
+                  <p:par>
+                    <p:cTn id="27" fill="hold">
+                      <p:stCondLst>
+                        <p:cond delay="indefinite"/>
+                      </p:stCondLst>
+                      <p:childTnLst>
+                        <p:par>
+                          <p:cTn id="28" fill="hold">
+                            <p:stCondLst>
+                              <p:cond delay="0"/>
+                            </p:stCondLst>
+                            <p:childTnLst>
+                              <p:par>
+                                <p:cTn id="29" presetID="1" presetClass="entr" presetSubtype="0" fill="hold" nodeType="clickEffect">
+                                  <p:stCondLst>
+                                    <p:cond delay="0"/>
+                                  </p:stCondLst>
+                                  <p:childTnLst>
+                                    <p:set>
+                                      <p:cBhvr>
+                                        <p:cTn id="30" dur="1" fill="hold">
+                                          <p:stCondLst>
+                                            <p:cond delay="0"/>
+                                          </p:stCondLst>
+                                        </p:cTn>
+                                        <p:tgtEl>
+                                          <p:spTgt spid="3">
+                                            <p:txEl>
+                                              <p:pRg st="3" end="3"/>
+                                            </p:txEl>
+                                          </p:spTgt>
+                                        </p:tgtEl>
+                                        <p:attrNameLst>
+                                          <p:attrName>style.visibility</p:attrName>
+                                        </p:attrNameLst>
+                                      </p:cBhvr>
+                                      <p:to>
+                                        <p:strVal val="visible"/>
+                                      </p:to>
+                                    </p:set>
+                                  </p:childTnLst>
+                                </p:cTn>
+                              </p:par>
+                              <p:par>
+                                <p:cTn id="31" presetID="1" presetClass="entr" presetSubtype="0" fill="hold" nodeType="withEffect">
+                                  <p:stCondLst>
+                                    <p:cond delay="0"/>
+                                  </p:stCondLst>
+                                  <p:childTnLst>
+                                    <p:set>
+                                      <p:cBhvr>
+                                        <p:cTn id="32" dur="1" fill="hold">
+                                          <p:stCondLst>
+                                            <p:cond delay="0"/>
+                                          </p:stCondLst>
+                                        </p:cTn>
+                                        <p:tgtEl>
+                                          <p:spTgt spid="15"/>
+                                        </p:tgtEl>
+                                        <p:attrNameLst>
+                                          <p:attrName>style.visibility</p:attrName>
+                                        </p:attrNameLst>
+                                      </p:cBhvr>
+                                      <p:to>
+                                        <p:strVal val="visible"/>
+                                      </p:to>
+                                    </p:set>
+                                  </p:childTnLst>
+                                </p:cTn>
+                              </p:par>
+                              <p:par>
+                                <p:cTn id="33" presetID="1" presetClass="entr" presetSubtype="0" fill="hold" grpId="0" nodeType="withEffect">
+                                  <p:stCondLst>
+                                    <p:cond delay="0"/>
+                                  </p:stCondLst>
+                                  <p:childTnLst>
+                                    <p:set>
+                                      <p:cBhvr>
+                                        <p:cTn id="34" dur="1" fill="hold">
+                                          <p:stCondLst>
+                                            <p:cond delay="0"/>
+                                          </p:stCondLst>
+                                        </p:cTn>
+                                        <p:tgtEl>
+                                          <p:spTgt spid="6"/>
+                                        </p:tgtEl>
+                                        <p:attrNameLst>
+                                          <p:attrName>style.visibility</p:attrName>
+                                        </p:attrNameLst>
+                                      </p:cBhvr>
+                                      <p:to>
+                                        <p:strVal val="visible"/>
+                                      </p:to>
+                                    </p:set>
+                                  </p:childTnLst>
+                                </p:cTn>
+                              </p:par>
+                            </p:childTnLst>
+                          </p:cTn>
+                        </p:par>
+                      </p:childTnLst>
+                    </p:cTn>
+                  </p:par>
+                </p:childTnLst>
+              </p:cTn>
+              <p:prevCondLst>
+                <p:cond evt="onPrev" delay="0">
+                  <p:tgtEl>
+                    <p:sldTgt/>
+                  </p:tgtEl>
+                </p:cond>
+              </p:prevCondLst>
+              <p:nextCondLst>
+                <p:cond evt="onNext" delay="0">
+                  <p:tgtEl>
+                    <p:sldTgt/>
+                  </p:tgtEl>
+                </p:cond>
+              </p:nextCondLst>
+            </p:seq>
+          </p:childTnLst>
+        </p:cTn>
+      </p:par>
+    </p:tnLst>
+    <p:bldLst>
+      <p:bldP spid="6" grpId="0" animBg="1"/>
+      <p:bldP spid="7" grpId="0" animBg="1"/>
+      <p:bldP spid="8" grpId="0" animBg="1"/>
+      <p:bldP spid="9" grpId="0" animBg="1"/>
+    </p:bldLst>
+  </p:timing>
 </p:sld>
 </file>
 
@@ -4647,7 +8018,7 @@
       </p:grpSpPr>
       <p:sp>
         <p:nvSpPr>
-          <p:cNvPr id="2" name="Titel 1"/>
+          <p:cNvPr id="4" name="Titel 3"/>
           <p:cNvSpPr>
             <a:spLocks noGrp="1"/>
           </p:cNvSpPr>
@@ -4662,19 +8033,19 @@
           <a:p>
             <a:r>
               <a:rPr lang="de-AT" dirty="0"/>
-              <a:t>Ausblick</a:t>
-            </a:r>
-          </a:p>
-        </p:txBody>
-      </p:sp>
-      <p:sp>
-        <p:nvSpPr>
-          <p:cNvPr id="3" name="Inhaltsplatzhalter 2"/>
-          <p:cNvSpPr>
-            <a:spLocks noGrp="1"/>
-          </p:cNvSpPr>
-          <p:nvPr>
-            <p:ph idx="1"/>
+              <a:t>Prototyp</a:t>
+            </a:r>
+          </a:p>
+        </p:txBody>
+      </p:sp>
+      <p:sp>
+        <p:nvSpPr>
+          <p:cNvPr id="5" name="Textplatzhalter 4"/>
+          <p:cNvSpPr>
+            <a:spLocks noGrp="1"/>
+          </p:cNvSpPr>
+          <p:nvPr>
+            <p:ph type="body" idx="1"/>
           </p:nvPr>
         </p:nvSpPr>
         <p:spPr/>
@@ -4689,7 +8060,7 @@
     </p:spTree>
     <p:extLst>
       <p:ext uri="{BB962C8B-B14F-4D97-AF65-F5344CB8AC3E}">
-        <p14:creationId xmlns:p14="http://schemas.microsoft.com/office/powerpoint/2010/main" val="3665434776"/>
+        <p14:creationId xmlns:p14="http://schemas.microsoft.com/office/powerpoint/2010/main" val="1198627381"/>
       </p:ext>
     </p:extLst>
   </p:cSld>

--- a/Abgaben/Präsentation Masterarbeit/Präsentation Muench.pptx
+++ b/Abgaben/Präsentation Masterarbeit/Präsentation Muench.pptx
@@ -242,7 +242,7 @@
           <a:p>
             <a:fld id="{C1014735-C1EC-4119-90C8-04F30BD6CC86}" type="datetimeFigureOut">
               <a:rPr lang="de-AT" smtClean="0"/>
-              <a:t>31.01.2017</a:t>
+              <a:t>01.02.2017</a:t>
             </a:fld>
             <a:endParaRPr lang="de-AT"/>
           </a:p>
@@ -1307,13 +1307,8 @@
           <a:p>
             <a:r>
               <a:rPr lang="de-AT" dirty="0"/>
-              <a:t>/ 25,5 Jahre (</a:t>
-            </a:r>
-            <a:r>
-              <a:rPr lang="de-AT" dirty="0"/>
-              <a:t>mittleres Alter)</a:t>
-            </a:r>
-            <a:endParaRPr lang="de-AT" dirty="0"/>
+              <a:t>/ 25,5 Jahre (mittleres Alter)</a:t>
+            </a:r>
           </a:p>
           <a:p>
             <a:pPr marL="0" marR="0" lvl="0" indent="0" algn="l" defTabSz="914400" rtl="0" eaLnBrk="1" fontAlgn="auto" latinLnBrk="0" hangingPunct="1">
@@ -1989,7 +1984,7 @@
           <a:p>
             <a:fld id="{42CFA529-0F1A-44DC-B789-CEDBE28DE722}" type="datetimeFigureOut">
               <a:rPr lang="de-AT" smtClean="0"/>
-              <a:t>31.01.2017</a:t>
+              <a:t>01.02.2017</a:t>
             </a:fld>
             <a:endParaRPr lang="de-AT"/>
           </a:p>
@@ -2159,7 +2154,7 @@
           <a:p>
             <a:fld id="{42CFA529-0F1A-44DC-B789-CEDBE28DE722}" type="datetimeFigureOut">
               <a:rPr lang="de-AT" smtClean="0"/>
-              <a:t>31.01.2017</a:t>
+              <a:t>01.02.2017</a:t>
             </a:fld>
             <a:endParaRPr lang="de-AT"/>
           </a:p>
@@ -2339,7 +2334,7 @@
           <a:p>
             <a:fld id="{42CFA529-0F1A-44DC-B789-CEDBE28DE722}" type="datetimeFigureOut">
               <a:rPr lang="de-AT" smtClean="0"/>
-              <a:t>31.01.2017</a:t>
+              <a:t>01.02.2017</a:t>
             </a:fld>
             <a:endParaRPr lang="de-AT"/>
           </a:p>
@@ -2515,7 +2510,7 @@
           <a:p>
             <a:fld id="{42CFA529-0F1A-44DC-B789-CEDBE28DE722}" type="datetimeFigureOut">
               <a:rPr lang="de-AT" smtClean="0"/>
-              <a:t>31.01.2017</a:t>
+              <a:t>01.02.2017</a:t>
             </a:fld>
             <a:endParaRPr lang="de-AT"/>
           </a:p>
@@ -2761,7 +2756,7 @@
           <a:p>
             <a:fld id="{42CFA529-0F1A-44DC-B789-CEDBE28DE722}" type="datetimeFigureOut">
               <a:rPr lang="de-AT" smtClean="0"/>
-              <a:t>31.01.2017</a:t>
+              <a:t>01.02.2017</a:t>
             </a:fld>
             <a:endParaRPr lang="de-AT"/>
           </a:p>
@@ -2993,7 +2988,7 @@
           <a:p>
             <a:fld id="{42CFA529-0F1A-44DC-B789-CEDBE28DE722}" type="datetimeFigureOut">
               <a:rPr lang="de-AT" smtClean="0"/>
-              <a:t>31.01.2017</a:t>
+              <a:t>01.02.2017</a:t>
             </a:fld>
             <a:endParaRPr lang="de-AT"/>
           </a:p>
@@ -3360,7 +3355,7 @@
           <a:p>
             <a:fld id="{42CFA529-0F1A-44DC-B789-CEDBE28DE722}" type="datetimeFigureOut">
               <a:rPr lang="de-AT" smtClean="0"/>
-              <a:t>31.01.2017</a:t>
+              <a:t>01.02.2017</a:t>
             </a:fld>
             <a:endParaRPr lang="de-AT"/>
           </a:p>
@@ -3478,7 +3473,7 @@
           <a:p>
             <a:fld id="{42CFA529-0F1A-44DC-B789-CEDBE28DE722}" type="datetimeFigureOut">
               <a:rPr lang="de-AT" smtClean="0"/>
-              <a:t>31.01.2017</a:t>
+              <a:t>01.02.2017</a:t>
             </a:fld>
             <a:endParaRPr lang="de-AT"/>
           </a:p>
@@ -3573,7 +3568,7 @@
           <a:p>
             <a:fld id="{42CFA529-0F1A-44DC-B789-CEDBE28DE722}" type="datetimeFigureOut">
               <a:rPr lang="de-AT" smtClean="0"/>
-              <a:t>31.01.2017</a:t>
+              <a:t>01.02.2017</a:t>
             </a:fld>
             <a:endParaRPr lang="de-AT"/>
           </a:p>
@@ -3850,7 +3845,7 @@
           <a:p>
             <a:fld id="{42CFA529-0F1A-44DC-B789-CEDBE28DE722}" type="datetimeFigureOut">
               <a:rPr lang="de-AT" smtClean="0"/>
-              <a:t>31.01.2017</a:t>
+              <a:t>01.02.2017</a:t>
             </a:fld>
             <a:endParaRPr lang="de-AT"/>
           </a:p>
@@ -4103,7 +4098,7 @@
           <a:p>
             <a:fld id="{42CFA529-0F1A-44DC-B789-CEDBE28DE722}" type="datetimeFigureOut">
               <a:rPr lang="de-AT" smtClean="0"/>
-              <a:t>31.01.2017</a:t>
+              <a:t>01.02.2017</a:t>
             </a:fld>
             <a:endParaRPr lang="de-AT"/>
           </a:p>
@@ -4316,7 +4311,7 @@
           <a:p>
             <a:fld id="{42CFA529-0F1A-44DC-B789-CEDBE28DE722}" type="datetimeFigureOut">
               <a:rPr lang="de-AT" smtClean="0"/>
-              <a:t>31.01.2017</a:t>
+              <a:t>01.02.2017</a:t>
             </a:fld>
             <a:endParaRPr lang="de-AT"/>
           </a:p>
@@ -5877,7 +5872,6 @@
               <a:rPr lang="de-AT" dirty="0"/>
               <a:t>Evaluation</a:t>
             </a:r>
-            <a:endParaRPr lang="de-AT" dirty="0"/>
           </a:p>
         </p:txBody>
       </p:sp>
@@ -5949,7 +5943,6 @@
               <a:rPr lang="de-AT" dirty="0"/>
               <a:t>Evaluation – Stichprobenbeschreibung</a:t>
             </a:r>
-            <a:endParaRPr lang="de-AT" dirty="0"/>
           </a:p>
         </p:txBody>
       </p:sp>
@@ -6049,13 +6042,8 @@
           <a:p>
             <a:r>
               <a:rPr lang="de-AT" dirty="0"/>
-              <a:t>Evaluation – </a:t>
-            </a:r>
-            <a:r>
-              <a:rPr lang="de-AT" dirty="0"/>
-              <a:t>Gebrauchstauglichkeitsanalyse</a:t>
-            </a:r>
-            <a:endParaRPr lang="de-AT" dirty="0"/>
+              <a:t>Evaluation – Gebrauchstauglichkeitsanalyse</a:t>
+            </a:r>
           </a:p>
         </p:txBody>
       </p:sp>
@@ -6127,11 +6115,7 @@
             <a:pPr algn="l"/>
             <a:r>
               <a:rPr lang="de-AT" sz="2000" dirty="0"/>
-              <a:t>Gebrauchstauglichkeitsanalyse nach </a:t>
-            </a:r>
-            <a:r>
-              <a:rPr lang="de-AT" sz="2000" dirty="0"/>
-              <a:t>ISO 9241</a:t>
+              <a:t>Gebrauchstauglichkeitsanalyse nach ISO 9241</a:t>
             </a:r>
           </a:p>
         </p:txBody>
@@ -6183,13 +6167,8 @@
           <a:p>
             <a:r>
               <a:rPr lang="de-AT" dirty="0"/>
-              <a:t>Evaluation – </a:t>
-            </a:r>
-            <a:r>
-              <a:rPr lang="de-AT" dirty="0"/>
-              <a:t>Verhaltensbeobachtung</a:t>
-            </a:r>
-            <a:endParaRPr lang="de-AT" dirty="0"/>
+              <a:t>Evaluation – Verhaltensbeobachtung</a:t>
+            </a:r>
           </a:p>
         </p:txBody>
       </p:sp>
@@ -6608,7 +6587,7 @@
         </p:blipFill>
         <p:spPr>
           <a:xfrm>
-            <a:off x="-1035050" y="0"/>
+            <a:off x="0" y="0"/>
             <a:ext cx="13227050" cy="6858000"/>
           </a:xfrm>
           <a:prstGeom prst="rect">

--- a/Abgaben/Präsentation Masterarbeit/Präsentation Muench.pptx
+++ b/Abgaben/Präsentation Masterarbeit/Präsentation Muench.pptx
@@ -5,28 +5,32 @@
     <p:sldMasterId id="2147483789" r:id="rId1"/>
   </p:sldMasterIdLst>
   <p:notesMasterIdLst>
-    <p:notesMasterId r:id="rId21"/>
+    <p:notesMasterId r:id="rId25"/>
   </p:notesMasterIdLst>
   <p:sldIdLst>
     <p:sldId id="256" r:id="rId2"/>
     <p:sldId id="264" r:id="rId3"/>
     <p:sldId id="258" r:id="rId4"/>
-    <p:sldId id="257" r:id="rId5"/>
-    <p:sldId id="266" r:id="rId6"/>
+    <p:sldId id="266" r:id="rId5"/>
+    <p:sldId id="257" r:id="rId6"/>
     <p:sldId id="261" r:id="rId7"/>
     <p:sldId id="267" r:id="rId8"/>
     <p:sldId id="259" r:id="rId9"/>
-    <p:sldId id="274" r:id="rId10"/>
-    <p:sldId id="260" r:id="rId11"/>
-    <p:sldId id="268" r:id="rId12"/>
-    <p:sldId id="269" r:id="rId13"/>
-    <p:sldId id="270" r:id="rId14"/>
-    <p:sldId id="273" r:id="rId15"/>
-    <p:sldId id="272" r:id="rId16"/>
-    <p:sldId id="262" r:id="rId17"/>
-    <p:sldId id="271" r:id="rId18"/>
-    <p:sldId id="263" r:id="rId19"/>
-    <p:sldId id="265" r:id="rId20"/>
+    <p:sldId id="278" r:id="rId10"/>
+    <p:sldId id="275" r:id="rId11"/>
+    <p:sldId id="274" r:id="rId12"/>
+    <p:sldId id="260" r:id="rId13"/>
+    <p:sldId id="268" r:id="rId14"/>
+    <p:sldId id="269" r:id="rId15"/>
+    <p:sldId id="270" r:id="rId16"/>
+    <p:sldId id="273" r:id="rId17"/>
+    <p:sldId id="272" r:id="rId18"/>
+    <p:sldId id="262" r:id="rId19"/>
+    <p:sldId id="271" r:id="rId20"/>
+    <p:sldId id="276" r:id="rId21"/>
+    <p:sldId id="277" r:id="rId22"/>
+    <p:sldId id="279" r:id="rId23"/>
+    <p:sldId id="265" r:id="rId24"/>
   </p:sldIdLst>
   <p:sldSz cx="12192000" cy="6858000"/>
   <p:notesSz cx="6858000" cy="9144000"/>
@@ -133,11 +137,13 @@
             <p14:sldId id="256"/>
             <p14:sldId id="264"/>
             <p14:sldId id="258"/>
+            <p14:sldId id="266"/>
             <p14:sldId id="257"/>
-            <p14:sldId id="266"/>
             <p14:sldId id="261"/>
             <p14:sldId id="267"/>
             <p14:sldId id="259"/>
+            <p14:sldId id="278"/>
+            <p14:sldId id="275"/>
             <p14:sldId id="274"/>
             <p14:sldId id="260"/>
             <p14:sldId id="268"/>
@@ -147,7 +153,9 @@
             <p14:sldId id="272"/>
             <p14:sldId id="262"/>
             <p14:sldId id="271"/>
-            <p14:sldId id="263"/>
+            <p14:sldId id="276"/>
+            <p14:sldId id="277"/>
+            <p14:sldId id="279"/>
             <p14:sldId id="265"/>
           </p14:sldIdLst>
         </p14:section>
@@ -242,7 +250,7 @@
           <a:p>
             <a:fld id="{C1014735-C1EC-4119-90C8-04F30BD6CC86}" type="datetimeFigureOut">
               <a:rPr lang="de-AT" smtClean="0"/>
-              <a:t>01.02.2017</a:t>
+              <a:t>02.02.2017</a:t>
             </a:fld>
             <a:endParaRPr lang="de-AT"/>
           </a:p>
@@ -554,36 +562,171 @@
           <a:bodyPr/>
           <a:lstStyle/>
           <a:p>
-            <a:r>
-              <a:rPr lang="de-AT" dirty="0" err="1"/>
-              <a:t>Aussendienstplannung</a:t>
-            </a:r>
-            <a:r>
-              <a:rPr lang="de-AT" dirty="0"/>
-              <a:t> </a:t>
-            </a:r>
-            <a:r>
-              <a:rPr lang="de-AT" dirty="0">
-                <a:sym typeface="Wingdings" panose="05000000000000000000" pitchFamily="2" charset="2"/>
+            <a:pPr marL="0" marR="0" lvl="0" indent="0" algn="l" defTabSz="914400" rtl="0" eaLnBrk="1" fontAlgn="auto" latinLnBrk="0" hangingPunct="1">
+              <a:lnSpc>
+                <a:spcPct val="100000"/>
+              </a:lnSpc>
+              <a:spcBef>
+                <a:spcPts val="0"/>
+              </a:spcBef>
+              <a:spcAft>
+                <a:spcPts val="0"/>
+              </a:spcAft>
+              <a:buClrTx/>
+              <a:buSzTx/>
+              <a:buFontTx/>
+              <a:buNone/>
+              <a:tabLst/>
+              <a:defRPr/>
+            </a:pPr>
+            <a:r>
+              <a:rPr lang="it-IT" sz="1200" b="0" i="0" u="none" strike="noStrike" kern="1200" dirty="0">
+                <a:solidFill>
+                  <a:schemeClr val="tx1"/>
+                </a:solidFill>
+                <a:effectLst/>
+                <a:latin typeface="+mn-lt"/>
+                <a:ea typeface="+mn-ea"/>
+                <a:cs typeface="+mn-cs"/>
+                <a:hlinkClick r:id="rId3"/>
               </a:rPr>
-              <a:t> Entscheidungsfindungsprozess</a:t>
-            </a:r>
-          </a:p>
-          <a:p>
-            <a:r>
-              <a:rPr lang="de-AT" dirty="0">
-                <a:sym typeface="Wingdings" panose="05000000000000000000" pitchFamily="2" charset="2"/>
+              <a:t>DI Prof. Dr. Regine </a:t>
+            </a:r>
+            <a:r>
+              <a:rPr lang="it-IT" sz="1200" b="0" i="0" u="none" strike="noStrike" kern="1200" dirty="0" err="1">
+                <a:solidFill>
+                  <a:schemeClr val="tx1"/>
+                </a:solidFill>
+                <a:effectLst/>
+                <a:latin typeface="+mn-lt"/>
+                <a:ea typeface="+mn-ea"/>
+                <a:cs typeface="+mn-cs"/>
+                <a:hlinkClick r:id="rId3"/>
               </a:rPr>
-              <a:t>Entscheidungsfindungsprozess  Nur so gut wie verfügbare Daten und derer Darstellung</a:t>
-            </a:r>
-          </a:p>
-          <a:p>
-            <a:r>
-              <a:rPr lang="de-AT" dirty="0">
-                <a:sym typeface="Wingdings" panose="05000000000000000000" pitchFamily="2" charset="2"/>
+              <a:t>Bolter</a:t>
+            </a:r>
+            <a:endParaRPr lang="it-IT" sz="1200" b="0" i="0" u="none" strike="noStrike" kern="1200" dirty="0">
+              <a:solidFill>
+                <a:schemeClr val="tx1"/>
+              </a:solidFill>
+              <a:effectLst/>
+              <a:latin typeface="+mn-lt"/>
+              <a:ea typeface="+mn-ea"/>
+              <a:cs typeface="+mn-cs"/>
+            </a:endParaRPr>
+          </a:p>
+          <a:p>
+            <a:pPr marL="0" marR="0" lvl="0" indent="0" algn="l" defTabSz="914400" rtl="0" eaLnBrk="1" fontAlgn="auto" latinLnBrk="0" hangingPunct="1">
+              <a:lnSpc>
+                <a:spcPct val="100000"/>
+              </a:lnSpc>
+              <a:spcBef>
+                <a:spcPts val="0"/>
+              </a:spcBef>
+              <a:spcAft>
+                <a:spcPts val="0"/>
+              </a:spcAft>
+              <a:buClrTx/>
+              <a:buSzTx/>
+              <a:buFontTx/>
+              <a:buNone/>
+              <a:tabLst/>
+              <a:defRPr/>
+            </a:pPr>
+            <a:r>
+              <a:rPr lang="it-IT" sz="1200" b="0" i="0" u="none" strike="noStrike" kern="1200" dirty="0">
+                <a:solidFill>
+                  <a:schemeClr val="tx1"/>
+                </a:solidFill>
+                <a:effectLst/>
+                <a:latin typeface="+mn-lt"/>
+                <a:ea typeface="+mn-ea"/>
+                <a:cs typeface="+mn-cs"/>
               </a:rPr>
-              <a:t>Verfügbar != Vorhanden </a:t>
-            </a:r>
+              <a:t>Prof. Dr. Vollbrecht</a:t>
+            </a:r>
+          </a:p>
+          <a:p>
+            <a:pPr marL="0" marR="0" lvl="0" indent="0" algn="l" defTabSz="914400" rtl="0" eaLnBrk="1" fontAlgn="auto" latinLnBrk="0" hangingPunct="1">
+              <a:lnSpc>
+                <a:spcPct val="100000"/>
+              </a:lnSpc>
+              <a:spcBef>
+                <a:spcPts val="0"/>
+              </a:spcBef>
+              <a:spcAft>
+                <a:spcPts val="0"/>
+              </a:spcAft>
+              <a:buClrTx/>
+              <a:buSzTx/>
+              <a:buFontTx/>
+              <a:buNone/>
+              <a:tabLst/>
+              <a:defRPr/>
+            </a:pPr>
+            <a:r>
+              <a:rPr lang="it-IT" sz="1200" b="0" i="0" u="none" strike="noStrike" kern="1200" dirty="0">
+                <a:solidFill>
+                  <a:schemeClr val="tx1"/>
+                </a:solidFill>
+                <a:effectLst/>
+                <a:latin typeface="+mn-lt"/>
+                <a:ea typeface="+mn-ea"/>
+                <a:cs typeface="+mn-cs"/>
+              </a:rPr>
+              <a:t>Prof. Dr. </a:t>
+            </a:r>
+            <a:r>
+              <a:rPr lang="it-IT" sz="1200" b="0" i="0" u="none" strike="noStrike" kern="1200" dirty="0" err="1">
+                <a:solidFill>
+                  <a:schemeClr val="tx1"/>
+                </a:solidFill>
+                <a:effectLst/>
+                <a:latin typeface="+mn-lt"/>
+                <a:ea typeface="+mn-ea"/>
+                <a:cs typeface="+mn-cs"/>
+              </a:rPr>
+              <a:t>Wenzel</a:t>
+            </a:r>
+            <a:endParaRPr lang="it-IT" sz="1200" b="0" i="0" u="none" strike="noStrike" kern="1200" dirty="0">
+              <a:solidFill>
+                <a:schemeClr val="tx1"/>
+              </a:solidFill>
+              <a:effectLst/>
+              <a:latin typeface="+mn-lt"/>
+              <a:ea typeface="+mn-ea"/>
+              <a:cs typeface="+mn-cs"/>
+            </a:endParaRPr>
+          </a:p>
+          <a:p>
+            <a:pPr marL="0" marR="0" lvl="0" indent="0" algn="l" defTabSz="914400" rtl="0" eaLnBrk="1" fontAlgn="auto" latinLnBrk="0" hangingPunct="1">
+              <a:lnSpc>
+                <a:spcPct val="100000"/>
+              </a:lnSpc>
+              <a:spcBef>
+                <a:spcPts val="0"/>
+              </a:spcBef>
+              <a:spcAft>
+                <a:spcPts val="0"/>
+              </a:spcAft>
+              <a:buClrTx/>
+              <a:buSzTx/>
+              <a:buFontTx/>
+              <a:buNone/>
+              <a:tabLst/>
+              <a:defRPr/>
+            </a:pPr>
+            <a:endParaRPr lang="it-IT" sz="1200" b="0" i="0" kern="1200" dirty="0">
+              <a:solidFill>
+                <a:schemeClr val="tx1"/>
+              </a:solidFill>
+              <a:effectLst/>
+              <a:latin typeface="+mn-lt"/>
+              <a:ea typeface="+mn-ea"/>
+              <a:cs typeface="+mn-cs"/>
+            </a:endParaRPr>
+          </a:p>
+          <a:p>
             <a:endParaRPr lang="de-AT" dirty="0"/>
           </a:p>
         </p:txBody>
@@ -605,7 +748,7 @@
           <a:p>
             <a:fld id="{28393167-663F-4E2D-94C0-04507F973EC3}" type="slidenum">
               <a:rPr lang="de-AT" smtClean="0"/>
-              <a:t>3</a:t>
+              <a:t>1</a:t>
             </a:fld>
             <a:endParaRPr lang="de-AT"/>
           </a:p>
@@ -614,7 +757,938 @@
     </p:spTree>
     <p:extLst>
       <p:ext uri="{BB962C8B-B14F-4D97-AF65-F5344CB8AC3E}">
-        <p14:creationId xmlns:p14="http://schemas.microsoft.com/office/powerpoint/2010/main" val="2623266355"/>
+        <p14:creationId xmlns:p14="http://schemas.microsoft.com/office/powerpoint/2010/main" val="1612685017"/>
+      </p:ext>
+    </p:extLst>
+  </p:cSld>
+  <p:clrMapOvr>
+    <a:masterClrMapping/>
+  </p:clrMapOvr>
+</p:notes>
+</file>
+
+<file path=ppt/notesSlides/notesSlide10.xml><?xml version="1.0" encoding="utf-8"?>
+<p:notes xmlns:a="http://schemas.openxmlformats.org/drawingml/2006/main" xmlns:r="http://schemas.openxmlformats.org/officeDocument/2006/relationships" xmlns:p="http://schemas.openxmlformats.org/presentationml/2006/main">
+  <p:cSld>
+    <p:spTree>
+      <p:nvGrpSpPr>
+        <p:cNvPr id="1" name=""/>
+        <p:cNvGrpSpPr/>
+        <p:nvPr/>
+      </p:nvGrpSpPr>
+      <p:grpSpPr>
+        <a:xfrm>
+          <a:off x="0" y="0"/>
+          <a:ext cx="0" cy="0"/>
+          <a:chOff x="0" y="0"/>
+          <a:chExt cx="0" cy="0"/>
+        </a:xfrm>
+      </p:grpSpPr>
+      <p:sp>
+        <p:nvSpPr>
+          <p:cNvPr id="2" name="Folienbildplatzhalter 1"/>
+          <p:cNvSpPr>
+            <a:spLocks noGrp="1" noRot="1" noChangeAspect="1"/>
+          </p:cNvSpPr>
+          <p:nvPr>
+            <p:ph type="sldImg"/>
+          </p:nvPr>
+        </p:nvSpPr>
+        <p:spPr/>
+      </p:sp>
+      <p:sp>
+        <p:nvSpPr>
+          <p:cNvPr id="3" name="Notizenplatzhalter 2"/>
+          <p:cNvSpPr>
+            <a:spLocks noGrp="1"/>
+          </p:cNvSpPr>
+          <p:nvPr>
+            <p:ph type="body" idx="1"/>
+          </p:nvPr>
+        </p:nvSpPr>
+        <p:spPr/>
+        <p:txBody>
+          <a:bodyPr/>
+          <a:lstStyle/>
+          <a:p>
+            <a:r>
+              <a:rPr lang="de-AT" sz="1200" kern="1200" dirty="0" err="1">
+                <a:solidFill>
+                  <a:schemeClr val="tx1"/>
+                </a:solidFill>
+                <a:effectLst/>
+                <a:latin typeface="+mn-lt"/>
+                <a:ea typeface="+mn-ea"/>
+                <a:cs typeface="+mn-cs"/>
+              </a:rPr>
+              <a:t>Overview</a:t>
+            </a:r>
+            <a:r>
+              <a:rPr lang="de-AT" sz="1200" kern="1200" dirty="0">
+                <a:solidFill>
+                  <a:schemeClr val="tx1"/>
+                </a:solidFill>
+                <a:effectLst/>
+                <a:latin typeface="+mn-lt"/>
+                <a:ea typeface="+mn-ea"/>
+                <a:cs typeface="+mn-cs"/>
+              </a:rPr>
+              <a:t>, zoom </a:t>
+            </a:r>
+            <a:r>
+              <a:rPr lang="de-AT" sz="1200" kern="1200" dirty="0" err="1">
+                <a:solidFill>
+                  <a:schemeClr val="tx1"/>
+                </a:solidFill>
+                <a:effectLst/>
+                <a:latin typeface="+mn-lt"/>
+                <a:ea typeface="+mn-ea"/>
+                <a:cs typeface="+mn-cs"/>
+              </a:rPr>
+              <a:t>and</a:t>
+            </a:r>
+            <a:r>
+              <a:rPr lang="de-AT" sz="1200" kern="1200" dirty="0">
+                <a:solidFill>
+                  <a:schemeClr val="tx1"/>
+                </a:solidFill>
+                <a:effectLst/>
+                <a:latin typeface="+mn-lt"/>
+                <a:ea typeface="+mn-ea"/>
+                <a:cs typeface="+mn-cs"/>
+              </a:rPr>
+              <a:t> </a:t>
+            </a:r>
+            <a:r>
+              <a:rPr lang="de-AT" sz="1200" kern="1200" dirty="0" err="1">
+                <a:solidFill>
+                  <a:schemeClr val="tx1"/>
+                </a:solidFill>
+                <a:effectLst/>
+                <a:latin typeface="+mn-lt"/>
+                <a:ea typeface="+mn-ea"/>
+                <a:cs typeface="+mn-cs"/>
+              </a:rPr>
+              <a:t>filter</a:t>
+            </a:r>
+            <a:r>
+              <a:rPr lang="de-AT" sz="1200" kern="1200" dirty="0">
+                <a:solidFill>
+                  <a:schemeClr val="tx1"/>
+                </a:solidFill>
+                <a:effectLst/>
+                <a:latin typeface="+mn-lt"/>
+                <a:ea typeface="+mn-ea"/>
+                <a:cs typeface="+mn-cs"/>
+              </a:rPr>
+              <a:t>, </a:t>
+            </a:r>
+            <a:r>
+              <a:rPr lang="de-AT" sz="1200" kern="1200" dirty="0" err="1">
+                <a:solidFill>
+                  <a:schemeClr val="tx1"/>
+                </a:solidFill>
+                <a:effectLst/>
+                <a:latin typeface="+mn-lt"/>
+                <a:ea typeface="+mn-ea"/>
+                <a:cs typeface="+mn-cs"/>
+              </a:rPr>
+              <a:t>details</a:t>
+            </a:r>
+            <a:r>
+              <a:rPr lang="de-AT" sz="1200" kern="1200" dirty="0">
+                <a:solidFill>
+                  <a:schemeClr val="tx1"/>
+                </a:solidFill>
+                <a:effectLst/>
+                <a:latin typeface="+mn-lt"/>
+                <a:ea typeface="+mn-ea"/>
+                <a:cs typeface="+mn-cs"/>
+              </a:rPr>
+              <a:t> on </a:t>
+            </a:r>
+            <a:r>
+              <a:rPr lang="de-AT" sz="1200" kern="1200" dirty="0" err="1">
+                <a:solidFill>
+                  <a:schemeClr val="tx1"/>
+                </a:solidFill>
+                <a:effectLst/>
+                <a:latin typeface="+mn-lt"/>
+                <a:ea typeface="+mn-ea"/>
+                <a:cs typeface="+mn-cs"/>
+              </a:rPr>
+              <a:t>demand</a:t>
+            </a:r>
+            <a:r>
+              <a:rPr lang="de-AT" sz="1200" kern="1200" dirty="0">
+                <a:solidFill>
+                  <a:schemeClr val="tx1"/>
+                </a:solidFill>
+                <a:effectLst/>
+                <a:latin typeface="+mn-lt"/>
+                <a:ea typeface="+mn-ea"/>
+                <a:cs typeface="+mn-cs"/>
+              </a:rPr>
+              <a:t> (</a:t>
+            </a:r>
+            <a:r>
+              <a:rPr lang="de-AT" sz="1200" kern="1200" dirty="0" err="1">
+                <a:solidFill>
+                  <a:schemeClr val="tx1"/>
+                </a:solidFill>
+                <a:effectLst/>
+                <a:latin typeface="+mn-lt"/>
+                <a:ea typeface="+mn-ea"/>
+                <a:cs typeface="+mn-cs"/>
+              </a:rPr>
+              <a:t>Shneiderman</a:t>
+            </a:r>
+            <a:r>
+              <a:rPr lang="de-AT" sz="1200" kern="1200" dirty="0">
+                <a:solidFill>
+                  <a:schemeClr val="tx1"/>
+                </a:solidFill>
+                <a:effectLst/>
+                <a:latin typeface="+mn-lt"/>
+                <a:ea typeface="+mn-ea"/>
+                <a:cs typeface="+mn-cs"/>
+              </a:rPr>
+              <a:t>)</a:t>
+            </a:r>
+            <a:endParaRPr lang="de-AT" dirty="0"/>
+          </a:p>
+        </p:txBody>
+      </p:sp>
+      <p:sp>
+        <p:nvSpPr>
+          <p:cNvPr id="4" name="Foliennummernplatzhalter 3"/>
+          <p:cNvSpPr>
+            <a:spLocks noGrp="1"/>
+          </p:cNvSpPr>
+          <p:nvPr>
+            <p:ph type="sldNum" sz="quarter" idx="10"/>
+          </p:nvPr>
+        </p:nvSpPr>
+        <p:spPr/>
+        <p:txBody>
+          <a:bodyPr/>
+          <a:lstStyle/>
+          <a:p>
+            <a:fld id="{28393167-663F-4E2D-94C0-04507F973EC3}" type="slidenum">
+              <a:rPr lang="de-AT" smtClean="0"/>
+              <a:t>12</a:t>
+            </a:fld>
+            <a:endParaRPr lang="de-AT"/>
+          </a:p>
+        </p:txBody>
+      </p:sp>
+    </p:spTree>
+    <p:extLst>
+      <p:ext uri="{BB962C8B-B14F-4D97-AF65-F5344CB8AC3E}">
+        <p14:creationId xmlns:p14="http://schemas.microsoft.com/office/powerpoint/2010/main" val="3682762688"/>
+      </p:ext>
+    </p:extLst>
+  </p:cSld>
+  <p:clrMapOvr>
+    <a:masterClrMapping/>
+  </p:clrMapOvr>
+</p:notes>
+</file>
+
+<file path=ppt/notesSlides/notesSlide11.xml><?xml version="1.0" encoding="utf-8"?>
+<p:notes xmlns:a="http://schemas.openxmlformats.org/drawingml/2006/main" xmlns:r="http://schemas.openxmlformats.org/officeDocument/2006/relationships" xmlns:p="http://schemas.openxmlformats.org/presentationml/2006/main">
+  <p:cSld>
+    <p:spTree>
+      <p:nvGrpSpPr>
+        <p:cNvPr id="1" name=""/>
+        <p:cNvGrpSpPr/>
+        <p:nvPr/>
+      </p:nvGrpSpPr>
+      <p:grpSpPr>
+        <a:xfrm>
+          <a:off x="0" y="0"/>
+          <a:ext cx="0" cy="0"/>
+          <a:chOff x="0" y="0"/>
+          <a:chExt cx="0" cy="0"/>
+        </a:xfrm>
+      </p:grpSpPr>
+      <p:sp>
+        <p:nvSpPr>
+          <p:cNvPr id="2" name="Folienbildplatzhalter 1"/>
+          <p:cNvSpPr>
+            <a:spLocks noGrp="1" noRot="1" noChangeAspect="1"/>
+          </p:cNvSpPr>
+          <p:nvPr>
+            <p:ph type="sldImg"/>
+          </p:nvPr>
+        </p:nvSpPr>
+        <p:spPr/>
+      </p:sp>
+      <p:sp>
+        <p:nvSpPr>
+          <p:cNvPr id="3" name="Notizenplatzhalter 2"/>
+          <p:cNvSpPr>
+            <a:spLocks noGrp="1"/>
+          </p:cNvSpPr>
+          <p:nvPr>
+            <p:ph type="body" idx="1"/>
+          </p:nvPr>
+        </p:nvSpPr>
+        <p:spPr/>
+        <p:txBody>
+          <a:bodyPr/>
+          <a:lstStyle/>
+          <a:p>
+            <a:r>
+              <a:rPr lang="de-AT" dirty="0"/>
+              <a:t>/ G1: keine Erfahrung, G3: Fortgeschritten</a:t>
+            </a:r>
+          </a:p>
+          <a:p>
+            <a:r>
+              <a:rPr lang="de-AT" dirty="0"/>
+              <a:t>/ 3 männlich</a:t>
+            </a:r>
+          </a:p>
+          <a:p>
+            <a:r>
+              <a:rPr lang="de-AT" dirty="0"/>
+              <a:t>/ 6 weiblich</a:t>
+            </a:r>
+          </a:p>
+          <a:p>
+            <a:r>
+              <a:rPr lang="de-AT" dirty="0"/>
+              <a:t>/ 2 keine Nennung</a:t>
+            </a:r>
+          </a:p>
+        </p:txBody>
+      </p:sp>
+      <p:sp>
+        <p:nvSpPr>
+          <p:cNvPr id="4" name="Foliennummernplatzhalter 3"/>
+          <p:cNvSpPr>
+            <a:spLocks noGrp="1"/>
+          </p:cNvSpPr>
+          <p:nvPr>
+            <p:ph type="sldNum" sz="quarter" idx="10"/>
+          </p:nvPr>
+        </p:nvSpPr>
+        <p:spPr/>
+        <p:txBody>
+          <a:bodyPr/>
+          <a:lstStyle/>
+          <a:p>
+            <a:fld id="{28393167-663F-4E2D-94C0-04507F973EC3}" type="slidenum">
+              <a:rPr lang="de-AT" smtClean="0"/>
+              <a:t>17</a:t>
+            </a:fld>
+            <a:endParaRPr lang="de-AT"/>
+          </a:p>
+        </p:txBody>
+      </p:sp>
+    </p:spTree>
+    <p:extLst>
+      <p:ext uri="{BB962C8B-B14F-4D97-AF65-F5344CB8AC3E}">
+        <p14:creationId xmlns:p14="http://schemas.microsoft.com/office/powerpoint/2010/main" val="3510593283"/>
+      </p:ext>
+    </p:extLst>
+  </p:cSld>
+  <p:clrMapOvr>
+    <a:masterClrMapping/>
+  </p:clrMapOvr>
+</p:notes>
+</file>
+
+<file path=ppt/notesSlides/notesSlide12.xml><?xml version="1.0" encoding="utf-8"?>
+<p:notes xmlns:a="http://schemas.openxmlformats.org/drawingml/2006/main" xmlns:r="http://schemas.openxmlformats.org/officeDocument/2006/relationships" xmlns:p="http://schemas.openxmlformats.org/presentationml/2006/main">
+  <p:cSld>
+    <p:spTree>
+      <p:nvGrpSpPr>
+        <p:cNvPr id="1" name=""/>
+        <p:cNvGrpSpPr/>
+        <p:nvPr/>
+      </p:nvGrpSpPr>
+      <p:grpSpPr>
+        <a:xfrm>
+          <a:off x="0" y="0"/>
+          <a:ext cx="0" cy="0"/>
+          <a:chOff x="0" y="0"/>
+          <a:chExt cx="0" cy="0"/>
+        </a:xfrm>
+      </p:grpSpPr>
+      <p:sp>
+        <p:nvSpPr>
+          <p:cNvPr id="2" name="Folienbildplatzhalter 1"/>
+          <p:cNvSpPr>
+            <a:spLocks noGrp="1" noRot="1" noChangeAspect="1"/>
+          </p:cNvSpPr>
+          <p:nvPr>
+            <p:ph type="sldImg"/>
+          </p:nvPr>
+        </p:nvSpPr>
+        <p:spPr/>
+      </p:sp>
+      <p:sp>
+        <p:nvSpPr>
+          <p:cNvPr id="3" name="Notizenplatzhalter 2"/>
+          <p:cNvSpPr>
+            <a:spLocks noGrp="1"/>
+          </p:cNvSpPr>
+          <p:nvPr>
+            <p:ph type="body" idx="1"/>
+          </p:nvPr>
+        </p:nvSpPr>
+        <p:spPr/>
+        <p:txBody>
+          <a:bodyPr/>
+          <a:lstStyle/>
+          <a:p>
+            <a:r>
+              <a:rPr lang="de-AT" dirty="0"/>
+              <a:t>/ 3 Gruppen: nach  (11 Personen)</a:t>
+            </a:r>
+          </a:p>
+          <a:p>
+            <a:r>
+              <a:rPr lang="de-AT" dirty="0"/>
+              <a:t>/ 25,5 Jahre (mittleres Alter)</a:t>
+            </a:r>
+          </a:p>
+          <a:p>
+            <a:pPr marL="0" marR="0" lvl="0" indent="0" algn="l" defTabSz="914400" rtl="0" eaLnBrk="1" fontAlgn="auto" latinLnBrk="0" hangingPunct="1">
+              <a:lnSpc>
+                <a:spcPct val="100000"/>
+              </a:lnSpc>
+              <a:spcBef>
+                <a:spcPts val="0"/>
+              </a:spcBef>
+              <a:spcAft>
+                <a:spcPts val="0"/>
+              </a:spcAft>
+              <a:buClrTx/>
+              <a:buSzTx/>
+              <a:buFontTx/>
+              <a:buNone/>
+              <a:tabLst/>
+              <a:defRPr/>
+            </a:pPr>
+            <a:r>
+              <a:rPr lang="de-AT" dirty="0"/>
+              <a:t>/ 29 Minuten (mittlere Testdauer</a:t>
+            </a:r>
+          </a:p>
+          <a:p>
+            <a:pPr marL="0" marR="0" lvl="0" indent="0" algn="l" defTabSz="914400" rtl="0" eaLnBrk="1" fontAlgn="auto" latinLnBrk="0" hangingPunct="1">
+              <a:lnSpc>
+                <a:spcPct val="100000"/>
+              </a:lnSpc>
+              <a:spcBef>
+                <a:spcPts val="0"/>
+              </a:spcBef>
+              <a:spcAft>
+                <a:spcPts val="0"/>
+              </a:spcAft>
+              <a:buClrTx/>
+              <a:buSzTx/>
+              <a:buFontTx/>
+              <a:buNone/>
+              <a:tabLst/>
+              <a:defRPr/>
+            </a:pPr>
+            <a:endParaRPr lang="de-AT" dirty="0"/>
+          </a:p>
+          <a:p>
+            <a:pPr marL="0" marR="0" lvl="0" indent="0" algn="l" defTabSz="914400" rtl="0" eaLnBrk="1" fontAlgn="auto" latinLnBrk="0" hangingPunct="1">
+              <a:lnSpc>
+                <a:spcPct val="100000"/>
+              </a:lnSpc>
+              <a:spcBef>
+                <a:spcPts val="0"/>
+              </a:spcBef>
+              <a:spcAft>
+                <a:spcPts val="0"/>
+              </a:spcAft>
+              <a:buClrTx/>
+              <a:buSzTx/>
+              <a:buFontTx/>
+              <a:buNone/>
+              <a:tabLst/>
+              <a:defRPr/>
+            </a:pPr>
+            <a:r>
+              <a:rPr lang="de-AT" dirty="0"/>
+              <a:t># Fragebogen – 20 Fragen</a:t>
+            </a:r>
+          </a:p>
+          <a:p>
+            <a:pPr marL="0" marR="0" lvl="0" indent="0" algn="l" defTabSz="914400" rtl="0" eaLnBrk="1" fontAlgn="auto" latinLnBrk="0" hangingPunct="1">
+              <a:lnSpc>
+                <a:spcPct val="100000"/>
+              </a:lnSpc>
+              <a:spcBef>
+                <a:spcPts val="0"/>
+              </a:spcBef>
+              <a:spcAft>
+                <a:spcPts val="0"/>
+              </a:spcAft>
+              <a:buClrTx/>
+              <a:buSzTx/>
+              <a:buFontTx/>
+              <a:buNone/>
+              <a:tabLst/>
+              <a:defRPr/>
+            </a:pPr>
+            <a:r>
+              <a:rPr lang="de-AT" dirty="0"/>
+              <a:t>/ eigene Fragen</a:t>
+            </a:r>
+          </a:p>
+          <a:p>
+            <a:pPr marL="0" marR="0" lvl="0" indent="0" algn="l" defTabSz="914400" rtl="0" eaLnBrk="1" fontAlgn="auto" latinLnBrk="0" hangingPunct="1">
+              <a:lnSpc>
+                <a:spcPct val="100000"/>
+              </a:lnSpc>
+              <a:spcBef>
+                <a:spcPts val="0"/>
+              </a:spcBef>
+              <a:spcAft>
+                <a:spcPts val="0"/>
+              </a:spcAft>
+              <a:buClrTx/>
+              <a:buSzTx/>
+              <a:buFontTx/>
+              <a:buNone/>
+              <a:tabLst/>
+              <a:defRPr/>
+            </a:pPr>
+            <a:r>
+              <a:rPr lang="de-AT" dirty="0"/>
+              <a:t>/ </a:t>
+            </a:r>
+            <a:r>
+              <a:rPr lang="de-AT" dirty="0" err="1"/>
+              <a:t>IsoMetric</a:t>
+            </a:r>
+            <a:r>
+              <a:rPr lang="de-AT" dirty="0"/>
+              <a:t> S (</a:t>
+            </a:r>
+            <a:r>
+              <a:rPr lang="de-AT" dirty="0" err="1"/>
+              <a:t>Willmut</a:t>
+            </a:r>
+            <a:r>
+              <a:rPr lang="de-AT" dirty="0"/>
+              <a:t> 1997)</a:t>
+            </a:r>
+          </a:p>
+          <a:p>
+            <a:pPr marL="0" marR="0" lvl="0" indent="0" algn="l" defTabSz="914400" rtl="0" eaLnBrk="1" fontAlgn="auto" latinLnBrk="0" hangingPunct="1">
+              <a:lnSpc>
+                <a:spcPct val="100000"/>
+              </a:lnSpc>
+              <a:spcBef>
+                <a:spcPts val="0"/>
+              </a:spcBef>
+              <a:spcAft>
+                <a:spcPts val="0"/>
+              </a:spcAft>
+              <a:buClrTx/>
+              <a:buSzTx/>
+              <a:buFontTx/>
+              <a:buNone/>
+              <a:tabLst/>
+              <a:defRPr/>
+            </a:pPr>
+            <a:r>
+              <a:rPr lang="de-AT" dirty="0"/>
+              <a:t>/ ISONORM (</a:t>
+            </a:r>
+            <a:r>
+              <a:rPr lang="de-AT" dirty="0" err="1"/>
+              <a:t>Prümper</a:t>
+            </a:r>
+            <a:r>
+              <a:rPr lang="de-AT" dirty="0"/>
+              <a:t> und </a:t>
+            </a:r>
+            <a:r>
+              <a:rPr lang="de-AT" dirty="0" err="1"/>
+              <a:t>Anft</a:t>
+            </a:r>
+            <a:r>
+              <a:rPr lang="de-AT" dirty="0"/>
+              <a:t> 1993)</a:t>
+            </a:r>
+          </a:p>
+          <a:p>
+            <a:pPr marL="0" marR="0" lvl="0" indent="0" algn="l" defTabSz="914400" rtl="0" eaLnBrk="1" fontAlgn="auto" latinLnBrk="0" hangingPunct="1">
+              <a:lnSpc>
+                <a:spcPct val="100000"/>
+              </a:lnSpc>
+              <a:spcBef>
+                <a:spcPts val="0"/>
+              </a:spcBef>
+              <a:spcAft>
+                <a:spcPts val="0"/>
+              </a:spcAft>
+              <a:buClrTx/>
+              <a:buSzTx/>
+              <a:buFontTx/>
+              <a:buNone/>
+              <a:tabLst/>
+              <a:defRPr/>
+            </a:pPr>
+            <a:r>
+              <a:rPr lang="de-AT" dirty="0"/>
+              <a:t>/ Erfahrung, Effektivität, Effizienz, Zufriedenheit</a:t>
+            </a:r>
+          </a:p>
+          <a:p>
+            <a:pPr marL="0" marR="0" lvl="0" indent="0" algn="l" defTabSz="914400" rtl="0" eaLnBrk="1" fontAlgn="auto" latinLnBrk="0" hangingPunct="1">
+              <a:lnSpc>
+                <a:spcPct val="100000"/>
+              </a:lnSpc>
+              <a:spcBef>
+                <a:spcPts val="0"/>
+              </a:spcBef>
+              <a:spcAft>
+                <a:spcPts val="0"/>
+              </a:spcAft>
+              <a:buClrTx/>
+              <a:buSzTx/>
+              <a:buFontTx/>
+              <a:buNone/>
+              <a:tabLst/>
+              <a:defRPr/>
+            </a:pPr>
+            <a:endParaRPr lang="de-AT" dirty="0"/>
+          </a:p>
+          <a:p>
+            <a:endParaRPr lang="de-AT" dirty="0"/>
+          </a:p>
+        </p:txBody>
+      </p:sp>
+      <p:sp>
+        <p:nvSpPr>
+          <p:cNvPr id="4" name="Foliennummernplatzhalter 3"/>
+          <p:cNvSpPr>
+            <a:spLocks noGrp="1"/>
+          </p:cNvSpPr>
+          <p:nvPr>
+            <p:ph type="sldNum" sz="quarter" idx="10"/>
+          </p:nvPr>
+        </p:nvSpPr>
+        <p:spPr/>
+        <p:txBody>
+          <a:bodyPr/>
+          <a:lstStyle/>
+          <a:p>
+            <a:fld id="{28393167-663F-4E2D-94C0-04507F973EC3}" type="slidenum">
+              <a:rPr lang="de-AT" smtClean="0"/>
+              <a:t>18</a:t>
+            </a:fld>
+            <a:endParaRPr lang="de-AT"/>
+          </a:p>
+        </p:txBody>
+      </p:sp>
+    </p:spTree>
+    <p:extLst>
+      <p:ext uri="{BB962C8B-B14F-4D97-AF65-F5344CB8AC3E}">
+        <p14:creationId xmlns:p14="http://schemas.microsoft.com/office/powerpoint/2010/main" val="1987830926"/>
+      </p:ext>
+    </p:extLst>
+  </p:cSld>
+  <p:clrMapOvr>
+    <a:masterClrMapping/>
+  </p:clrMapOvr>
+</p:notes>
+</file>
+
+<file path=ppt/notesSlides/notesSlide13.xml><?xml version="1.0" encoding="utf-8"?>
+<p:notes xmlns:a="http://schemas.openxmlformats.org/drawingml/2006/main" xmlns:r="http://schemas.openxmlformats.org/officeDocument/2006/relationships" xmlns:p="http://schemas.openxmlformats.org/presentationml/2006/main">
+  <p:cSld>
+    <p:spTree>
+      <p:nvGrpSpPr>
+        <p:cNvPr id="1" name=""/>
+        <p:cNvGrpSpPr/>
+        <p:nvPr/>
+      </p:nvGrpSpPr>
+      <p:grpSpPr>
+        <a:xfrm>
+          <a:off x="0" y="0"/>
+          <a:ext cx="0" cy="0"/>
+          <a:chOff x="0" y="0"/>
+          <a:chExt cx="0" cy="0"/>
+        </a:xfrm>
+      </p:grpSpPr>
+      <p:sp>
+        <p:nvSpPr>
+          <p:cNvPr id="2" name="Folienbildplatzhalter 1"/>
+          <p:cNvSpPr>
+            <a:spLocks noGrp="1" noRot="1" noChangeAspect="1"/>
+          </p:cNvSpPr>
+          <p:nvPr>
+            <p:ph type="sldImg"/>
+          </p:nvPr>
+        </p:nvSpPr>
+        <p:spPr/>
+      </p:sp>
+      <p:sp>
+        <p:nvSpPr>
+          <p:cNvPr id="3" name="Notizenplatzhalter 2"/>
+          <p:cNvSpPr>
+            <a:spLocks noGrp="1"/>
+          </p:cNvSpPr>
+          <p:nvPr>
+            <p:ph type="body" idx="1"/>
+          </p:nvPr>
+        </p:nvSpPr>
+        <p:spPr/>
+        <p:txBody>
+          <a:bodyPr/>
+          <a:lstStyle/>
+          <a:p>
+            <a:r>
+              <a:rPr lang="de-AT" dirty="0"/>
+              <a:t>/ 3 Gruppen: nach Erfahrungsgrad</a:t>
+            </a:r>
+          </a:p>
+          <a:p>
+            <a:r>
+              <a:rPr lang="de-AT" dirty="0"/>
+              <a:t>/ 11 Personen</a:t>
+            </a:r>
+          </a:p>
+          <a:p>
+            <a:r>
+              <a:rPr lang="de-AT" dirty="0"/>
+              <a:t>/ 25,5 Jahre</a:t>
+            </a:r>
+          </a:p>
+          <a:p>
+            <a:pPr marL="0" marR="0" lvl="0" indent="0" algn="l" defTabSz="914400" rtl="0" eaLnBrk="1" fontAlgn="auto" latinLnBrk="0" hangingPunct="1">
+              <a:lnSpc>
+                <a:spcPct val="100000"/>
+              </a:lnSpc>
+              <a:spcBef>
+                <a:spcPts val="0"/>
+              </a:spcBef>
+              <a:spcAft>
+                <a:spcPts val="0"/>
+              </a:spcAft>
+              <a:buClrTx/>
+              <a:buSzTx/>
+              <a:buFontTx/>
+              <a:buNone/>
+              <a:tabLst/>
+              <a:defRPr/>
+            </a:pPr>
+            <a:r>
+              <a:rPr lang="de-AT" dirty="0"/>
+              <a:t>/ 29 Minuten</a:t>
+            </a:r>
+          </a:p>
+          <a:p>
+            <a:pPr marL="0" marR="0" lvl="0" indent="0" algn="l" defTabSz="914400" rtl="0" eaLnBrk="1" fontAlgn="auto" latinLnBrk="0" hangingPunct="1">
+              <a:lnSpc>
+                <a:spcPct val="100000"/>
+              </a:lnSpc>
+              <a:spcBef>
+                <a:spcPts val="0"/>
+              </a:spcBef>
+              <a:spcAft>
+                <a:spcPts val="0"/>
+              </a:spcAft>
+              <a:buClrTx/>
+              <a:buSzTx/>
+              <a:buFontTx/>
+              <a:buNone/>
+              <a:tabLst/>
+              <a:defRPr/>
+            </a:pPr>
+            <a:endParaRPr lang="de-AT" dirty="0"/>
+          </a:p>
+          <a:p>
+            <a:pPr marL="0" marR="0" lvl="0" indent="0" algn="l" defTabSz="914400" rtl="0" eaLnBrk="1" fontAlgn="auto" latinLnBrk="0" hangingPunct="1">
+              <a:lnSpc>
+                <a:spcPct val="100000"/>
+              </a:lnSpc>
+              <a:spcBef>
+                <a:spcPts val="0"/>
+              </a:spcBef>
+              <a:spcAft>
+                <a:spcPts val="0"/>
+              </a:spcAft>
+              <a:buClrTx/>
+              <a:buSzTx/>
+              <a:buFontTx/>
+              <a:buNone/>
+              <a:tabLst/>
+              <a:defRPr/>
+            </a:pPr>
+            <a:r>
+              <a:rPr lang="de-AT" dirty="0"/>
+              <a:t># Fragebogen – 20 Fragen</a:t>
+            </a:r>
+          </a:p>
+          <a:p>
+            <a:pPr marL="0" marR="0" lvl="0" indent="0" algn="l" defTabSz="914400" rtl="0" eaLnBrk="1" fontAlgn="auto" latinLnBrk="0" hangingPunct="1">
+              <a:lnSpc>
+                <a:spcPct val="100000"/>
+              </a:lnSpc>
+              <a:spcBef>
+                <a:spcPts val="0"/>
+              </a:spcBef>
+              <a:spcAft>
+                <a:spcPts val="0"/>
+              </a:spcAft>
+              <a:buClrTx/>
+              <a:buSzTx/>
+              <a:buFontTx/>
+              <a:buNone/>
+              <a:tabLst/>
+              <a:defRPr/>
+            </a:pPr>
+            <a:r>
+              <a:rPr lang="de-AT" dirty="0"/>
+              <a:t>/ eigene Fragen</a:t>
+            </a:r>
+          </a:p>
+          <a:p>
+            <a:pPr marL="0" marR="0" lvl="0" indent="0" algn="l" defTabSz="914400" rtl="0" eaLnBrk="1" fontAlgn="auto" latinLnBrk="0" hangingPunct="1">
+              <a:lnSpc>
+                <a:spcPct val="100000"/>
+              </a:lnSpc>
+              <a:spcBef>
+                <a:spcPts val="0"/>
+              </a:spcBef>
+              <a:spcAft>
+                <a:spcPts val="0"/>
+              </a:spcAft>
+              <a:buClrTx/>
+              <a:buSzTx/>
+              <a:buFontTx/>
+              <a:buNone/>
+              <a:tabLst/>
+              <a:defRPr/>
+            </a:pPr>
+            <a:r>
+              <a:rPr lang="de-AT" dirty="0"/>
+              <a:t>/ </a:t>
+            </a:r>
+            <a:r>
+              <a:rPr lang="de-AT" dirty="0" err="1"/>
+              <a:t>IsoMetric</a:t>
+            </a:r>
+            <a:r>
+              <a:rPr lang="de-AT" dirty="0"/>
+              <a:t> S (</a:t>
+            </a:r>
+            <a:r>
+              <a:rPr lang="de-AT" dirty="0" err="1"/>
+              <a:t>Willmut</a:t>
+            </a:r>
+            <a:r>
+              <a:rPr lang="de-AT" dirty="0"/>
+              <a:t> 1997)</a:t>
+            </a:r>
+          </a:p>
+          <a:p>
+            <a:pPr marL="0" marR="0" lvl="0" indent="0" algn="l" defTabSz="914400" rtl="0" eaLnBrk="1" fontAlgn="auto" latinLnBrk="0" hangingPunct="1">
+              <a:lnSpc>
+                <a:spcPct val="100000"/>
+              </a:lnSpc>
+              <a:spcBef>
+                <a:spcPts val="0"/>
+              </a:spcBef>
+              <a:spcAft>
+                <a:spcPts val="0"/>
+              </a:spcAft>
+              <a:buClrTx/>
+              <a:buSzTx/>
+              <a:buFontTx/>
+              <a:buNone/>
+              <a:tabLst/>
+              <a:defRPr/>
+            </a:pPr>
+            <a:r>
+              <a:rPr lang="de-AT" dirty="0"/>
+              <a:t>/ ISONORM (</a:t>
+            </a:r>
+            <a:r>
+              <a:rPr lang="de-AT" dirty="0" err="1"/>
+              <a:t>Prümper</a:t>
+            </a:r>
+            <a:r>
+              <a:rPr lang="de-AT" dirty="0"/>
+              <a:t> und </a:t>
+            </a:r>
+            <a:r>
+              <a:rPr lang="de-AT" dirty="0" err="1"/>
+              <a:t>Anft</a:t>
+            </a:r>
+            <a:r>
+              <a:rPr lang="de-AT" dirty="0"/>
+              <a:t> 1993)</a:t>
+            </a:r>
+          </a:p>
+          <a:p>
+            <a:pPr marL="0" marR="0" lvl="0" indent="0" algn="l" defTabSz="914400" rtl="0" eaLnBrk="1" fontAlgn="auto" latinLnBrk="0" hangingPunct="1">
+              <a:lnSpc>
+                <a:spcPct val="100000"/>
+              </a:lnSpc>
+              <a:spcBef>
+                <a:spcPts val="0"/>
+              </a:spcBef>
+              <a:spcAft>
+                <a:spcPts val="0"/>
+              </a:spcAft>
+              <a:buClrTx/>
+              <a:buSzTx/>
+              <a:buFontTx/>
+              <a:buNone/>
+              <a:tabLst/>
+              <a:defRPr/>
+            </a:pPr>
+            <a:r>
+              <a:rPr lang="de-AT" dirty="0"/>
+              <a:t>/ Erfahrung, Effektivität, Effizienz, Zufriedenheit</a:t>
+            </a:r>
+          </a:p>
+          <a:p>
+            <a:endParaRPr lang="de-AT" dirty="0"/>
+          </a:p>
+        </p:txBody>
+      </p:sp>
+      <p:sp>
+        <p:nvSpPr>
+          <p:cNvPr id="4" name="Foliennummernplatzhalter 3"/>
+          <p:cNvSpPr>
+            <a:spLocks noGrp="1"/>
+          </p:cNvSpPr>
+          <p:nvPr>
+            <p:ph type="sldNum" sz="quarter" idx="10"/>
+          </p:nvPr>
+        </p:nvSpPr>
+        <p:spPr/>
+        <p:txBody>
+          <a:bodyPr/>
+          <a:lstStyle/>
+          <a:p>
+            <a:fld id="{28393167-663F-4E2D-94C0-04507F973EC3}" type="slidenum">
+              <a:rPr lang="de-AT" smtClean="0"/>
+              <a:t>19</a:t>
+            </a:fld>
+            <a:endParaRPr lang="de-AT"/>
+          </a:p>
+        </p:txBody>
+      </p:sp>
+    </p:spTree>
+    <p:extLst>
+      <p:ext uri="{BB962C8B-B14F-4D97-AF65-F5344CB8AC3E}">
+        <p14:creationId xmlns:p14="http://schemas.microsoft.com/office/powerpoint/2010/main" val="1217845631"/>
       </p:ext>
     </p:extLst>
   </p:cSld>
@@ -670,41 +1744,87 @@
           <a:p>
             <a:r>
               <a:rPr lang="de-AT" dirty="0"/>
-              <a:t>Bedarf: </a:t>
-            </a:r>
-          </a:p>
-          <a:p>
+              <a:t>/ Im </a:t>
+            </a:r>
+            <a:r>
+              <a:rPr lang="de-AT" dirty="0" err="1"/>
+              <a:t>zuge</a:t>
+            </a:r>
             <a:r>
               <a:rPr lang="de-AT" dirty="0"/>
-              <a:t>/ Kundengespräche </a:t>
+              <a:t> der Masterarbeit, habe ich mir die Frage gestellt wie man Menschen bei der Planung von Außendienstrouten im Alltag unterstützen kann. </a:t>
+            </a:r>
+          </a:p>
+          <a:p>
+            <a:r>
+              <a:rPr lang="de-AT" dirty="0"/>
+              <a:t>/ Ich möchte darauf hinweisen das der Schwerpunkt der Arbeit nicht in der Optimierung von Routen in Form des </a:t>
+            </a:r>
+            <a:r>
+              <a:rPr lang="de-AT" dirty="0" err="1"/>
+              <a:t>Travelingssales</a:t>
+            </a:r>
+            <a:r>
+              <a:rPr lang="de-AT" dirty="0"/>
+              <a:t> man Problems nicht im Kontext dieser Arbeit stehen. </a:t>
+            </a:r>
+          </a:p>
+          <a:p>
+            <a:r>
+              <a:rPr lang="de-AT" dirty="0"/>
+              <a:t>/ Sondern vielmehr wie mit Hilfe der Visualisierung der richtigen Daten ein Werkzeug entsteht welches die </a:t>
+            </a:r>
+            <a:r>
+              <a:rPr lang="de-AT" dirty="0" err="1"/>
+              <a:t>Nutzer_innen</a:t>
+            </a:r>
+            <a:r>
+              <a:rPr lang="de-AT" dirty="0"/>
+              <a:t> bei den Problemen der </a:t>
+            </a:r>
+            <a:r>
+              <a:rPr lang="de-AT" dirty="0" err="1"/>
+              <a:t>Aussendienstplannung</a:t>
+            </a:r>
+            <a:r>
+              <a:rPr lang="de-AT" dirty="0"/>
+              <a:t> unterstützt.</a:t>
+            </a:r>
+          </a:p>
+          <a:p>
+            <a:pPr marL="0" marR="0" lvl="0" indent="0" algn="l" defTabSz="914400" rtl="0" eaLnBrk="1" fontAlgn="auto" latinLnBrk="0" hangingPunct="1">
+              <a:lnSpc>
+                <a:spcPct val="100000"/>
+              </a:lnSpc>
+              <a:spcBef>
+                <a:spcPts val="0"/>
+              </a:spcBef>
+              <a:spcAft>
+                <a:spcPts val="0"/>
+              </a:spcAft>
+              <a:buClrTx/>
+              <a:buSzTx/>
+              <a:buFontTx/>
+              <a:buNone/>
+              <a:tabLst/>
+              <a:defRPr/>
+            </a:pPr>
+            <a:r>
+              <a:rPr lang="de-AT" dirty="0" err="1"/>
+              <a:t>Aussendienstplannung</a:t>
+            </a:r>
+            <a:r>
+              <a:rPr lang="de-AT" dirty="0"/>
+              <a:t> </a:t>
             </a:r>
             <a:r>
               <a:rPr lang="de-AT" dirty="0">
                 <a:sym typeface="Wingdings" panose="05000000000000000000" pitchFamily="2" charset="2"/>
               </a:rPr>
-              <a:t> Mittagessen mit Kunden</a:t>
-            </a:r>
-          </a:p>
-          <a:p>
-            <a:r>
-              <a:rPr lang="de-AT" dirty="0">
-                <a:sym typeface="Wingdings" panose="05000000000000000000" pitchFamily="2" charset="2"/>
-              </a:rPr>
-              <a:t>/ Interesse  von klein auf Interesse an Karten</a:t>
-            </a:r>
-            <a:endParaRPr lang="de-AT" dirty="0"/>
-          </a:p>
-          <a:p>
-            <a:r>
-              <a:rPr lang="de-AT" dirty="0"/>
-              <a:t>/ Herausforderung </a:t>
-            </a:r>
-            <a:r>
-              <a:rPr lang="de-AT" dirty="0">
-                <a:sym typeface="Wingdings" panose="05000000000000000000" pitchFamily="2" charset="2"/>
-              </a:rPr>
-              <a:t> Es muss doch besser gehen</a:t>
-            </a:r>
+              <a:t> Entscheidungsfindungsprozess</a:t>
+            </a:r>
+          </a:p>
+          <a:p>
             <a:endParaRPr lang="de-AT" dirty="0"/>
           </a:p>
         </p:txBody>
@@ -726,7 +1846,7 @@
           <a:p>
             <a:fld id="{28393167-663F-4E2D-94C0-04507F973EC3}" type="slidenum">
               <a:rPr lang="de-AT" smtClean="0"/>
-              <a:t>4</a:t>
+              <a:t>2</a:t>
             </a:fld>
             <a:endParaRPr lang="de-AT"/>
           </a:p>
@@ -735,7 +1855,7 @@
     </p:spTree>
     <p:extLst>
       <p:ext uri="{BB962C8B-B14F-4D97-AF65-F5344CB8AC3E}">
-        <p14:creationId xmlns:p14="http://schemas.microsoft.com/office/powerpoint/2010/main" val="937029905"/>
+        <p14:creationId xmlns:p14="http://schemas.microsoft.com/office/powerpoint/2010/main" val="264352477"/>
       </p:ext>
     </p:extLst>
   </p:cSld>
@@ -790,15 +1910,36 @@
           <a:lstStyle/>
           <a:p>
             <a:r>
+              <a:rPr lang="de-AT" dirty="0" err="1"/>
+              <a:t>Aussendienstplannung</a:t>
+            </a:r>
+            <a:r>
               <a:rPr lang="de-AT" dirty="0"/>
-              <a:t>/ Status Quo klären</a:t>
-            </a:r>
-          </a:p>
-          <a:p>
-            <a:r>
-              <a:rPr lang="de-AT" dirty="0"/>
-              <a:t>/ Problem identifizieren</a:t>
-            </a:r>
+              <a:t> </a:t>
+            </a:r>
+            <a:r>
+              <a:rPr lang="de-AT" dirty="0">
+                <a:sym typeface="Wingdings" panose="05000000000000000000" pitchFamily="2" charset="2"/>
+              </a:rPr>
+              <a:t> Entscheidungsfindungsprozess</a:t>
+            </a:r>
+          </a:p>
+          <a:p>
+            <a:r>
+              <a:rPr lang="de-AT" dirty="0">
+                <a:sym typeface="Wingdings" panose="05000000000000000000" pitchFamily="2" charset="2"/>
+              </a:rPr>
+              <a:t>Entscheidungsfindungsprozess  Nur so gut wie verfügbare Daten und derer Darstellung sowie Wissen</a:t>
+            </a:r>
+          </a:p>
+          <a:p>
+            <a:r>
+              <a:rPr lang="de-AT" dirty="0">
+                <a:sym typeface="Wingdings" panose="05000000000000000000" pitchFamily="2" charset="2"/>
+              </a:rPr>
+              <a:t>Verfügbar != Vorhanden </a:t>
+            </a:r>
+            <a:endParaRPr lang="de-AT" dirty="0"/>
           </a:p>
         </p:txBody>
       </p:sp>
@@ -819,7 +1960,7 @@
           <a:p>
             <a:fld id="{28393167-663F-4E2D-94C0-04507F973EC3}" type="slidenum">
               <a:rPr lang="de-AT" smtClean="0"/>
-              <a:t>6</a:t>
+              <a:t>3</a:t>
             </a:fld>
             <a:endParaRPr lang="de-AT"/>
           </a:p>
@@ -828,7 +1969,7 @@
     </p:spTree>
     <p:extLst>
       <p:ext uri="{BB962C8B-B14F-4D97-AF65-F5344CB8AC3E}">
-        <p14:creationId xmlns:p14="http://schemas.microsoft.com/office/powerpoint/2010/main" val="446178268"/>
+        <p14:creationId xmlns:p14="http://schemas.microsoft.com/office/powerpoint/2010/main" val="2623266355"/>
       </p:ext>
     </p:extLst>
   </p:cSld>
@@ -882,6 +2023,42 @@
           <a:bodyPr/>
           <a:lstStyle/>
           <a:p>
+            <a:r>
+              <a:rPr lang="de-AT" dirty="0"/>
+              <a:t>Bedarf: </a:t>
+            </a:r>
+          </a:p>
+          <a:p>
+            <a:r>
+              <a:rPr lang="de-AT" dirty="0"/>
+              <a:t>/ Kundengespräche </a:t>
+            </a:r>
+            <a:r>
+              <a:rPr lang="de-AT" dirty="0">
+                <a:sym typeface="Wingdings" panose="05000000000000000000" pitchFamily="2" charset="2"/>
+              </a:rPr>
+              <a:t> Mittagessen mit Kunden</a:t>
+            </a:r>
+          </a:p>
+          <a:p>
+            <a:r>
+              <a:rPr lang="de-AT" dirty="0">
+                <a:sym typeface="Wingdings" panose="05000000000000000000" pitchFamily="2" charset="2"/>
+              </a:rPr>
+              <a:t>/ Interesse  persönliches Interesse </a:t>
+            </a:r>
+          </a:p>
+          <a:p>
+            <a:r>
+              <a:rPr lang="de-AT" dirty="0"/>
+              <a:t>/ Herausforderung </a:t>
+            </a:r>
+            <a:r>
+              <a:rPr lang="de-AT" dirty="0">
+                <a:sym typeface="Wingdings" panose="05000000000000000000" pitchFamily="2" charset="2"/>
+              </a:rPr>
+              <a:t> Es muss doch besser gehen</a:t>
+            </a:r>
             <a:endParaRPr lang="de-AT" dirty="0"/>
           </a:p>
         </p:txBody>
@@ -903,7 +2080,7 @@
           <a:p>
             <a:fld id="{28393167-663F-4E2D-94C0-04507F973EC3}" type="slidenum">
               <a:rPr lang="de-AT" smtClean="0"/>
-              <a:t>8</a:t>
+              <a:t>5</a:t>
             </a:fld>
             <a:endParaRPr lang="de-AT"/>
           </a:p>
@@ -912,7 +2089,7 @@
     </p:spTree>
     <p:extLst>
       <p:ext uri="{BB962C8B-B14F-4D97-AF65-F5344CB8AC3E}">
-        <p14:creationId xmlns:p14="http://schemas.microsoft.com/office/powerpoint/2010/main" val="1596149267"/>
+        <p14:creationId xmlns:p14="http://schemas.microsoft.com/office/powerpoint/2010/main" val="937029905"/>
       </p:ext>
     </p:extLst>
   </p:cSld>
@@ -967,150 +2144,15 @@
           <a:lstStyle/>
           <a:p>
             <a:r>
-              <a:rPr lang="de-AT" sz="1200" kern="1200" dirty="0" err="1">
-                <a:solidFill>
-                  <a:schemeClr val="tx1"/>
-                </a:solidFill>
-                <a:effectLst/>
-                <a:latin typeface="+mn-lt"/>
-                <a:ea typeface="+mn-ea"/>
-                <a:cs typeface="+mn-cs"/>
-              </a:rPr>
-              <a:t>Overview</a:t>
-            </a:r>
-            <a:r>
-              <a:rPr lang="de-AT" sz="1200" kern="1200" dirty="0">
-                <a:solidFill>
-                  <a:schemeClr val="tx1"/>
-                </a:solidFill>
-                <a:effectLst/>
-                <a:latin typeface="+mn-lt"/>
-                <a:ea typeface="+mn-ea"/>
-                <a:cs typeface="+mn-cs"/>
-              </a:rPr>
-              <a:t>, zoom </a:t>
-            </a:r>
-            <a:r>
-              <a:rPr lang="de-AT" sz="1200" kern="1200" dirty="0" err="1">
-                <a:solidFill>
-                  <a:schemeClr val="tx1"/>
-                </a:solidFill>
-                <a:effectLst/>
-                <a:latin typeface="+mn-lt"/>
-                <a:ea typeface="+mn-ea"/>
-                <a:cs typeface="+mn-cs"/>
-              </a:rPr>
-              <a:t>and</a:t>
-            </a:r>
-            <a:r>
-              <a:rPr lang="de-AT" sz="1200" kern="1200" dirty="0">
-                <a:solidFill>
-                  <a:schemeClr val="tx1"/>
-                </a:solidFill>
-                <a:effectLst/>
-                <a:latin typeface="+mn-lt"/>
-                <a:ea typeface="+mn-ea"/>
-                <a:cs typeface="+mn-cs"/>
-              </a:rPr>
-              <a:t> </a:t>
-            </a:r>
-            <a:r>
-              <a:rPr lang="de-AT" sz="1200" kern="1200" dirty="0" err="1">
-                <a:solidFill>
-                  <a:schemeClr val="tx1"/>
-                </a:solidFill>
-                <a:effectLst/>
-                <a:latin typeface="+mn-lt"/>
-                <a:ea typeface="+mn-ea"/>
-                <a:cs typeface="+mn-cs"/>
-              </a:rPr>
-              <a:t>filter</a:t>
-            </a:r>
-            <a:r>
-              <a:rPr lang="de-AT" sz="1200" kern="1200" dirty="0">
-                <a:solidFill>
-                  <a:schemeClr val="tx1"/>
-                </a:solidFill>
-                <a:effectLst/>
-                <a:latin typeface="+mn-lt"/>
-                <a:ea typeface="+mn-ea"/>
-                <a:cs typeface="+mn-cs"/>
-              </a:rPr>
-              <a:t>, </a:t>
-            </a:r>
-            <a:r>
-              <a:rPr lang="de-AT" sz="1200" kern="1200" dirty="0" err="1">
-                <a:solidFill>
-                  <a:schemeClr val="tx1"/>
-                </a:solidFill>
-                <a:effectLst/>
-                <a:latin typeface="+mn-lt"/>
-                <a:ea typeface="+mn-ea"/>
-                <a:cs typeface="+mn-cs"/>
-              </a:rPr>
-              <a:t>details</a:t>
-            </a:r>
-            <a:r>
-              <a:rPr lang="de-AT" sz="1200" kern="1200" dirty="0">
-                <a:solidFill>
-                  <a:schemeClr val="tx1"/>
-                </a:solidFill>
-                <a:effectLst/>
-                <a:latin typeface="+mn-lt"/>
-                <a:ea typeface="+mn-ea"/>
-                <a:cs typeface="+mn-cs"/>
-              </a:rPr>
-              <a:t> on </a:t>
-            </a:r>
-            <a:r>
-              <a:rPr lang="de-AT" sz="1200" kern="1200" dirty="0" err="1">
-                <a:solidFill>
-                  <a:schemeClr val="tx1"/>
-                </a:solidFill>
-                <a:effectLst/>
-                <a:latin typeface="+mn-lt"/>
-                <a:ea typeface="+mn-ea"/>
-                <a:cs typeface="+mn-cs"/>
-              </a:rPr>
-              <a:t>demand</a:t>
-            </a:r>
-            <a:r>
-              <a:rPr lang="de-AT" sz="1200" kern="1200" dirty="0">
-                <a:solidFill>
-                  <a:schemeClr val="tx1"/>
-                </a:solidFill>
-                <a:effectLst/>
-                <a:latin typeface="+mn-lt"/>
-                <a:ea typeface="+mn-ea"/>
-                <a:cs typeface="+mn-cs"/>
-              </a:rPr>
-              <a:t> (</a:t>
-            </a:r>
-            <a:r>
-              <a:rPr lang="de-AT" sz="1200" kern="1200" dirty="0" err="1">
-                <a:solidFill>
-                  <a:schemeClr val="tx1"/>
-                </a:solidFill>
-                <a:effectLst/>
-                <a:latin typeface="+mn-lt"/>
-                <a:ea typeface="+mn-ea"/>
-                <a:cs typeface="+mn-cs"/>
-              </a:rPr>
-              <a:t>Shneiderman</a:t>
-            </a:r>
-            <a:r>
-              <a:rPr lang="de-AT" sz="1200" kern="1200" dirty="0">
-                <a:solidFill>
-                  <a:schemeClr val="tx1"/>
-                </a:solidFill>
-                <a:effectLst/>
-                <a:latin typeface="+mn-lt"/>
-                <a:ea typeface="+mn-ea"/>
-                <a:cs typeface="+mn-cs"/>
-              </a:rPr>
-              <a:t>)</a:t>
-            </a:r>
-            <a:endParaRPr lang="de-AT" dirty="0"/>
+              <a:rPr lang="de-AT" dirty="0"/>
+              <a:t>/ Status Quo klären</a:t>
+            </a:r>
+          </a:p>
+          <a:p>
+            <a:r>
+              <a:rPr lang="de-AT" dirty="0"/>
+              <a:t>/ Problem identifizieren</a:t>
+            </a:r>
           </a:p>
         </p:txBody>
       </p:sp>
@@ -1131,7 +2173,7 @@
           <a:p>
             <a:fld id="{28393167-663F-4E2D-94C0-04507F973EC3}" type="slidenum">
               <a:rPr lang="de-AT" smtClean="0"/>
-              <a:t>10</a:t>
+              <a:t>6</a:t>
             </a:fld>
             <a:endParaRPr lang="de-AT"/>
           </a:p>
@@ -1140,7 +2182,7 @@
     </p:spTree>
     <p:extLst>
       <p:ext uri="{BB962C8B-B14F-4D97-AF65-F5344CB8AC3E}">
-        <p14:creationId xmlns:p14="http://schemas.microsoft.com/office/powerpoint/2010/main" val="3682762688"/>
+        <p14:creationId xmlns:p14="http://schemas.microsoft.com/office/powerpoint/2010/main" val="446178268"/>
       </p:ext>
     </p:extLst>
   </p:cSld>
@@ -1196,25 +2238,25 @@
           <a:p>
             <a:r>
               <a:rPr lang="de-AT" dirty="0"/>
-              <a:t>/ G1: keine Erfahrung, G3: Fortgeschritten</a:t>
+              <a:t>/ Systembruch: parallele Nutzung von Drittsoftware oder anderen Medien (fehlende Funktionalität)</a:t>
             </a:r>
           </a:p>
           <a:p>
             <a:r>
               <a:rPr lang="de-AT" dirty="0"/>
-              <a:t>/ 3 männlich</a:t>
+              <a:t>/ Fehlende Datenstrukturen (fehlende Datenstrukturen)</a:t>
             </a:r>
           </a:p>
           <a:p>
             <a:r>
               <a:rPr lang="de-AT" dirty="0"/>
-              <a:t>/ 6 weiblich</a:t>
+              <a:t>/ Erstellen von Routen (Übersichten, Dokumentation, nachträgliche Datenpflege) </a:t>
             </a:r>
           </a:p>
           <a:p>
             <a:r>
               <a:rPr lang="de-AT" dirty="0"/>
-              <a:t>/ 2 keine Nennung</a:t>
+              <a:t>/ </a:t>
             </a:r>
           </a:p>
         </p:txBody>
@@ -1236,7 +2278,7 @@
           <a:p>
             <a:fld id="{28393167-663F-4E2D-94C0-04507F973EC3}" type="slidenum">
               <a:rPr lang="de-AT" smtClean="0"/>
-              <a:t>15</a:t>
+              <a:t>7</a:t>
             </a:fld>
             <a:endParaRPr lang="de-AT"/>
           </a:p>
@@ -1245,7 +2287,7 @@
     </p:spTree>
     <p:extLst>
       <p:ext uri="{BB962C8B-B14F-4D97-AF65-F5344CB8AC3E}">
-        <p14:creationId xmlns:p14="http://schemas.microsoft.com/office/powerpoint/2010/main" val="3510593283"/>
+        <p14:creationId xmlns:p14="http://schemas.microsoft.com/office/powerpoint/2010/main" val="803371187"/>
       </p:ext>
     </p:extLst>
   </p:cSld>
@@ -1301,226 +2343,34 @@
           <a:p>
             <a:r>
               <a:rPr lang="de-AT" dirty="0"/>
-              <a:t>/ 3 Gruppen: nach  (11 Personen)</a:t>
+              <a:t>/ Visualisierung der Standorte in Listen und Kartenform</a:t>
             </a:r>
           </a:p>
           <a:p>
             <a:r>
               <a:rPr lang="de-AT" dirty="0"/>
-              <a:t>/ 25,5 Jahre (mittleres Alter)</a:t>
-            </a:r>
-          </a:p>
-          <a:p>
-            <a:pPr marL="0" marR="0" lvl="0" indent="0" algn="l" defTabSz="914400" rtl="0" eaLnBrk="1" fontAlgn="auto" latinLnBrk="0" hangingPunct="1">
-              <a:lnSpc>
-                <a:spcPct val="100000"/>
-              </a:lnSpc>
-              <a:spcBef>
-                <a:spcPts val="0"/>
-              </a:spcBef>
-              <a:spcAft>
-                <a:spcPts val="0"/>
-              </a:spcAft>
-              <a:buClrTx/>
-              <a:buSzTx/>
-              <a:buFontTx/>
-              <a:buNone/>
-              <a:tabLst/>
-              <a:defRPr/>
-            </a:pPr>
+              <a:t>/ Verwaltung von Routen – User bezogen.</a:t>
+            </a:r>
+          </a:p>
+          <a:p>
             <a:r>
               <a:rPr lang="de-AT" dirty="0"/>
-              <a:t>/ 29 Minuten (mittlere Testdauer</a:t>
-            </a:r>
-          </a:p>
-          <a:p>
-            <a:pPr marL="0" marR="0" lvl="0" indent="0" algn="l" defTabSz="914400" rtl="0" eaLnBrk="1" fontAlgn="auto" latinLnBrk="0" hangingPunct="1">
-              <a:lnSpc>
-                <a:spcPct val="100000"/>
-              </a:lnSpc>
-              <a:spcBef>
-                <a:spcPts val="0"/>
-              </a:spcBef>
-              <a:spcAft>
-                <a:spcPts val="0"/>
-              </a:spcAft>
-              <a:buClrTx/>
-              <a:buSzTx/>
-              <a:buFontTx/>
-              <a:buNone/>
-              <a:tabLst/>
-              <a:defRPr/>
-            </a:pPr>
-            <a:endParaRPr lang="de-AT" dirty="0"/>
-          </a:p>
-          <a:p>
-            <a:pPr marL="0" marR="0" lvl="0" indent="0" algn="l" defTabSz="914400" rtl="0" eaLnBrk="1" fontAlgn="auto" latinLnBrk="0" hangingPunct="1">
-              <a:lnSpc>
-                <a:spcPct val="100000"/>
-              </a:lnSpc>
-              <a:spcBef>
-                <a:spcPts val="0"/>
-              </a:spcBef>
-              <a:spcAft>
-                <a:spcPts val="0"/>
-              </a:spcAft>
-              <a:buClrTx/>
-              <a:buSzTx/>
-              <a:buFontTx/>
-              <a:buNone/>
-              <a:tabLst/>
-              <a:defRPr/>
-            </a:pPr>
-            <a:r>
-              <a:rPr lang="de-AT" dirty="0"/>
-              <a:t># Fragebogen – 20 Fragen</a:t>
-            </a:r>
-          </a:p>
-          <a:p>
-            <a:pPr marL="0" marR="0" lvl="0" indent="0" algn="l" defTabSz="914400" rtl="0" eaLnBrk="1" fontAlgn="auto" latinLnBrk="0" hangingPunct="1">
-              <a:lnSpc>
-                <a:spcPct val="100000"/>
-              </a:lnSpc>
-              <a:spcBef>
-                <a:spcPts val="0"/>
-              </a:spcBef>
-              <a:spcAft>
-                <a:spcPts val="0"/>
-              </a:spcAft>
-              <a:buClrTx/>
-              <a:buSzTx/>
-              <a:buFontTx/>
-              <a:buNone/>
-              <a:tabLst/>
-              <a:defRPr/>
-            </a:pPr>
-            <a:r>
-              <a:rPr lang="de-AT" dirty="0"/>
-              <a:t>/ eigene Fragen</a:t>
-            </a:r>
-          </a:p>
-          <a:p>
-            <a:pPr marL="0" marR="0" lvl="0" indent="0" algn="l" defTabSz="914400" rtl="0" eaLnBrk="1" fontAlgn="auto" latinLnBrk="0" hangingPunct="1">
-              <a:lnSpc>
-                <a:spcPct val="100000"/>
-              </a:lnSpc>
-              <a:spcBef>
-                <a:spcPts val="0"/>
-              </a:spcBef>
-              <a:spcAft>
-                <a:spcPts val="0"/>
-              </a:spcAft>
-              <a:buClrTx/>
-              <a:buSzTx/>
-              <a:buFontTx/>
-              <a:buNone/>
-              <a:tabLst/>
-              <a:defRPr/>
-            </a:pPr>
-            <a:r>
-              <a:rPr lang="de-AT" dirty="0"/>
-              <a:t>/ </a:t>
-            </a:r>
-            <a:r>
-              <a:rPr lang="de-AT" dirty="0" err="1"/>
-              <a:t>IsoMetric</a:t>
-            </a:r>
-            <a:r>
-              <a:rPr lang="de-AT" dirty="0"/>
-              <a:t> S (</a:t>
-            </a:r>
-            <a:r>
-              <a:rPr lang="de-AT" dirty="0" err="1"/>
-              <a:t>Willmut</a:t>
-            </a:r>
-            <a:r>
-              <a:rPr lang="de-AT" dirty="0"/>
-              <a:t> 1997)</a:t>
-            </a:r>
-          </a:p>
-          <a:p>
-            <a:pPr marL="0" marR="0" lvl="0" indent="0" algn="l" defTabSz="914400" rtl="0" eaLnBrk="1" fontAlgn="auto" latinLnBrk="0" hangingPunct="1">
-              <a:lnSpc>
-                <a:spcPct val="100000"/>
-              </a:lnSpc>
-              <a:spcBef>
-                <a:spcPts val="0"/>
-              </a:spcBef>
-              <a:spcAft>
-                <a:spcPts val="0"/>
-              </a:spcAft>
-              <a:buClrTx/>
-              <a:buSzTx/>
-              <a:buFontTx/>
-              <a:buNone/>
-              <a:tabLst/>
-              <a:defRPr/>
-            </a:pPr>
-            <a:r>
-              <a:rPr lang="de-AT" dirty="0"/>
-              <a:t>/ ISONORM (</a:t>
-            </a:r>
-            <a:r>
-              <a:rPr lang="de-AT" dirty="0" err="1"/>
-              <a:t>Prümper</a:t>
-            </a:r>
-            <a:r>
-              <a:rPr lang="de-AT" dirty="0"/>
-              <a:t> und </a:t>
-            </a:r>
-            <a:r>
-              <a:rPr lang="de-AT" dirty="0" err="1"/>
-              <a:t>Anft</a:t>
-            </a:r>
-            <a:r>
-              <a:rPr lang="de-AT" dirty="0"/>
-              <a:t> 1993)</a:t>
-            </a:r>
-          </a:p>
-          <a:p>
-            <a:pPr marL="0" marR="0" lvl="0" indent="0" algn="l" defTabSz="914400" rtl="0" eaLnBrk="1" fontAlgn="auto" latinLnBrk="0" hangingPunct="1">
-              <a:lnSpc>
-                <a:spcPct val="100000"/>
-              </a:lnSpc>
-              <a:spcBef>
-                <a:spcPts val="0"/>
-              </a:spcBef>
-              <a:spcAft>
-                <a:spcPts val="0"/>
-              </a:spcAft>
-              <a:buClrTx/>
-              <a:buSzTx/>
-              <a:buFontTx/>
-              <a:buNone/>
-              <a:tabLst/>
-              <a:defRPr/>
-            </a:pPr>
-            <a:r>
-              <a:rPr lang="de-AT" dirty="0"/>
-              <a:t>/ Erfahrung, Effektivität, Effizienz, Zufriedenheit</a:t>
-            </a:r>
-          </a:p>
-          <a:p>
-            <a:pPr marL="0" marR="0" lvl="0" indent="0" algn="l" defTabSz="914400" rtl="0" eaLnBrk="1" fontAlgn="auto" latinLnBrk="0" hangingPunct="1">
-              <a:lnSpc>
-                <a:spcPct val="100000"/>
-              </a:lnSpc>
-              <a:spcBef>
-                <a:spcPts val="0"/>
-              </a:spcBef>
-              <a:spcAft>
-                <a:spcPts val="0"/>
-              </a:spcAft>
-              <a:buClrTx/>
-              <a:buSzTx/>
-              <a:buFontTx/>
-              <a:buNone/>
-              <a:tabLst/>
-              <a:defRPr/>
-            </a:pPr>
-            <a:endParaRPr lang="de-AT" dirty="0"/>
-          </a:p>
-          <a:p>
+              <a:t>/ Kontextsensitive Informationen </a:t>
+            </a:r>
+            <a:r>
+              <a:rPr lang="de-AT" dirty="0">
+                <a:sym typeface="Wingdings" panose="05000000000000000000" pitchFamily="2" charset="2"/>
+              </a:rPr>
+              <a:t> folgt</a:t>
+            </a:r>
+          </a:p>
+          <a:p>
+            <a:r>
+              <a:rPr lang="de-AT" dirty="0">
+                <a:sym typeface="Wingdings" panose="05000000000000000000" pitchFamily="2" charset="2"/>
+              </a:rPr>
+              <a:t>/ Zentralisierung der Funktionalität und Daten</a:t>
+            </a:r>
             <a:endParaRPr lang="de-AT" dirty="0"/>
           </a:p>
         </p:txBody>
@@ -1542,7 +2392,7 @@
           <a:p>
             <a:fld id="{28393167-663F-4E2D-94C0-04507F973EC3}" type="slidenum">
               <a:rPr lang="de-AT" smtClean="0"/>
-              <a:t>16</a:t>
+              <a:t>8</a:t>
             </a:fld>
             <a:endParaRPr lang="de-AT"/>
           </a:p>
@@ -1551,7 +2401,7 @@
     </p:spTree>
     <p:extLst>
       <p:ext uri="{BB962C8B-B14F-4D97-AF65-F5344CB8AC3E}">
-        <p14:creationId xmlns:p14="http://schemas.microsoft.com/office/powerpoint/2010/main" val="1987830926"/>
+        <p14:creationId xmlns:p14="http://schemas.microsoft.com/office/powerpoint/2010/main" val="1596149267"/>
       </p:ext>
     </p:extLst>
   </p:cSld>
@@ -1607,212 +2457,34 @@
           <a:p>
             <a:r>
               <a:rPr lang="de-AT" dirty="0"/>
-              <a:t>/ 3 Gruppen: nach Erfahrungsgrad</a:t>
+              <a:t>/ Visualisierung der Standorte in Listen und Kartenform</a:t>
             </a:r>
           </a:p>
           <a:p>
             <a:r>
               <a:rPr lang="de-AT" dirty="0"/>
-              <a:t>/ 11 Personen</a:t>
+              <a:t>/ Verwaltung von Routen – User bezogen.</a:t>
             </a:r>
           </a:p>
           <a:p>
             <a:r>
               <a:rPr lang="de-AT" dirty="0"/>
-              <a:t>/ 25,5 Jahre</a:t>
-            </a:r>
-          </a:p>
-          <a:p>
-            <a:pPr marL="0" marR="0" lvl="0" indent="0" algn="l" defTabSz="914400" rtl="0" eaLnBrk="1" fontAlgn="auto" latinLnBrk="0" hangingPunct="1">
-              <a:lnSpc>
-                <a:spcPct val="100000"/>
-              </a:lnSpc>
-              <a:spcBef>
-                <a:spcPts val="0"/>
-              </a:spcBef>
-              <a:spcAft>
-                <a:spcPts val="0"/>
-              </a:spcAft>
-              <a:buClrTx/>
-              <a:buSzTx/>
-              <a:buFontTx/>
-              <a:buNone/>
-              <a:tabLst/>
-              <a:defRPr/>
-            </a:pPr>
-            <a:r>
-              <a:rPr lang="de-AT" dirty="0"/>
-              <a:t>/ 29 Minuten</a:t>
-            </a:r>
-          </a:p>
-          <a:p>
-            <a:pPr marL="0" marR="0" lvl="0" indent="0" algn="l" defTabSz="914400" rtl="0" eaLnBrk="1" fontAlgn="auto" latinLnBrk="0" hangingPunct="1">
-              <a:lnSpc>
-                <a:spcPct val="100000"/>
-              </a:lnSpc>
-              <a:spcBef>
-                <a:spcPts val="0"/>
-              </a:spcBef>
-              <a:spcAft>
-                <a:spcPts val="0"/>
-              </a:spcAft>
-              <a:buClrTx/>
-              <a:buSzTx/>
-              <a:buFontTx/>
-              <a:buNone/>
-              <a:tabLst/>
-              <a:defRPr/>
-            </a:pPr>
-            <a:endParaRPr lang="de-AT" dirty="0"/>
-          </a:p>
-          <a:p>
-            <a:pPr marL="0" marR="0" lvl="0" indent="0" algn="l" defTabSz="914400" rtl="0" eaLnBrk="1" fontAlgn="auto" latinLnBrk="0" hangingPunct="1">
-              <a:lnSpc>
-                <a:spcPct val="100000"/>
-              </a:lnSpc>
-              <a:spcBef>
-                <a:spcPts val="0"/>
-              </a:spcBef>
-              <a:spcAft>
-                <a:spcPts val="0"/>
-              </a:spcAft>
-              <a:buClrTx/>
-              <a:buSzTx/>
-              <a:buFontTx/>
-              <a:buNone/>
-              <a:tabLst/>
-              <a:defRPr/>
-            </a:pPr>
-            <a:r>
-              <a:rPr lang="de-AT" dirty="0"/>
-              <a:t># Fragebogen – 20 Fragen</a:t>
-            </a:r>
-          </a:p>
-          <a:p>
-            <a:pPr marL="0" marR="0" lvl="0" indent="0" algn="l" defTabSz="914400" rtl="0" eaLnBrk="1" fontAlgn="auto" latinLnBrk="0" hangingPunct="1">
-              <a:lnSpc>
-                <a:spcPct val="100000"/>
-              </a:lnSpc>
-              <a:spcBef>
-                <a:spcPts val="0"/>
-              </a:spcBef>
-              <a:spcAft>
-                <a:spcPts val="0"/>
-              </a:spcAft>
-              <a:buClrTx/>
-              <a:buSzTx/>
-              <a:buFontTx/>
-              <a:buNone/>
-              <a:tabLst/>
-              <a:defRPr/>
-            </a:pPr>
-            <a:r>
-              <a:rPr lang="de-AT" dirty="0"/>
-              <a:t>/ eigene Fragen</a:t>
-            </a:r>
-          </a:p>
-          <a:p>
-            <a:pPr marL="0" marR="0" lvl="0" indent="0" algn="l" defTabSz="914400" rtl="0" eaLnBrk="1" fontAlgn="auto" latinLnBrk="0" hangingPunct="1">
-              <a:lnSpc>
-                <a:spcPct val="100000"/>
-              </a:lnSpc>
-              <a:spcBef>
-                <a:spcPts val="0"/>
-              </a:spcBef>
-              <a:spcAft>
-                <a:spcPts val="0"/>
-              </a:spcAft>
-              <a:buClrTx/>
-              <a:buSzTx/>
-              <a:buFontTx/>
-              <a:buNone/>
-              <a:tabLst/>
-              <a:defRPr/>
-            </a:pPr>
-            <a:r>
-              <a:rPr lang="de-AT" dirty="0"/>
-              <a:t>/ </a:t>
-            </a:r>
-            <a:r>
-              <a:rPr lang="de-AT" dirty="0" err="1"/>
-              <a:t>IsoMetric</a:t>
-            </a:r>
-            <a:r>
-              <a:rPr lang="de-AT" dirty="0"/>
-              <a:t> S (</a:t>
-            </a:r>
-            <a:r>
-              <a:rPr lang="de-AT" dirty="0" err="1"/>
-              <a:t>Willmut</a:t>
-            </a:r>
-            <a:r>
-              <a:rPr lang="de-AT" dirty="0"/>
-              <a:t> 1997)</a:t>
-            </a:r>
-          </a:p>
-          <a:p>
-            <a:pPr marL="0" marR="0" lvl="0" indent="0" algn="l" defTabSz="914400" rtl="0" eaLnBrk="1" fontAlgn="auto" latinLnBrk="0" hangingPunct="1">
-              <a:lnSpc>
-                <a:spcPct val="100000"/>
-              </a:lnSpc>
-              <a:spcBef>
-                <a:spcPts val="0"/>
-              </a:spcBef>
-              <a:spcAft>
-                <a:spcPts val="0"/>
-              </a:spcAft>
-              <a:buClrTx/>
-              <a:buSzTx/>
-              <a:buFontTx/>
-              <a:buNone/>
-              <a:tabLst/>
-              <a:defRPr/>
-            </a:pPr>
-            <a:r>
-              <a:rPr lang="de-AT" dirty="0"/>
-              <a:t>/ ISONORM (</a:t>
-            </a:r>
-            <a:r>
-              <a:rPr lang="de-AT" dirty="0" err="1"/>
-              <a:t>Prümper</a:t>
-            </a:r>
-            <a:r>
-              <a:rPr lang="de-AT" dirty="0"/>
-              <a:t> und </a:t>
-            </a:r>
-            <a:r>
-              <a:rPr lang="de-AT" dirty="0" err="1"/>
-              <a:t>Anft</a:t>
-            </a:r>
-            <a:r>
-              <a:rPr lang="de-AT" dirty="0"/>
-              <a:t> 1993)</a:t>
-            </a:r>
-          </a:p>
-          <a:p>
-            <a:pPr marL="0" marR="0" lvl="0" indent="0" algn="l" defTabSz="914400" rtl="0" eaLnBrk="1" fontAlgn="auto" latinLnBrk="0" hangingPunct="1">
-              <a:lnSpc>
-                <a:spcPct val="100000"/>
-              </a:lnSpc>
-              <a:spcBef>
-                <a:spcPts val="0"/>
-              </a:spcBef>
-              <a:spcAft>
-                <a:spcPts val="0"/>
-              </a:spcAft>
-              <a:buClrTx/>
-              <a:buSzTx/>
-              <a:buFontTx/>
-              <a:buNone/>
-              <a:tabLst/>
-              <a:defRPr/>
-            </a:pPr>
-            <a:r>
-              <a:rPr lang="de-AT" dirty="0"/>
-              <a:t>/ Erfahrung, Effektivität, Effizienz, Zufriedenheit</a:t>
-            </a:r>
-          </a:p>
-          <a:p>
+              <a:t>/ Kontextsensitive Informationen </a:t>
+            </a:r>
+            <a:r>
+              <a:rPr lang="de-AT" dirty="0">
+                <a:sym typeface="Wingdings" panose="05000000000000000000" pitchFamily="2" charset="2"/>
+              </a:rPr>
+              <a:t> folgt</a:t>
+            </a:r>
+          </a:p>
+          <a:p>
+            <a:r>
+              <a:rPr lang="de-AT" dirty="0">
+                <a:sym typeface="Wingdings" panose="05000000000000000000" pitchFamily="2" charset="2"/>
+              </a:rPr>
+              <a:t>/ Zentralisierung der Funktionalität und Daten</a:t>
+            </a:r>
             <a:endParaRPr lang="de-AT" dirty="0"/>
           </a:p>
         </p:txBody>
@@ -1834,7 +2506,7 @@
           <a:p>
             <a:fld id="{28393167-663F-4E2D-94C0-04507F973EC3}" type="slidenum">
               <a:rPr lang="de-AT" smtClean="0"/>
-              <a:t>17</a:t>
+              <a:t>9</a:t>
             </a:fld>
             <a:endParaRPr lang="de-AT"/>
           </a:p>
@@ -1843,7 +2515,91 @@
     </p:spTree>
     <p:extLst>
       <p:ext uri="{BB962C8B-B14F-4D97-AF65-F5344CB8AC3E}">
-        <p14:creationId xmlns:p14="http://schemas.microsoft.com/office/powerpoint/2010/main" val="1217845631"/>
+        <p14:creationId xmlns:p14="http://schemas.microsoft.com/office/powerpoint/2010/main" val="2329458044"/>
+      </p:ext>
+    </p:extLst>
+  </p:cSld>
+  <p:clrMapOvr>
+    <a:masterClrMapping/>
+  </p:clrMapOvr>
+</p:notes>
+</file>
+
+<file path=ppt/notesSlides/notesSlide9.xml><?xml version="1.0" encoding="utf-8"?>
+<p:notes xmlns:a="http://schemas.openxmlformats.org/drawingml/2006/main" xmlns:r="http://schemas.openxmlformats.org/officeDocument/2006/relationships" xmlns:p="http://schemas.openxmlformats.org/presentationml/2006/main">
+  <p:cSld>
+    <p:spTree>
+      <p:nvGrpSpPr>
+        <p:cNvPr id="1" name=""/>
+        <p:cNvGrpSpPr/>
+        <p:nvPr/>
+      </p:nvGrpSpPr>
+      <p:grpSpPr>
+        <a:xfrm>
+          <a:off x="0" y="0"/>
+          <a:ext cx="0" cy="0"/>
+          <a:chOff x="0" y="0"/>
+          <a:chExt cx="0" cy="0"/>
+        </a:xfrm>
+      </p:grpSpPr>
+      <p:sp>
+        <p:nvSpPr>
+          <p:cNvPr id="2" name="Folienbildplatzhalter 1"/>
+          <p:cNvSpPr>
+            <a:spLocks noGrp="1" noRot="1" noChangeAspect="1"/>
+          </p:cNvSpPr>
+          <p:nvPr>
+            <p:ph type="sldImg"/>
+          </p:nvPr>
+        </p:nvSpPr>
+        <p:spPr/>
+      </p:sp>
+      <p:sp>
+        <p:nvSpPr>
+          <p:cNvPr id="3" name="Notizenplatzhalter 2"/>
+          <p:cNvSpPr>
+            <a:spLocks noGrp="1"/>
+          </p:cNvSpPr>
+          <p:nvPr>
+            <p:ph type="body" idx="1"/>
+          </p:nvPr>
+        </p:nvSpPr>
+        <p:spPr/>
+        <p:txBody>
+          <a:bodyPr/>
+          <a:lstStyle/>
+          <a:p>
+            <a:endParaRPr lang="de-AT" dirty="0"/>
+          </a:p>
+        </p:txBody>
+      </p:sp>
+      <p:sp>
+        <p:nvSpPr>
+          <p:cNvPr id="4" name="Foliennummernplatzhalter 3"/>
+          <p:cNvSpPr>
+            <a:spLocks noGrp="1"/>
+          </p:cNvSpPr>
+          <p:nvPr>
+            <p:ph type="sldNum" sz="quarter" idx="10"/>
+          </p:nvPr>
+        </p:nvSpPr>
+        <p:spPr/>
+        <p:txBody>
+          <a:bodyPr/>
+          <a:lstStyle/>
+          <a:p>
+            <a:fld id="{28393167-663F-4E2D-94C0-04507F973EC3}" type="slidenum">
+              <a:rPr lang="de-AT" smtClean="0"/>
+              <a:t>10</a:t>
+            </a:fld>
+            <a:endParaRPr lang="de-AT"/>
+          </a:p>
+        </p:txBody>
+      </p:sp>
+    </p:spTree>
+    <p:extLst>
+      <p:ext uri="{BB962C8B-B14F-4D97-AF65-F5344CB8AC3E}">
+        <p14:creationId xmlns:p14="http://schemas.microsoft.com/office/powerpoint/2010/main" val="2061633512"/>
       </p:ext>
     </p:extLst>
   </p:cSld>
@@ -1984,7 +2740,7 @@
           <a:p>
             <a:fld id="{42CFA529-0F1A-44DC-B789-CEDBE28DE722}" type="datetimeFigureOut">
               <a:rPr lang="de-AT" smtClean="0"/>
-              <a:t>01.02.2017</a:t>
+              <a:t>02.02.2017</a:t>
             </a:fld>
             <a:endParaRPr lang="de-AT"/>
           </a:p>
@@ -2154,7 +2910,7 @@
           <a:p>
             <a:fld id="{42CFA529-0F1A-44DC-B789-CEDBE28DE722}" type="datetimeFigureOut">
               <a:rPr lang="de-AT" smtClean="0"/>
-              <a:t>01.02.2017</a:t>
+              <a:t>02.02.2017</a:t>
             </a:fld>
             <a:endParaRPr lang="de-AT"/>
           </a:p>
@@ -2334,7 +3090,7 @@
           <a:p>
             <a:fld id="{42CFA529-0F1A-44DC-B789-CEDBE28DE722}" type="datetimeFigureOut">
               <a:rPr lang="de-AT" smtClean="0"/>
-              <a:t>01.02.2017</a:t>
+              <a:t>02.02.2017</a:t>
             </a:fld>
             <a:endParaRPr lang="de-AT"/>
           </a:p>
@@ -2510,7 +3266,7 @@
           <a:p>
             <a:fld id="{42CFA529-0F1A-44DC-B789-CEDBE28DE722}" type="datetimeFigureOut">
               <a:rPr lang="de-AT" smtClean="0"/>
-              <a:t>01.02.2017</a:t>
+              <a:t>02.02.2017</a:t>
             </a:fld>
             <a:endParaRPr lang="de-AT"/>
           </a:p>
@@ -2756,7 +3512,7 @@
           <a:p>
             <a:fld id="{42CFA529-0F1A-44DC-B789-CEDBE28DE722}" type="datetimeFigureOut">
               <a:rPr lang="de-AT" smtClean="0"/>
-              <a:t>01.02.2017</a:t>
+              <a:t>02.02.2017</a:t>
             </a:fld>
             <a:endParaRPr lang="de-AT"/>
           </a:p>
@@ -2988,7 +3744,7 @@
           <a:p>
             <a:fld id="{42CFA529-0F1A-44DC-B789-CEDBE28DE722}" type="datetimeFigureOut">
               <a:rPr lang="de-AT" smtClean="0"/>
-              <a:t>01.02.2017</a:t>
+              <a:t>02.02.2017</a:t>
             </a:fld>
             <a:endParaRPr lang="de-AT"/>
           </a:p>
@@ -3355,7 +4111,7 @@
           <a:p>
             <a:fld id="{42CFA529-0F1A-44DC-B789-CEDBE28DE722}" type="datetimeFigureOut">
               <a:rPr lang="de-AT" smtClean="0"/>
-              <a:t>01.02.2017</a:t>
+              <a:t>02.02.2017</a:t>
             </a:fld>
             <a:endParaRPr lang="de-AT"/>
           </a:p>
@@ -3473,7 +4229,7 @@
           <a:p>
             <a:fld id="{42CFA529-0F1A-44DC-B789-CEDBE28DE722}" type="datetimeFigureOut">
               <a:rPr lang="de-AT" smtClean="0"/>
-              <a:t>01.02.2017</a:t>
+              <a:t>02.02.2017</a:t>
             </a:fld>
             <a:endParaRPr lang="de-AT"/>
           </a:p>
@@ -3568,7 +4324,7 @@
           <a:p>
             <a:fld id="{42CFA529-0F1A-44DC-B789-CEDBE28DE722}" type="datetimeFigureOut">
               <a:rPr lang="de-AT" smtClean="0"/>
-              <a:t>01.02.2017</a:t>
+              <a:t>02.02.2017</a:t>
             </a:fld>
             <a:endParaRPr lang="de-AT"/>
           </a:p>
@@ -3845,7 +4601,7 @@
           <a:p>
             <a:fld id="{42CFA529-0F1A-44DC-B789-CEDBE28DE722}" type="datetimeFigureOut">
               <a:rPr lang="de-AT" smtClean="0"/>
-              <a:t>01.02.2017</a:t>
+              <a:t>02.02.2017</a:t>
             </a:fld>
             <a:endParaRPr lang="de-AT"/>
           </a:p>
@@ -4098,7 +4854,7 @@
           <a:p>
             <a:fld id="{42CFA529-0F1A-44DC-B789-CEDBE28DE722}" type="datetimeFigureOut">
               <a:rPr lang="de-AT" smtClean="0"/>
-              <a:t>01.02.2017</a:t>
+              <a:t>02.02.2017</a:t>
             </a:fld>
             <a:endParaRPr lang="de-AT"/>
           </a:p>
@@ -4311,7 +5067,7 @@
           <a:p>
             <a:fld id="{42CFA529-0F1A-44DC-B789-CEDBE28DE722}" type="datetimeFigureOut">
               <a:rPr lang="de-AT" smtClean="0"/>
-              <a:t>01.02.2017</a:t>
+              <a:t>02.02.2017</a:t>
             </a:fld>
             <a:endParaRPr lang="de-AT"/>
           </a:p>
@@ -4803,7 +5559,7 @@
           <p:nvPr/>
         </p:nvPicPr>
         <p:blipFill>
-          <a:blip r:embed="rId2">
+          <a:blip r:embed="rId3">
             <a:extLst>
               <a:ext uri="{28A0092B-C50C-407E-A947-70E740481C1C}">
                 <a14:useLocalDpi xmlns:a14="http://schemas.microsoft.com/office/drawing/2010/main" val="0"/>
@@ -4844,7 +5600,7 @@
           <p:nvPr/>
         </p:nvPicPr>
         <p:blipFill>
-          <a:blip r:embed="rId3">
+          <a:blip r:embed="rId4">
             <a:extLst>
               <a:ext uri="{28A0092B-C50C-407E-A947-70E740481C1C}">
                 <a14:useLocalDpi xmlns:a14="http://schemas.microsoft.com/office/drawing/2010/main" val="0"/>
@@ -4895,6 +5651,286 @@
           <a:chExt cx="0" cy="0"/>
         </a:xfrm>
       </p:grpSpPr>
+      <p:sp>
+        <p:nvSpPr>
+          <p:cNvPr id="2" name="Titel 1"/>
+          <p:cNvSpPr>
+            <a:spLocks noGrp="1"/>
+          </p:cNvSpPr>
+          <p:nvPr>
+            <p:ph type="title"/>
+          </p:nvPr>
+        </p:nvSpPr>
+        <p:spPr/>
+        <p:txBody>
+          <a:bodyPr/>
+          <a:lstStyle/>
+          <a:p>
+            <a:r>
+              <a:rPr lang="de-AT" dirty="0"/>
+              <a:t>Konzept - Kontextsensitive Informationen </a:t>
+            </a:r>
+            <a:endParaRPr lang="de-AT" dirty="0"/>
+          </a:p>
+        </p:txBody>
+      </p:sp>
+      <p:sp>
+        <p:nvSpPr>
+          <p:cNvPr id="3" name="Inhaltsplatzhalter 2"/>
+          <p:cNvSpPr>
+            <a:spLocks noGrp="1"/>
+          </p:cNvSpPr>
+          <p:nvPr>
+            <p:ph idx="1"/>
+          </p:nvPr>
+        </p:nvSpPr>
+        <p:spPr/>
+        <p:txBody>
+          <a:bodyPr/>
+          <a:lstStyle/>
+          <a:p>
+            <a:r>
+              <a:rPr lang="de-AT" dirty="0"/>
+              <a:t>Welche Informationen, Wo und Wann</a:t>
+            </a:r>
+          </a:p>
+          <a:p>
+            <a:r>
+              <a:rPr lang="de-AT" dirty="0"/>
+              <a:t>Anreichern von Informationen</a:t>
+            </a:r>
+          </a:p>
+        </p:txBody>
+      </p:sp>
+    </p:spTree>
+    <p:extLst>
+      <p:ext uri="{BB962C8B-B14F-4D97-AF65-F5344CB8AC3E}">
+        <p14:creationId xmlns:p14="http://schemas.microsoft.com/office/powerpoint/2010/main" val="1084773125"/>
+      </p:ext>
+    </p:extLst>
+  </p:cSld>
+  <p:clrMapOvr>
+    <a:masterClrMapping/>
+  </p:clrMapOvr>
+  <p:timing>
+    <p:tnLst>
+      <p:par>
+        <p:cTn id="1" dur="indefinite" restart="never" nodeType="tmRoot">
+          <p:childTnLst>
+            <p:seq concurrent="1" nextAc="seek">
+              <p:cTn id="2" dur="indefinite" nodeType="mainSeq">
+                <p:childTnLst>
+                  <p:par>
+                    <p:cTn id="3" fill="hold">
+                      <p:stCondLst>
+                        <p:cond delay="indefinite"/>
+                      </p:stCondLst>
+                      <p:childTnLst>
+                        <p:par>
+                          <p:cTn id="4" fill="hold">
+                            <p:stCondLst>
+                              <p:cond delay="0"/>
+                            </p:stCondLst>
+                            <p:childTnLst>
+                              <p:par>
+                                <p:cTn id="5" presetID="1" presetClass="entr" presetSubtype="0" fill="hold" nodeType="clickEffect">
+                                  <p:stCondLst>
+                                    <p:cond delay="0"/>
+                                  </p:stCondLst>
+                                  <p:childTnLst>
+                                    <p:set>
+                                      <p:cBhvr>
+                                        <p:cTn id="6" dur="1" fill="hold">
+                                          <p:stCondLst>
+                                            <p:cond delay="0"/>
+                                          </p:stCondLst>
+                                        </p:cTn>
+                                        <p:tgtEl>
+                                          <p:spTgt spid="3">
+                                            <p:txEl>
+                                              <p:pRg st="0" end="0"/>
+                                            </p:txEl>
+                                          </p:spTgt>
+                                        </p:tgtEl>
+                                        <p:attrNameLst>
+                                          <p:attrName>style.visibility</p:attrName>
+                                        </p:attrNameLst>
+                                      </p:cBhvr>
+                                      <p:to>
+                                        <p:strVal val="visible"/>
+                                      </p:to>
+                                    </p:set>
+                                  </p:childTnLst>
+                                </p:cTn>
+                              </p:par>
+                            </p:childTnLst>
+                          </p:cTn>
+                        </p:par>
+                      </p:childTnLst>
+                    </p:cTn>
+                  </p:par>
+                  <p:par>
+                    <p:cTn id="7" fill="hold">
+                      <p:stCondLst>
+                        <p:cond delay="indefinite"/>
+                      </p:stCondLst>
+                      <p:childTnLst>
+                        <p:par>
+                          <p:cTn id="8" fill="hold">
+                            <p:stCondLst>
+                              <p:cond delay="0"/>
+                            </p:stCondLst>
+                            <p:childTnLst>
+                              <p:par>
+                                <p:cTn id="9" presetID="1" presetClass="entr" presetSubtype="0" fill="hold" nodeType="clickEffect">
+                                  <p:stCondLst>
+                                    <p:cond delay="0"/>
+                                  </p:stCondLst>
+                                  <p:childTnLst>
+                                    <p:set>
+                                      <p:cBhvr>
+                                        <p:cTn id="10" dur="1" fill="hold">
+                                          <p:stCondLst>
+                                            <p:cond delay="0"/>
+                                          </p:stCondLst>
+                                        </p:cTn>
+                                        <p:tgtEl>
+                                          <p:spTgt spid="3">
+                                            <p:txEl>
+                                              <p:pRg st="1" end="1"/>
+                                            </p:txEl>
+                                          </p:spTgt>
+                                        </p:tgtEl>
+                                        <p:attrNameLst>
+                                          <p:attrName>style.visibility</p:attrName>
+                                        </p:attrNameLst>
+                                      </p:cBhvr>
+                                      <p:to>
+                                        <p:strVal val="visible"/>
+                                      </p:to>
+                                    </p:set>
+                                  </p:childTnLst>
+                                </p:cTn>
+                              </p:par>
+                            </p:childTnLst>
+                          </p:cTn>
+                        </p:par>
+                      </p:childTnLst>
+                    </p:cTn>
+                  </p:par>
+                </p:childTnLst>
+              </p:cTn>
+              <p:prevCondLst>
+                <p:cond evt="onPrev" delay="0">
+                  <p:tgtEl>
+                    <p:sldTgt/>
+                  </p:tgtEl>
+                </p:cond>
+              </p:prevCondLst>
+              <p:nextCondLst>
+                <p:cond evt="onNext" delay="0">
+                  <p:tgtEl>
+                    <p:sldTgt/>
+                  </p:tgtEl>
+                </p:cond>
+              </p:nextCondLst>
+            </p:seq>
+          </p:childTnLst>
+        </p:cTn>
+      </p:par>
+    </p:tnLst>
+  </p:timing>
+</p:sld>
+</file>
+
+<file path=ppt/slides/slide11.xml><?xml version="1.0" encoding="utf-8"?>
+<p:sld xmlns:a="http://schemas.openxmlformats.org/drawingml/2006/main" xmlns:r="http://schemas.openxmlformats.org/officeDocument/2006/relationships" xmlns:p="http://schemas.openxmlformats.org/presentationml/2006/main">
+  <p:cSld>
+    <p:spTree>
+      <p:nvGrpSpPr>
+        <p:cNvPr id="1" name=""/>
+        <p:cNvGrpSpPr/>
+        <p:nvPr/>
+      </p:nvGrpSpPr>
+      <p:grpSpPr>
+        <a:xfrm>
+          <a:off x="0" y="0"/>
+          <a:ext cx="0" cy="0"/>
+          <a:chOff x="0" y="0"/>
+          <a:chExt cx="0" cy="0"/>
+        </a:xfrm>
+      </p:grpSpPr>
+      <p:sp>
+        <p:nvSpPr>
+          <p:cNvPr id="4" name="Titel 3"/>
+          <p:cNvSpPr>
+            <a:spLocks noGrp="1"/>
+          </p:cNvSpPr>
+          <p:nvPr>
+            <p:ph type="title"/>
+          </p:nvPr>
+        </p:nvSpPr>
+        <p:spPr/>
+        <p:txBody>
+          <a:bodyPr/>
+          <a:lstStyle/>
+          <a:p>
+            <a:r>
+              <a:rPr lang="de-AT" dirty="0"/>
+              <a:t>Prototyp</a:t>
+            </a:r>
+          </a:p>
+        </p:txBody>
+      </p:sp>
+      <p:sp>
+        <p:nvSpPr>
+          <p:cNvPr id="5" name="Textplatzhalter 4"/>
+          <p:cNvSpPr>
+            <a:spLocks noGrp="1"/>
+          </p:cNvSpPr>
+          <p:nvPr>
+            <p:ph type="body" idx="1"/>
+          </p:nvPr>
+        </p:nvSpPr>
+        <p:spPr/>
+        <p:txBody>
+          <a:bodyPr/>
+          <a:lstStyle/>
+          <a:p>
+            <a:endParaRPr lang="de-AT"/>
+          </a:p>
+        </p:txBody>
+      </p:sp>
+    </p:spTree>
+    <p:extLst>
+      <p:ext uri="{BB962C8B-B14F-4D97-AF65-F5344CB8AC3E}">
+        <p14:creationId xmlns:p14="http://schemas.microsoft.com/office/powerpoint/2010/main" val="1198627381"/>
+      </p:ext>
+    </p:extLst>
+  </p:cSld>
+  <p:clrMapOvr>
+    <a:masterClrMapping/>
+  </p:clrMapOvr>
+</p:sld>
+</file>
+
+<file path=ppt/slides/slide12.xml><?xml version="1.0" encoding="utf-8"?>
+<p:sld xmlns:a="http://schemas.openxmlformats.org/drawingml/2006/main" xmlns:r="http://schemas.openxmlformats.org/officeDocument/2006/relationships" xmlns:p="http://schemas.openxmlformats.org/presentationml/2006/main" show="0">
+  <p:cSld>
+    <p:spTree>
+      <p:nvGrpSpPr>
+        <p:cNvPr id="1" name=""/>
+        <p:cNvGrpSpPr/>
+        <p:nvPr/>
+      </p:nvGrpSpPr>
+      <p:grpSpPr>
+        <a:xfrm>
+          <a:off x="0" y="0"/>
+          <a:ext cx="0" cy="0"/>
+          <a:chOff x="0" y="0"/>
+          <a:chExt cx="0" cy="0"/>
+        </a:xfrm>
+      </p:grpSpPr>
       <p:pic>
         <p:nvPicPr>
           <p:cNvPr id="4" name="Inhaltsplatzhalter 3"/>
@@ -4937,7 +5973,7 @@
 </p:sld>
 </file>
 
-<file path=ppt/slides/slide11.xml><?xml version="1.0" encoding="utf-8"?>
+<file path=ppt/slides/slide13.xml><?xml version="1.0" encoding="utf-8"?>
 <p:sld xmlns:a="http://schemas.openxmlformats.org/drawingml/2006/main" xmlns:r="http://schemas.openxmlformats.org/officeDocument/2006/relationships" xmlns:p="http://schemas.openxmlformats.org/presentationml/2006/main">
   <p:cSld>
     <p:spTree>
@@ -5504,7 +6540,7 @@
 </p:sld>
 </file>
 
-<file path=ppt/slides/slide12.xml><?xml version="1.0" encoding="utf-8"?>
+<file path=ppt/slides/slide14.xml><?xml version="1.0" encoding="utf-8"?>
 <p:sld xmlns:a="http://schemas.openxmlformats.org/drawingml/2006/main" xmlns:r="http://schemas.openxmlformats.org/officeDocument/2006/relationships" xmlns:p="http://schemas.openxmlformats.org/presentationml/2006/main">
   <p:cSld>
     <p:spTree>
@@ -5776,7 +6812,7 @@
 </p:sld>
 </file>
 
-<file path=ppt/slides/slide13.xml><?xml version="1.0" encoding="utf-8"?>
+<file path=ppt/slides/slide15.xml><?xml version="1.0" encoding="utf-8"?>
 <p:sld xmlns:a="http://schemas.openxmlformats.org/drawingml/2006/main" xmlns:r="http://schemas.openxmlformats.org/officeDocument/2006/relationships" xmlns:p="http://schemas.openxmlformats.org/presentationml/2006/main">
   <p:cSld>
     <p:spTree>
@@ -5836,176 +6872,6 @@
 </p:sld>
 </file>
 
-<file path=ppt/slides/slide14.xml><?xml version="1.0" encoding="utf-8"?>
-<p:sld xmlns:a="http://schemas.openxmlformats.org/drawingml/2006/main" xmlns:r="http://schemas.openxmlformats.org/officeDocument/2006/relationships" xmlns:p="http://schemas.openxmlformats.org/presentationml/2006/main">
-  <p:cSld>
-    <p:spTree>
-      <p:nvGrpSpPr>
-        <p:cNvPr id="1" name=""/>
-        <p:cNvGrpSpPr/>
-        <p:nvPr/>
-      </p:nvGrpSpPr>
-      <p:grpSpPr>
-        <a:xfrm>
-          <a:off x="0" y="0"/>
-          <a:ext cx="0" cy="0"/>
-          <a:chOff x="0" y="0"/>
-          <a:chExt cx="0" cy="0"/>
-        </a:xfrm>
-      </p:grpSpPr>
-      <p:sp>
-        <p:nvSpPr>
-          <p:cNvPr id="4" name="Titel 3"/>
-          <p:cNvSpPr>
-            <a:spLocks noGrp="1"/>
-          </p:cNvSpPr>
-          <p:nvPr>
-            <p:ph type="title"/>
-          </p:nvPr>
-        </p:nvSpPr>
-        <p:spPr/>
-        <p:txBody>
-          <a:bodyPr/>
-          <a:lstStyle/>
-          <a:p>
-            <a:r>
-              <a:rPr lang="de-AT" dirty="0"/>
-              <a:t>Evaluation</a:t>
-            </a:r>
-          </a:p>
-        </p:txBody>
-      </p:sp>
-      <p:sp>
-        <p:nvSpPr>
-          <p:cNvPr id="5" name="Textplatzhalter 4"/>
-          <p:cNvSpPr>
-            <a:spLocks noGrp="1"/>
-          </p:cNvSpPr>
-          <p:nvPr>
-            <p:ph type="body" idx="1"/>
-          </p:nvPr>
-        </p:nvSpPr>
-        <p:spPr/>
-        <p:txBody>
-          <a:bodyPr/>
-          <a:lstStyle/>
-          <a:p>
-            <a:endParaRPr lang="de-AT"/>
-          </a:p>
-        </p:txBody>
-      </p:sp>
-    </p:spTree>
-    <p:extLst>
-      <p:ext uri="{BB962C8B-B14F-4D97-AF65-F5344CB8AC3E}">
-        <p14:creationId xmlns:p14="http://schemas.microsoft.com/office/powerpoint/2010/main" val="3067481724"/>
-      </p:ext>
-    </p:extLst>
-  </p:cSld>
-  <p:clrMapOvr>
-    <a:masterClrMapping/>
-  </p:clrMapOvr>
-</p:sld>
-</file>
-
-<file path=ppt/slides/slide15.xml><?xml version="1.0" encoding="utf-8"?>
-<p:sld xmlns:a="http://schemas.openxmlformats.org/drawingml/2006/main" xmlns:r="http://schemas.openxmlformats.org/officeDocument/2006/relationships" xmlns:p="http://schemas.openxmlformats.org/presentationml/2006/main">
-  <p:cSld>
-    <p:spTree>
-      <p:nvGrpSpPr>
-        <p:cNvPr id="1" name=""/>
-        <p:cNvGrpSpPr/>
-        <p:nvPr/>
-      </p:nvGrpSpPr>
-      <p:grpSpPr>
-        <a:xfrm>
-          <a:off x="0" y="0"/>
-          <a:ext cx="0" cy="0"/>
-          <a:chOff x="0" y="0"/>
-          <a:chExt cx="0" cy="0"/>
-        </a:xfrm>
-      </p:grpSpPr>
-      <p:sp>
-        <p:nvSpPr>
-          <p:cNvPr id="2" name="Titel 1"/>
-          <p:cNvSpPr>
-            <a:spLocks noGrp="1"/>
-          </p:cNvSpPr>
-          <p:nvPr>
-            <p:ph type="title"/>
-          </p:nvPr>
-        </p:nvSpPr>
-        <p:spPr/>
-        <p:txBody>
-          <a:bodyPr/>
-          <a:lstStyle/>
-          <a:p>
-            <a:r>
-              <a:rPr lang="de-AT" dirty="0"/>
-              <a:t>Evaluation – Stichprobenbeschreibung</a:t>
-            </a:r>
-          </a:p>
-        </p:txBody>
-      </p:sp>
-      <p:sp>
-        <p:nvSpPr>
-          <p:cNvPr id="3" name="Inhaltsplatzhalter 2"/>
-          <p:cNvSpPr>
-            <a:spLocks noGrp="1"/>
-          </p:cNvSpPr>
-          <p:nvPr>
-            <p:ph idx="1"/>
-          </p:nvPr>
-        </p:nvSpPr>
-        <p:spPr/>
-        <p:txBody>
-          <a:bodyPr/>
-          <a:lstStyle/>
-          <a:p>
-            <a:r>
-              <a:rPr lang="de-AT" dirty="0"/>
-              <a:t>3 Gruppen: nach  (11 Personen)</a:t>
-            </a:r>
-          </a:p>
-          <a:p>
-            <a:r>
-              <a:rPr lang="de-AT" dirty="0"/>
-              <a:t>25,5 Jahre (mittleres Alter)</a:t>
-            </a:r>
-          </a:p>
-          <a:p>
-            <a:pPr marL="0" lvl="0" indent="0">
-              <a:lnSpc>
-                <a:spcPct val="100000"/>
-              </a:lnSpc>
-              <a:spcBef>
-                <a:spcPts val="0"/>
-              </a:spcBef>
-              <a:buNone/>
-              <a:defRPr/>
-            </a:pPr>
-            <a:r>
-              <a:rPr lang="de-AT" dirty="0"/>
-              <a:t>/ 29 Minuten (mittlere Testdauer)</a:t>
-            </a:r>
-          </a:p>
-          <a:p>
-            <a:endParaRPr lang="de-AT" dirty="0"/>
-          </a:p>
-        </p:txBody>
-      </p:sp>
-    </p:spTree>
-    <p:extLst>
-      <p:ext uri="{BB962C8B-B14F-4D97-AF65-F5344CB8AC3E}">
-        <p14:creationId xmlns:p14="http://schemas.microsoft.com/office/powerpoint/2010/main" val="1476064314"/>
-      </p:ext>
-    </p:extLst>
-  </p:cSld>
-  <p:clrMapOvr>
-    <a:masterClrMapping/>
-  </p:clrMapOvr>
-</p:sld>
-</file>
-
 <file path=ppt/slides/slide16.xml><?xml version="1.0" encoding="utf-8"?>
 <p:sld xmlns:a="http://schemas.openxmlformats.org/drawingml/2006/main" xmlns:r="http://schemas.openxmlformats.org/officeDocument/2006/relationships" xmlns:p="http://schemas.openxmlformats.org/presentationml/2006/main">
   <p:cSld>
@@ -6025,7 +6891,7 @@
       </p:grpSpPr>
       <p:sp>
         <p:nvSpPr>
-          <p:cNvPr id="2" name="Titel 1"/>
+          <p:cNvPr id="4" name="Titel 3"/>
           <p:cNvSpPr>
             <a:spLocks noGrp="1"/>
           </p:cNvSpPr>
@@ -6035,95 +6901,39 @@
         </p:nvSpPr>
         <p:spPr/>
         <p:txBody>
-          <a:bodyPr>
-            <a:normAutofit/>
-          </a:bodyPr>
+          <a:bodyPr/>
           <a:lstStyle/>
           <a:p>
             <a:r>
               <a:rPr lang="de-AT" dirty="0"/>
-              <a:t>Evaluation – Gebrauchstauglichkeitsanalyse</a:t>
-            </a:r>
-          </a:p>
-        </p:txBody>
-      </p:sp>
-      <p:sp>
-        <p:nvSpPr>
-          <p:cNvPr id="3" name="Inhaltsplatzhalter 2"/>
-          <p:cNvSpPr>
-            <a:spLocks noGrp="1"/>
-          </p:cNvSpPr>
-          <p:nvPr>
-            <p:ph idx="1"/>
-          </p:nvPr>
-        </p:nvSpPr>
-        <p:spPr/>
-        <p:txBody>
-          <a:bodyPr/>
-          <a:lstStyle/>
-          <a:p>
-            <a:r>
-              <a:rPr lang="de-AT" dirty="0"/>
-              <a:t>Testszenario mit Prototyp</a:t>
-            </a:r>
-          </a:p>
-          <a:p>
-            <a:r>
-              <a:rPr lang="de-AT" dirty="0" err="1"/>
-              <a:t>Eyetracking</a:t>
-            </a:r>
-            <a:endParaRPr lang="de-AT" dirty="0"/>
-          </a:p>
-          <a:p>
-            <a:r>
-              <a:rPr lang="de-AT" dirty="0"/>
-              <a:t>Fragebogen</a:t>
-            </a:r>
-          </a:p>
-          <a:p>
-            <a:pPr lvl="1"/>
-            <a:endParaRPr lang="de-AT" dirty="0"/>
-          </a:p>
-          <a:p>
-            <a:pPr marL="457200" lvl="1" indent="0">
-              <a:buNone/>
-            </a:pPr>
-            <a:endParaRPr lang="de-AT" dirty="0"/>
-          </a:p>
-        </p:txBody>
-      </p:sp>
-      <p:sp>
-        <p:nvSpPr>
-          <p:cNvPr id="5" name="Fußzeilenplatzhalter 4"/>
-          <p:cNvSpPr>
-            <a:spLocks noGrp="1"/>
-          </p:cNvSpPr>
-          <p:nvPr>
-            <p:ph type="ftr" sz="quarter" idx="11"/>
-          </p:nvPr>
-        </p:nvSpPr>
-        <p:spPr>
-          <a:xfrm>
-            <a:off x="838199" y="6311900"/>
-            <a:ext cx="6089725" cy="365125"/>
-          </a:xfrm>
-        </p:spPr>
-        <p:txBody>
-          <a:bodyPr/>
-          <a:lstStyle/>
-          <a:p>
-            <a:pPr algn="l"/>
-            <a:r>
-              <a:rPr lang="de-AT" sz="2000" dirty="0"/>
-              <a:t>Gebrauchstauglichkeitsanalyse nach ISO 9241</a:t>
-            </a:r>
+              <a:t>Evaluation</a:t>
+            </a:r>
+          </a:p>
+        </p:txBody>
+      </p:sp>
+      <p:sp>
+        <p:nvSpPr>
+          <p:cNvPr id="5" name="Textplatzhalter 4"/>
+          <p:cNvSpPr>
+            <a:spLocks noGrp="1"/>
+          </p:cNvSpPr>
+          <p:nvPr>
+            <p:ph type="body" idx="1"/>
+          </p:nvPr>
+        </p:nvSpPr>
+        <p:spPr/>
+        <p:txBody>
+          <a:bodyPr/>
+          <a:lstStyle/>
+          <a:p>
+            <a:endParaRPr lang="de-AT"/>
           </a:p>
         </p:txBody>
       </p:sp>
     </p:spTree>
     <p:extLst>
       <p:ext uri="{BB962C8B-B14F-4D97-AF65-F5344CB8AC3E}">
-        <p14:creationId xmlns:p14="http://schemas.microsoft.com/office/powerpoint/2010/main" val="2503047061"/>
+        <p14:creationId xmlns:p14="http://schemas.microsoft.com/office/powerpoint/2010/main" val="3067481724"/>
       </p:ext>
     </p:extLst>
   </p:cSld>
@@ -6167,7 +6977,7 @@
           <a:p>
             <a:r>
               <a:rPr lang="de-AT" dirty="0"/>
-              <a:t>Evaluation – Verhaltensbeobachtung</a:t>
+              <a:t>Evaluation – Stichprobenbeschreibung</a:t>
             </a:r>
           </a:p>
         </p:txBody>
@@ -6189,55 +6999,40 @@
           <a:p>
             <a:r>
               <a:rPr lang="de-AT" dirty="0"/>
-              <a:t>Verwendungsmuster der Ansichten</a:t>
+              <a:t>3 Gruppen (11 Personen)</a:t>
             </a:r>
           </a:p>
           <a:p>
             <a:r>
               <a:rPr lang="de-AT" dirty="0"/>
-              <a:t>Während des Testes</a:t>
-            </a:r>
-          </a:p>
-          <a:p>
+              <a:t>25,5 Jahre (mittleres Alter)</a:t>
+            </a:r>
+          </a:p>
+          <a:p>
+            <a:pPr marL="0" lvl="0" indent="0">
+              <a:lnSpc>
+                <a:spcPct val="100000"/>
+              </a:lnSpc>
+              <a:spcBef>
+                <a:spcPts val="0"/>
+              </a:spcBef>
+              <a:buNone/>
+              <a:defRPr/>
+            </a:pPr>
             <a:r>
               <a:rPr lang="de-AT" dirty="0"/>
-              <a:t>Auswertung</a:t>
-            </a:r>
-          </a:p>
-        </p:txBody>
-      </p:sp>
-      <p:sp>
-        <p:nvSpPr>
-          <p:cNvPr id="5" name="Fußzeilenplatzhalter 4"/>
-          <p:cNvSpPr>
-            <a:spLocks noGrp="1"/>
-          </p:cNvSpPr>
-          <p:nvPr>
-            <p:ph type="ftr" sz="quarter" idx="11"/>
-          </p:nvPr>
-        </p:nvSpPr>
-        <p:spPr>
-          <a:xfrm>
-            <a:off x="838200" y="6311900"/>
-            <a:ext cx="4114800" cy="365125"/>
-          </a:xfrm>
-        </p:spPr>
-        <p:txBody>
-          <a:bodyPr/>
-          <a:lstStyle/>
-          <a:p>
-            <a:pPr algn="l"/>
-            <a:r>
-              <a:rPr lang="de-AT" sz="2000" dirty="0"/>
-              <a:t>[1] ISO 9241</a:t>
-            </a:r>
+              <a:t>/ 29 Minuten (mittlere Testdauer)</a:t>
+            </a:r>
+          </a:p>
+          <a:p>
+            <a:endParaRPr lang="de-AT" dirty="0"/>
           </a:p>
         </p:txBody>
       </p:sp>
     </p:spTree>
     <p:extLst>
       <p:ext uri="{BB962C8B-B14F-4D97-AF65-F5344CB8AC3E}">
-        <p14:creationId xmlns:p14="http://schemas.microsoft.com/office/powerpoint/2010/main" val="2976699284"/>
+        <p14:creationId xmlns:p14="http://schemas.microsoft.com/office/powerpoint/2010/main" val="1476064314"/>
       </p:ext>
     </p:extLst>
   </p:cSld>
@@ -6276,12 +7071,14 @@
         </p:nvSpPr>
         <p:spPr/>
         <p:txBody>
-          <a:bodyPr/>
+          <a:bodyPr>
+            <a:normAutofit/>
+          </a:bodyPr>
           <a:lstStyle/>
           <a:p>
             <a:r>
               <a:rPr lang="de-AT" dirty="0"/>
-              <a:t>Diskussion</a:t>
+              <a:t>Evaluation – Gebrauchstauglichkeitsanalyse</a:t>
             </a:r>
           </a:p>
         </p:txBody>
@@ -6301,66 +7098,68 @@
           <a:bodyPr/>
           <a:lstStyle/>
           <a:p>
-            <a:pPr marL="0" indent="0">
+            <a:r>
+              <a:rPr lang="de-AT" dirty="0"/>
+              <a:t>Testszenario mit Prototyp</a:t>
+            </a:r>
+          </a:p>
+          <a:p>
+            <a:r>
+              <a:rPr lang="de-AT" dirty="0" err="1"/>
+              <a:t>Eyetracking</a:t>
+            </a:r>
+            <a:endParaRPr lang="de-AT" dirty="0"/>
+          </a:p>
+          <a:p>
+            <a:r>
+              <a:rPr lang="de-AT" dirty="0"/>
+              <a:t>Fragebogen</a:t>
+            </a:r>
+          </a:p>
+          <a:p>
+            <a:pPr lvl="1"/>
+            <a:endParaRPr lang="de-AT" dirty="0"/>
+          </a:p>
+          <a:p>
+            <a:pPr marL="457200" lvl="1" indent="0">
               <a:buNone/>
             </a:pPr>
-            <a:r>
-              <a:rPr lang="de-AT" dirty="0"/>
-              <a:t>+ bessere Übersicht</a:t>
-            </a:r>
-          </a:p>
-          <a:p>
-            <a:pPr marL="0" indent="0">
-              <a:buNone/>
-            </a:pPr>
-            <a:r>
-              <a:rPr lang="de-AT" dirty="0"/>
-              <a:t>+ Kartenansicht </a:t>
-            </a:r>
-            <a:r>
-              <a:rPr lang="de-AT" dirty="0">
-                <a:sym typeface="Wingdings" panose="05000000000000000000" pitchFamily="2" charset="2"/>
-              </a:rPr>
-              <a:t>&lt;-- --&gt; Listenansicht</a:t>
-            </a:r>
-          </a:p>
-          <a:p>
-            <a:pPr marL="0" indent="0">
-              <a:buNone/>
-            </a:pPr>
-            <a:r>
-              <a:rPr lang="de-AT" dirty="0">
-                <a:sym typeface="Wingdings" panose="05000000000000000000" pitchFamily="2" charset="2"/>
-              </a:rPr>
-              <a:t>+ zusätzliche Informationen</a:t>
-            </a:r>
-          </a:p>
-          <a:p>
-            <a:pPr marL="0" indent="0">
-              <a:buNone/>
-            </a:pPr>
-            <a:endParaRPr lang="de-AT" dirty="0">
-              <a:sym typeface="Wingdings" panose="05000000000000000000" pitchFamily="2" charset="2"/>
-            </a:endParaRPr>
-          </a:p>
-          <a:p>
-            <a:pPr marL="0" indent="0">
-              <a:buNone/>
-            </a:pPr>
-            <a:r>
-              <a:rPr lang="de-AT" dirty="0">
-                <a:sym typeface="Wingdings" panose="05000000000000000000" pitchFamily="2" charset="2"/>
-              </a:rPr>
-              <a:t>- Definierte Informationen</a:t>
-            </a:r>
             <a:endParaRPr lang="de-AT" dirty="0"/>
+          </a:p>
+        </p:txBody>
+      </p:sp>
+      <p:sp>
+        <p:nvSpPr>
+          <p:cNvPr id="5" name="Fußzeilenplatzhalter 4"/>
+          <p:cNvSpPr>
+            <a:spLocks noGrp="1"/>
+          </p:cNvSpPr>
+          <p:nvPr>
+            <p:ph type="ftr" sz="quarter" idx="11"/>
+          </p:nvPr>
+        </p:nvSpPr>
+        <p:spPr>
+          <a:xfrm>
+            <a:off x="838199" y="6311900"/>
+            <a:ext cx="6089725" cy="365125"/>
+          </a:xfrm>
+        </p:spPr>
+        <p:txBody>
+          <a:bodyPr/>
+          <a:lstStyle/>
+          <a:p>
+            <a:pPr algn="l"/>
+            <a:r>
+              <a:rPr lang="de-AT" sz="2000" dirty="0"/>
+              <a:t>Gebrauchstauglichkeitsanalyse nach ISO 9241</a:t>
+            </a:r>
           </a:p>
         </p:txBody>
       </p:sp>
     </p:spTree>
     <p:extLst>
       <p:ext uri="{BB962C8B-B14F-4D97-AF65-F5344CB8AC3E}">
-        <p14:creationId xmlns:p14="http://schemas.microsoft.com/office/powerpoint/2010/main" val="3665434776"/>
+        <p14:creationId xmlns:p14="http://schemas.microsoft.com/office/powerpoint/2010/main" val="2503047061"/>
       </p:ext>
     </p:extLst>
   </p:cSld>
@@ -6389,68 +7188,92 @@
       </p:grpSpPr>
       <p:sp>
         <p:nvSpPr>
-          <p:cNvPr id="4" name="Titel 3"/>
+          <p:cNvPr id="2" name="Titel 1"/>
           <p:cNvSpPr>
             <a:spLocks noGrp="1"/>
           </p:cNvSpPr>
           <p:nvPr>
             <p:ph type="title"/>
+          </p:nvPr>
+        </p:nvSpPr>
+        <p:spPr/>
+        <p:txBody>
+          <a:bodyPr/>
+          <a:lstStyle/>
+          <a:p>
+            <a:r>
+              <a:rPr lang="de-AT" dirty="0"/>
+              <a:t>Evaluation – Verhaltensbeobachtung</a:t>
+            </a:r>
+          </a:p>
+        </p:txBody>
+      </p:sp>
+      <p:sp>
+        <p:nvSpPr>
+          <p:cNvPr id="3" name="Inhaltsplatzhalter 2"/>
+          <p:cNvSpPr>
+            <a:spLocks noGrp="1"/>
+          </p:cNvSpPr>
+          <p:nvPr>
+            <p:ph idx="1"/>
+          </p:nvPr>
+        </p:nvSpPr>
+        <p:spPr/>
+        <p:txBody>
+          <a:bodyPr/>
+          <a:lstStyle/>
+          <a:p>
+            <a:r>
+              <a:rPr lang="de-AT" dirty="0"/>
+              <a:t>Verwendungsmuster der Ansichten</a:t>
+            </a:r>
+          </a:p>
+          <a:p>
+            <a:r>
+              <a:rPr lang="de-AT" dirty="0"/>
+              <a:t>Während des Testes</a:t>
+            </a:r>
+          </a:p>
+          <a:p>
+            <a:r>
+              <a:rPr lang="de-AT" dirty="0"/>
+              <a:t>Auswertung</a:t>
+            </a:r>
+          </a:p>
+        </p:txBody>
+      </p:sp>
+      <p:sp>
+        <p:nvSpPr>
+          <p:cNvPr id="5" name="Fußzeilenplatzhalter 4"/>
+          <p:cNvSpPr>
+            <a:spLocks noGrp="1"/>
+          </p:cNvSpPr>
+          <p:nvPr>
+            <p:ph type="ftr" sz="quarter" idx="11"/>
           </p:nvPr>
         </p:nvSpPr>
         <p:spPr>
           <a:xfrm>
-            <a:off x="831850" y="1709738"/>
-            <a:ext cx="10515600" cy="2852737"/>
+            <a:off x="838200" y="6311900"/>
+            <a:ext cx="4114800" cy="365125"/>
           </a:xfrm>
         </p:spPr>
         <p:txBody>
           <a:bodyPr/>
           <a:lstStyle/>
           <a:p>
-            <a:pPr algn="r"/>
-            <a:r>
-              <a:rPr lang="de-AT"/>
-              <a:t>Danke!</a:t>
-            </a:r>
-            <a:endParaRPr lang="de-AT" dirty="0"/>
-          </a:p>
-        </p:txBody>
-      </p:sp>
-      <p:sp>
-        <p:nvSpPr>
-          <p:cNvPr id="5" name="Textplatzhalter 4"/>
-          <p:cNvSpPr>
-            <a:spLocks noGrp="1"/>
-          </p:cNvSpPr>
-          <p:nvPr>
-            <p:ph type="body" idx="1"/>
-          </p:nvPr>
-        </p:nvSpPr>
-        <p:spPr>
-          <a:xfrm>
-            <a:off x="2091661" y="4400564"/>
-            <a:ext cx="9144000" cy="754025"/>
-          </a:xfrm>
-        </p:spPr>
-        <p:txBody>
-          <a:bodyPr>
-            <a:normAutofit/>
-          </a:bodyPr>
-          <a:lstStyle/>
-          <a:p>
-            <a:pPr algn="r"/>
-            <a:r>
-              <a:rPr lang="de-AT"/>
-              <a:t>Speziellen Dank an: Andreas Zwerger, Walter Ritter und Sonja Kopf</a:t>
-            </a:r>
-            <a:endParaRPr lang="de-AT" dirty="0"/>
+            <a:pPr algn="l"/>
+            <a:r>
+              <a:rPr lang="de-AT" sz="2000" dirty="0"/>
+              <a:t>[1] ISO 9241</a:t>
+            </a:r>
           </a:p>
         </p:txBody>
       </p:sp>
     </p:spTree>
     <p:extLst>
       <p:ext uri="{BB962C8B-B14F-4D97-AF65-F5344CB8AC3E}">
-        <p14:creationId xmlns:p14="http://schemas.microsoft.com/office/powerpoint/2010/main" val="1168719852"/>
+        <p14:creationId xmlns:p14="http://schemas.microsoft.com/office/powerpoint/2010/main" val="2976699284"/>
       </p:ext>
     </p:extLst>
   </p:cSld>
@@ -6497,21 +7320,28 @@
             <a:pPr algn="ctr"/>
             <a:r>
               <a:rPr lang="de-AT" sz="4800" dirty="0"/>
-              <a:t>„</a:t>
-            </a:r>
-            <a:r>
-              <a:rPr lang="de-AT" sz="4800" i="1" dirty="0"/>
-              <a:t>Ein Bild sagt mehr als tausend Worte</a:t>
-            </a:r>
-            <a:r>
-              <a:rPr lang="de-AT" sz="4800" dirty="0"/>
-              <a:t>“</a:t>
+              <a:t>…oder:</a:t>
             </a:r>
             <a:br>
               <a:rPr lang="de-AT" sz="4800" dirty="0"/>
             </a:br>
             <a:r>
               <a:rPr lang="de-AT" sz="4800" dirty="0"/>
+              <a:t>„</a:t>
+            </a:r>
+            <a:r>
+              <a:rPr lang="de-AT" sz="4800" i="1" dirty="0"/>
+              <a:t>Ein Bild sagt mehr als tausend Worte</a:t>
+            </a:r>
+            <a:r>
+              <a:rPr lang="de-AT" sz="4800" dirty="0"/>
+              <a:t>“</a:t>
+            </a:r>
+            <a:br>
+              <a:rPr lang="de-AT" sz="4800" dirty="0"/>
+            </a:br>
+            <a:r>
+              <a:rPr lang="de-AT" sz="4800" dirty="0"/>
               <a:t> </a:t>
             </a:r>
           </a:p>
@@ -6533,10 +7363,7 @@
           <a:lstStyle/>
           <a:p>
             <a:pPr algn="ctr"/>
-            <a:r>
-              <a:rPr lang="de-AT" dirty="0"/>
-              <a:t>(Sprichwort)</a:t>
-            </a:r>
+            <a:endParaRPr lang="de-AT" dirty="0"/>
           </a:p>
         </p:txBody>
       </p:sp>
@@ -6553,8 +7380,335 @@
 </p:sld>
 </file>
 
+<file path=ppt/slides/slide20.xml><?xml version="1.0" encoding="utf-8"?>
+<p:sld xmlns:a="http://schemas.openxmlformats.org/drawingml/2006/main" xmlns:r="http://schemas.openxmlformats.org/officeDocument/2006/relationships" xmlns:p="http://schemas.openxmlformats.org/presentationml/2006/main">
+  <p:cSld>
+    <p:spTree>
+      <p:nvGrpSpPr>
+        <p:cNvPr id="1" name=""/>
+        <p:cNvGrpSpPr/>
+        <p:nvPr/>
+      </p:nvGrpSpPr>
+      <p:grpSpPr>
+        <a:xfrm>
+          <a:off x="0" y="0"/>
+          <a:ext cx="0" cy="0"/>
+          <a:chOff x="0" y="0"/>
+          <a:chExt cx="0" cy="0"/>
+        </a:xfrm>
+      </p:grpSpPr>
+      <p:sp>
+        <p:nvSpPr>
+          <p:cNvPr id="2" name="Titel 1"/>
+          <p:cNvSpPr>
+            <a:spLocks noGrp="1"/>
+          </p:cNvSpPr>
+          <p:nvPr>
+            <p:ph type="title"/>
+          </p:nvPr>
+        </p:nvSpPr>
+        <p:spPr/>
+        <p:txBody>
+          <a:bodyPr/>
+          <a:lstStyle/>
+          <a:p>
+            <a:endParaRPr lang="de-AT"/>
+          </a:p>
+        </p:txBody>
+      </p:sp>
+      <p:pic>
+        <p:nvPicPr>
+          <p:cNvPr id="5" name="Inhaltsplatzhalter 4"/>
+          <p:cNvPicPr>
+            <a:picLocks noGrp="1" noChangeAspect="1"/>
+          </p:cNvPicPr>
+          <p:nvPr>
+            <p:ph idx="1"/>
+          </p:nvPr>
+        </p:nvPicPr>
+        <p:blipFill>
+          <a:blip r:embed="rId2">
+            <a:extLst>
+              <a:ext uri="{28A0092B-C50C-407E-A947-70E740481C1C}">
+                <a14:useLocalDpi xmlns:a14="http://schemas.microsoft.com/office/drawing/2010/main" val="0"/>
+              </a:ext>
+            </a:extLst>
+          </a:blip>
+          <a:stretch>
+            <a:fillRect/>
+          </a:stretch>
+        </p:blipFill>
+        <p:spPr>
+          <a:xfrm>
+            <a:off x="64548" y="0"/>
+            <a:ext cx="12006647" cy="6858000"/>
+          </a:xfrm>
+        </p:spPr>
+      </p:pic>
+    </p:spTree>
+    <p:extLst>
+      <p:ext uri="{BB962C8B-B14F-4D97-AF65-F5344CB8AC3E}">
+        <p14:creationId xmlns:p14="http://schemas.microsoft.com/office/powerpoint/2010/main" val="3170111215"/>
+      </p:ext>
+    </p:extLst>
+  </p:cSld>
+  <p:clrMapOvr>
+    <a:masterClrMapping/>
+  </p:clrMapOvr>
+</p:sld>
+</file>
+
+<file path=ppt/slides/slide21.xml><?xml version="1.0" encoding="utf-8"?>
+<p:sld xmlns:a="http://schemas.openxmlformats.org/drawingml/2006/main" xmlns:r="http://schemas.openxmlformats.org/officeDocument/2006/relationships" xmlns:p="http://schemas.openxmlformats.org/presentationml/2006/main">
+  <p:cSld>
+    <p:spTree>
+      <p:nvGrpSpPr>
+        <p:cNvPr id="1" name=""/>
+        <p:cNvGrpSpPr/>
+        <p:nvPr/>
+      </p:nvGrpSpPr>
+      <p:grpSpPr>
+        <a:xfrm>
+          <a:off x="0" y="0"/>
+          <a:ext cx="0" cy="0"/>
+          <a:chOff x="0" y="0"/>
+          <a:chExt cx="0" cy="0"/>
+        </a:xfrm>
+      </p:grpSpPr>
+      <p:sp>
+        <p:nvSpPr>
+          <p:cNvPr id="2" name="Titel 1"/>
+          <p:cNvSpPr>
+            <a:spLocks noGrp="1"/>
+          </p:cNvSpPr>
+          <p:nvPr>
+            <p:ph type="title"/>
+          </p:nvPr>
+        </p:nvSpPr>
+        <p:spPr/>
+        <p:txBody>
+          <a:bodyPr/>
+          <a:lstStyle/>
+          <a:p>
+            <a:endParaRPr lang="de-AT"/>
+          </a:p>
+        </p:txBody>
+      </p:sp>
+      <p:pic>
+        <p:nvPicPr>
+          <p:cNvPr id="5" name="Inhaltsplatzhalter 4"/>
+          <p:cNvPicPr>
+            <a:picLocks noGrp="1" noChangeAspect="1"/>
+          </p:cNvPicPr>
+          <p:nvPr>
+            <p:ph idx="1"/>
+          </p:nvPr>
+        </p:nvPicPr>
+        <p:blipFill>
+          <a:blip r:embed="rId2">
+            <a:extLst>
+              <a:ext uri="{28A0092B-C50C-407E-A947-70E740481C1C}">
+                <a14:useLocalDpi xmlns:a14="http://schemas.microsoft.com/office/drawing/2010/main" val="0"/>
+              </a:ext>
+            </a:extLst>
+          </a:blip>
+          <a:stretch>
+            <a:fillRect/>
+          </a:stretch>
+        </p:blipFill>
+        <p:spPr>
+          <a:xfrm>
+            <a:off x="161365" y="-10758"/>
+            <a:ext cx="11548120" cy="6858000"/>
+          </a:xfrm>
+        </p:spPr>
+      </p:pic>
+    </p:spTree>
+    <p:extLst>
+      <p:ext uri="{BB962C8B-B14F-4D97-AF65-F5344CB8AC3E}">
+        <p14:creationId xmlns:p14="http://schemas.microsoft.com/office/powerpoint/2010/main" val="516530317"/>
+      </p:ext>
+    </p:extLst>
+  </p:cSld>
+  <p:clrMapOvr>
+    <a:masterClrMapping/>
+  </p:clrMapOvr>
+</p:sld>
+</file>
+
+<file path=ppt/slides/slide22.xml><?xml version="1.0" encoding="utf-8"?>
+<p:sld xmlns:a="http://schemas.openxmlformats.org/drawingml/2006/main" xmlns:r="http://schemas.openxmlformats.org/officeDocument/2006/relationships" xmlns:p="http://schemas.openxmlformats.org/presentationml/2006/main">
+  <p:cSld>
+    <p:spTree>
+      <p:nvGrpSpPr>
+        <p:cNvPr id="1" name=""/>
+        <p:cNvGrpSpPr/>
+        <p:nvPr/>
+      </p:nvGrpSpPr>
+      <p:grpSpPr>
+        <a:xfrm>
+          <a:off x="0" y="0"/>
+          <a:ext cx="0" cy="0"/>
+          <a:chOff x="0" y="0"/>
+          <a:chExt cx="0" cy="0"/>
+        </a:xfrm>
+      </p:grpSpPr>
+      <p:sp>
+        <p:nvSpPr>
+          <p:cNvPr id="4" name="Titel 3"/>
+          <p:cNvSpPr>
+            <a:spLocks noGrp="1"/>
+          </p:cNvSpPr>
+          <p:nvPr>
+            <p:ph type="title"/>
+          </p:nvPr>
+        </p:nvSpPr>
+        <p:spPr/>
+        <p:txBody>
+          <a:bodyPr>
+            <a:normAutofit/>
+          </a:bodyPr>
+          <a:lstStyle/>
+          <a:p>
+            <a:r>
+              <a:rPr lang="de-AT" sz="4800" i="1" dirty="0"/>
+              <a:t>„Sagt ein Bild mehr als tausend Worte?“</a:t>
+            </a:r>
+            <a:endParaRPr lang="de-AT" sz="4800" dirty="0"/>
+          </a:p>
+        </p:txBody>
+      </p:sp>
+      <p:sp>
+        <p:nvSpPr>
+          <p:cNvPr id="5" name="Textplatzhalter 4"/>
+          <p:cNvSpPr>
+            <a:spLocks noGrp="1"/>
+          </p:cNvSpPr>
+          <p:nvPr>
+            <p:ph type="body" idx="1"/>
+          </p:nvPr>
+        </p:nvSpPr>
+        <p:spPr/>
+        <p:txBody>
+          <a:bodyPr/>
+          <a:lstStyle/>
+          <a:p>
+            <a:endParaRPr lang="de-AT"/>
+          </a:p>
+        </p:txBody>
+      </p:sp>
+    </p:spTree>
+    <p:extLst>
+      <p:ext uri="{BB962C8B-B14F-4D97-AF65-F5344CB8AC3E}">
+        <p14:creationId xmlns:p14="http://schemas.microsoft.com/office/powerpoint/2010/main" val="2081192405"/>
+      </p:ext>
+    </p:extLst>
+  </p:cSld>
+  <p:clrMapOvr>
+    <a:masterClrMapping/>
+  </p:clrMapOvr>
+</p:sld>
+</file>
+
+<file path=ppt/slides/slide23.xml><?xml version="1.0" encoding="utf-8"?>
+<p:sld xmlns:a="http://schemas.openxmlformats.org/drawingml/2006/main" xmlns:r="http://schemas.openxmlformats.org/officeDocument/2006/relationships" xmlns:p="http://schemas.openxmlformats.org/presentationml/2006/main">
+  <p:cSld>
+    <p:spTree>
+      <p:nvGrpSpPr>
+        <p:cNvPr id="1" name=""/>
+        <p:cNvGrpSpPr/>
+        <p:nvPr/>
+      </p:nvGrpSpPr>
+      <p:grpSpPr>
+        <a:xfrm>
+          <a:off x="0" y="0"/>
+          <a:ext cx="0" cy="0"/>
+          <a:chOff x="0" y="0"/>
+          <a:chExt cx="0" cy="0"/>
+        </a:xfrm>
+      </p:grpSpPr>
+      <p:sp>
+        <p:nvSpPr>
+          <p:cNvPr id="4" name="Titel 3"/>
+          <p:cNvSpPr>
+            <a:spLocks noGrp="1"/>
+          </p:cNvSpPr>
+          <p:nvPr>
+            <p:ph type="title"/>
+          </p:nvPr>
+        </p:nvSpPr>
+        <p:spPr>
+          <a:xfrm>
+            <a:off x="831850" y="1709738"/>
+            <a:ext cx="10515600" cy="2852737"/>
+          </a:xfrm>
+        </p:spPr>
+        <p:txBody>
+          <a:bodyPr/>
+          <a:lstStyle/>
+          <a:p>
+            <a:pPr algn="r"/>
+            <a:r>
+              <a:rPr lang="de-AT"/>
+              <a:t>Danke!</a:t>
+            </a:r>
+            <a:endParaRPr lang="de-AT" dirty="0"/>
+          </a:p>
+        </p:txBody>
+      </p:sp>
+      <p:sp>
+        <p:nvSpPr>
+          <p:cNvPr id="5" name="Textplatzhalter 4"/>
+          <p:cNvSpPr>
+            <a:spLocks noGrp="1"/>
+          </p:cNvSpPr>
+          <p:nvPr>
+            <p:ph type="body" idx="1"/>
+          </p:nvPr>
+        </p:nvSpPr>
+        <p:spPr>
+          <a:xfrm>
+            <a:off x="2091661" y="4400564"/>
+            <a:ext cx="9144000" cy="1128867"/>
+          </a:xfrm>
+        </p:spPr>
+        <p:txBody>
+          <a:bodyPr>
+            <a:normAutofit/>
+          </a:bodyPr>
+          <a:lstStyle/>
+          <a:p>
+            <a:pPr algn="r"/>
+            <a:r>
+              <a:rPr lang="de-AT" dirty="0"/>
+              <a:t>Speziellen Dank an: Andreas </a:t>
+            </a:r>
+            <a:r>
+              <a:rPr lang="de-AT" dirty="0" err="1"/>
+              <a:t>Zwerger</a:t>
+            </a:r>
+            <a:r>
+              <a:rPr lang="de-AT" dirty="0"/>
+              <a:t>, Walter Ritter und Sonja Kopf</a:t>
+            </a:r>
+          </a:p>
+        </p:txBody>
+      </p:sp>
+    </p:spTree>
+    <p:extLst>
+      <p:ext uri="{BB962C8B-B14F-4D97-AF65-F5344CB8AC3E}">
+        <p14:creationId xmlns:p14="http://schemas.microsoft.com/office/powerpoint/2010/main" val="1168719852"/>
+      </p:ext>
+    </p:extLst>
+  </p:cSld>
+  <p:clrMapOvr>
+    <a:masterClrMapping/>
+  </p:clrMapOvr>
+</p:sld>
+</file>
+
 <file path=ppt/slides/slide3.xml><?xml version="1.0" encoding="utf-8"?>
-<p:sld xmlns:a="http://schemas.openxmlformats.org/drawingml/2006/main" xmlns:r="http://schemas.openxmlformats.org/officeDocument/2006/relationships" xmlns:p="http://schemas.openxmlformats.org/presentationml/2006/main">
+<p:sld xmlns:a="http://schemas.openxmlformats.org/drawingml/2006/main" xmlns:r="http://schemas.openxmlformats.org/officeDocument/2006/relationships" xmlns:p="http://schemas.openxmlformats.org/presentationml/2006/main" show="0">
   <p:cSld>
     <p:spTree>
       <p:nvGrpSpPr>
@@ -6642,7 +7796,7 @@
           <a:p>
             <a:r>
               <a:rPr lang="de-AT" dirty="0"/>
-              <a:t>Motivation</a:t>
+              <a:t>Übersicht</a:t>
             </a:r>
           </a:p>
         </p:txBody>
@@ -6664,27 +7818,36 @@
           <a:p>
             <a:r>
               <a:rPr lang="de-AT" dirty="0"/>
-              <a:t>Bedarf</a:t>
+              <a:t>Interviews</a:t>
             </a:r>
           </a:p>
           <a:p>
             <a:r>
               <a:rPr lang="de-AT" dirty="0"/>
-              <a:t>Interesse </a:t>
+              <a:t>Konzept</a:t>
             </a:r>
           </a:p>
           <a:p>
             <a:r>
               <a:rPr lang="de-AT" dirty="0"/>
-              <a:t>Herausforderung </a:t>
-            </a:r>
+              <a:t>Prototyp</a:t>
+            </a:r>
+          </a:p>
+          <a:p>
+            <a:r>
+              <a:rPr lang="de-AT" dirty="0"/>
+              <a:t>Evaluation</a:t>
+            </a:r>
+          </a:p>
+          <a:p>
+            <a:endParaRPr lang="de-AT" dirty="0"/>
           </a:p>
         </p:txBody>
       </p:sp>
     </p:spTree>
     <p:extLst>
       <p:ext uri="{BB962C8B-B14F-4D97-AF65-F5344CB8AC3E}">
-        <p14:creationId xmlns:p14="http://schemas.microsoft.com/office/powerpoint/2010/main" val="798509907"/>
+        <p14:creationId xmlns:p14="http://schemas.microsoft.com/office/powerpoint/2010/main" val="388082528"/>
       </p:ext>
     </p:extLst>
   </p:cSld>
@@ -6695,7 +7858,7 @@
 </file>
 
 <file path=ppt/slides/slide5.xml><?xml version="1.0" encoding="utf-8"?>
-<p:sld xmlns:a="http://schemas.openxmlformats.org/drawingml/2006/main" xmlns:r="http://schemas.openxmlformats.org/officeDocument/2006/relationships" xmlns:p="http://schemas.openxmlformats.org/presentationml/2006/main">
+<p:sld xmlns:a="http://schemas.openxmlformats.org/drawingml/2006/main" xmlns:r="http://schemas.openxmlformats.org/officeDocument/2006/relationships" xmlns:p="http://schemas.openxmlformats.org/presentationml/2006/main" show="0">
   <p:cSld>
     <p:spTree>
       <p:nvGrpSpPr>
@@ -6728,7 +7891,7 @@
           <a:p>
             <a:r>
               <a:rPr lang="de-AT" dirty="0"/>
-              <a:t>Übersicht</a:t>
+              <a:t>Motivation</a:t>
             </a:r>
           </a:p>
         </p:txBody>
@@ -6750,42 +7913,27 @@
           <a:p>
             <a:r>
               <a:rPr lang="de-AT" dirty="0"/>
-              <a:t>Motivation</a:t>
+              <a:t>Bedarf</a:t>
             </a:r>
           </a:p>
           <a:p>
             <a:r>
               <a:rPr lang="de-AT" dirty="0"/>
-              <a:t>Interviews</a:t>
+              <a:t>Interesse </a:t>
             </a:r>
           </a:p>
           <a:p>
             <a:r>
               <a:rPr lang="de-AT" dirty="0"/>
-              <a:t>Konzept</a:t>
-            </a:r>
-          </a:p>
-          <a:p>
-            <a:r>
-              <a:rPr lang="de-AT" dirty="0"/>
-              <a:t>Prototyp</a:t>
-            </a:r>
-          </a:p>
-          <a:p>
-            <a:r>
-              <a:rPr lang="de-AT" dirty="0"/>
-              <a:t>Evaluation</a:t>
-            </a:r>
-          </a:p>
-          <a:p>
-            <a:endParaRPr lang="de-AT" dirty="0"/>
+              <a:t>Herausforderung </a:t>
+            </a:r>
           </a:p>
         </p:txBody>
       </p:sp>
     </p:spTree>
     <p:extLst>
       <p:ext uri="{BB962C8B-B14F-4D97-AF65-F5344CB8AC3E}">
-        <p14:creationId xmlns:p14="http://schemas.microsoft.com/office/powerpoint/2010/main" val="388082528"/>
+        <p14:creationId xmlns:p14="http://schemas.microsoft.com/office/powerpoint/2010/main" val="798509907"/>
       </p:ext>
     </p:extLst>
   </p:cSld>
@@ -6868,30 +8016,54 @@
           </a:p>
         </p:txBody>
       </p:sp>
+    </p:spTree>
+    <p:extLst>
+      <p:ext uri="{BB962C8B-B14F-4D97-AF65-F5344CB8AC3E}">
+        <p14:creationId xmlns:p14="http://schemas.microsoft.com/office/powerpoint/2010/main" val="1877269497"/>
+      </p:ext>
+    </p:extLst>
+  </p:cSld>
+  <p:clrMapOvr>
+    <a:masterClrMapping/>
+  </p:clrMapOvr>
+</p:sld>
+</file>
+
+<file path=ppt/slides/slide7.xml><?xml version="1.0" encoding="utf-8"?>
+<p:sld xmlns:a="http://schemas.openxmlformats.org/drawingml/2006/main" xmlns:r="http://schemas.openxmlformats.org/officeDocument/2006/relationships" xmlns:p="http://schemas.openxmlformats.org/presentationml/2006/main" show="0">
+  <p:cSld>
+    <p:spTree>
+      <p:nvGrpSpPr>
+        <p:cNvPr id="1" name=""/>
+        <p:cNvGrpSpPr/>
+        <p:nvPr/>
+      </p:nvGrpSpPr>
+      <p:grpSpPr>
+        <a:xfrm>
+          <a:off x="0" y="0"/>
+          <a:ext cx="0" cy="0"/>
+          <a:chOff x="0" y="0"/>
+          <a:chExt cx="0" cy="0"/>
+        </a:xfrm>
+      </p:grpSpPr>
       <p:pic>
         <p:nvPicPr>
-          <p:cNvPr id="5" name="Grafik 4"/>
+          <p:cNvPr id="8" name="Grafik 7"/>
           <p:cNvPicPr>
             <a:picLocks noChangeAspect="1"/>
           </p:cNvPicPr>
           <p:nvPr/>
         </p:nvPicPr>
         <p:blipFill>
-          <a:blip r:embed="rId3">
-            <a:extLst>
-              <a:ext uri="{28A0092B-C50C-407E-A947-70E740481C1C}">
-                <a14:useLocalDpi xmlns:a14="http://schemas.microsoft.com/office/drawing/2010/main" val="0"/>
-              </a:ext>
-            </a:extLst>
-          </a:blip>
+          <a:blip r:embed="rId3"/>
           <a:stretch>
             <a:fillRect/>
           </a:stretch>
         </p:blipFill>
         <p:spPr>
           <a:xfrm>
-            <a:off x="64548" y="4621105"/>
-            <a:ext cx="12192000" cy="2236895"/>
+            <a:off x="355003" y="0"/>
+            <a:ext cx="11456371" cy="6858000"/>
           </a:xfrm>
           <a:prstGeom prst="rect">
             <a:avLst/>
@@ -6901,7 +8073,141 @@
     </p:spTree>
     <p:extLst>
       <p:ext uri="{BB962C8B-B14F-4D97-AF65-F5344CB8AC3E}">
-        <p14:creationId xmlns:p14="http://schemas.microsoft.com/office/powerpoint/2010/main" val="1877269497"/>
+        <p14:creationId xmlns:p14="http://schemas.microsoft.com/office/powerpoint/2010/main" val="2539963839"/>
+      </p:ext>
+    </p:extLst>
+  </p:cSld>
+  <p:clrMapOvr>
+    <a:masterClrMapping/>
+  </p:clrMapOvr>
+</p:sld>
+</file>
+
+<file path=ppt/slides/slide8.xml><?xml version="1.0" encoding="utf-8"?>
+<p:sld xmlns:a="http://schemas.openxmlformats.org/drawingml/2006/main" xmlns:r="http://schemas.openxmlformats.org/officeDocument/2006/relationships" xmlns:p="http://schemas.openxmlformats.org/presentationml/2006/main">
+  <p:cSld>
+    <p:spTree>
+      <p:nvGrpSpPr>
+        <p:cNvPr id="1" name=""/>
+        <p:cNvGrpSpPr/>
+        <p:nvPr/>
+      </p:nvGrpSpPr>
+      <p:grpSpPr>
+        <a:xfrm>
+          <a:off x="0" y="0"/>
+          <a:ext cx="0" cy="0"/>
+          <a:chOff x="0" y="0"/>
+          <a:chExt cx="0" cy="0"/>
+        </a:xfrm>
+      </p:grpSpPr>
+      <p:sp>
+        <p:nvSpPr>
+          <p:cNvPr id="2" name="Titel 1"/>
+          <p:cNvSpPr>
+            <a:spLocks noGrp="1"/>
+          </p:cNvSpPr>
+          <p:nvPr>
+            <p:ph type="title"/>
+          </p:nvPr>
+        </p:nvSpPr>
+        <p:spPr>
+          <a:xfrm>
+            <a:off x="838200" y="365125"/>
+            <a:ext cx="10515600" cy="1325563"/>
+          </a:xfrm>
+        </p:spPr>
+        <p:txBody>
+          <a:bodyPr/>
+          <a:lstStyle/>
+          <a:p>
+            <a:r>
+              <a:rPr lang="de-AT"/>
+              <a:t>Konzept</a:t>
+            </a:r>
+            <a:endParaRPr lang="de-AT" dirty="0"/>
+          </a:p>
+        </p:txBody>
+      </p:sp>
+      <p:sp>
+        <p:nvSpPr>
+          <p:cNvPr id="3" name="Inhaltsplatzhalter 2"/>
+          <p:cNvSpPr>
+            <a:spLocks noGrp="1"/>
+          </p:cNvSpPr>
+          <p:nvPr>
+            <p:ph idx="1"/>
+          </p:nvPr>
+        </p:nvSpPr>
+        <p:spPr>
+          <a:xfrm>
+            <a:off x="838200" y="1825625"/>
+            <a:ext cx="10515600" cy="4351338"/>
+          </a:xfrm>
+        </p:spPr>
+        <p:txBody>
+          <a:bodyPr/>
+          <a:lstStyle/>
+          <a:p>
+            <a:r>
+              <a:rPr lang="de-AT" dirty="0"/>
+              <a:t>Übersicht Standorte</a:t>
+            </a:r>
+          </a:p>
+          <a:p>
+            <a:r>
+              <a:rPr lang="de-AT" dirty="0"/>
+              <a:t>Routenverwaltung</a:t>
+            </a:r>
+          </a:p>
+          <a:p>
+            <a:r>
+              <a:rPr lang="de-AT" dirty="0"/>
+              <a:t>Kontextsensitive Informationen</a:t>
+            </a:r>
+          </a:p>
+          <a:p>
+            <a:r>
+              <a:rPr lang="de-AT" dirty="0"/>
+              <a:t>Daten und Funktionalität zentralisieren</a:t>
+            </a:r>
+          </a:p>
+          <a:p>
+            <a:endParaRPr lang="de-AT" b="1" dirty="0"/>
+          </a:p>
+        </p:txBody>
+      </p:sp>
+      <p:sp>
+        <p:nvSpPr>
+          <p:cNvPr id="4" name="Rechteck 3"/>
+          <p:cNvSpPr/>
+          <p:nvPr/>
+        </p:nvSpPr>
+        <p:spPr>
+          <a:xfrm>
+            <a:off x="5600814" y="3613635"/>
+            <a:ext cx="6096000" cy="646331"/>
+          </a:xfrm>
+          <a:prstGeom prst="rect">
+            <a:avLst/>
+          </a:prstGeom>
+        </p:spPr>
+        <p:txBody>
+          <a:bodyPr>
+            <a:spAutoFit/>
+          </a:bodyPr>
+          <a:lstStyle/>
+          <a:p>
+            <a:br>
+              <a:rPr lang="de-AT" dirty="0"/>
+            </a:br>
+            <a:endParaRPr lang="de-AT" dirty="0"/>
+          </a:p>
+        </p:txBody>
+      </p:sp>
+    </p:spTree>
+    <p:extLst>
+      <p:ext uri="{BB962C8B-B14F-4D97-AF65-F5344CB8AC3E}">
+        <p14:creationId xmlns:p14="http://schemas.microsoft.com/office/powerpoint/2010/main" val="2774008469"/>
       </p:ext>
     </p:extLst>
   </p:cSld>
@@ -6920,6 +8226,9 @@
                     <p:cTn id="3" fill="hold">
                       <p:stCondLst>
                         <p:cond delay="indefinite"/>
+                        <p:cond evt="onBegin" delay="0">
+                          <p:tn val="2"/>
+                        </p:cond>
                       </p:stCondLst>
                       <p:childTnLst>
                         <p:par>
@@ -6929,7 +8238,7 @@
                             </p:stCondLst>
                             <p:childTnLst>
                               <p:par>
-                                <p:cTn id="5" presetID="1" presetClass="entr" presetSubtype="0" fill="hold" nodeType="clickEffect">
+                                <p:cTn id="5" presetID="1" presetClass="entr" presetSubtype="0" fill="hold" nodeType="withEffect">
                                   <p:stCondLst>
                                     <p:cond delay="0"/>
                                   </p:stCondLst>
@@ -6942,7 +8251,158 @@
                                           </p:stCondLst>
                                         </p:cTn>
                                         <p:tgtEl>
-                                          <p:spTgt spid="5"/>
+                                          <p:spTgt spid="3">
+                                            <p:txEl>
+                                              <p:pRg st="0" end="0"/>
+                                            </p:txEl>
+                                          </p:spTgt>
+                                        </p:tgtEl>
+                                        <p:attrNameLst>
+                                          <p:attrName>style.visibility</p:attrName>
+                                        </p:attrNameLst>
+                                      </p:cBhvr>
+                                      <p:to>
+                                        <p:strVal val="visible"/>
+                                      </p:to>
+                                    </p:set>
+                                  </p:childTnLst>
+                                </p:cTn>
+                              </p:par>
+                            </p:childTnLst>
+                          </p:cTn>
+                        </p:par>
+                      </p:childTnLst>
+                    </p:cTn>
+                  </p:par>
+                  <p:par>
+                    <p:cTn id="7" fill="hold">
+                      <p:stCondLst>
+                        <p:cond delay="indefinite"/>
+                      </p:stCondLst>
+                      <p:childTnLst>
+                        <p:par>
+                          <p:cTn id="8" fill="hold">
+                            <p:stCondLst>
+                              <p:cond delay="0"/>
+                            </p:stCondLst>
+                            <p:childTnLst>
+                              <p:par>
+                                <p:cTn id="9" presetID="1" presetClass="entr" presetSubtype="0" fill="hold" nodeType="clickEffect">
+                                  <p:stCondLst>
+                                    <p:cond delay="0"/>
+                                  </p:stCondLst>
+                                  <p:childTnLst>
+                                    <p:set>
+                                      <p:cBhvr>
+                                        <p:cTn id="10" dur="1" fill="hold">
+                                          <p:stCondLst>
+                                            <p:cond delay="0"/>
+                                          </p:stCondLst>
+                                        </p:cTn>
+                                        <p:tgtEl>
+                                          <p:spTgt spid="3">
+                                            <p:txEl>
+                                              <p:pRg st="1" end="1"/>
+                                            </p:txEl>
+                                          </p:spTgt>
+                                        </p:tgtEl>
+                                        <p:attrNameLst>
+                                          <p:attrName>style.visibility</p:attrName>
+                                        </p:attrNameLst>
+                                      </p:cBhvr>
+                                      <p:to>
+                                        <p:strVal val="visible"/>
+                                      </p:to>
+                                    </p:set>
+                                  </p:childTnLst>
+                                </p:cTn>
+                              </p:par>
+                            </p:childTnLst>
+                          </p:cTn>
+                        </p:par>
+                      </p:childTnLst>
+                    </p:cTn>
+                  </p:par>
+                  <p:par>
+                    <p:cTn id="11" fill="hold">
+                      <p:stCondLst>
+                        <p:cond delay="indefinite"/>
+                      </p:stCondLst>
+                      <p:childTnLst>
+                        <p:par>
+                          <p:cTn id="12" fill="hold">
+                            <p:stCondLst>
+                              <p:cond delay="0"/>
+                            </p:stCondLst>
+                            <p:childTnLst>
+                              <p:par>
+                                <p:cTn id="13" presetID="1" presetClass="entr" presetSubtype="0" fill="hold" nodeType="clickEffect">
+                                  <p:stCondLst>
+                                    <p:cond delay="0"/>
+                                  </p:stCondLst>
+                                  <p:childTnLst>
+                                    <p:set>
+                                      <p:cBhvr>
+                                        <p:cTn id="14" dur="1" fill="hold">
+                                          <p:stCondLst>
+                                            <p:cond delay="0"/>
+                                          </p:stCondLst>
+                                        </p:cTn>
+                                        <p:tgtEl>
+                                          <p:spTgt spid="3">
+                                            <p:txEl>
+                                              <p:pRg st="2" end="2"/>
+                                            </p:txEl>
+                                          </p:spTgt>
+                                        </p:tgtEl>
+                                        <p:attrNameLst>
+                                          <p:attrName>style.visibility</p:attrName>
+                                        </p:attrNameLst>
+                                      </p:cBhvr>
+                                      <p:to>
+                                        <p:strVal val="visible"/>
+                                      </p:to>
+                                    </p:set>
+                                  </p:childTnLst>
+                                </p:cTn>
+                              </p:par>
+                            </p:childTnLst>
+                          </p:cTn>
+                        </p:par>
+                      </p:childTnLst>
+                    </p:cTn>
+                  </p:par>
+                  <p:par>
+                    <p:cTn id="15" fill="hold">
+                      <p:stCondLst>
+                        <p:cond delay="indefinite"/>
+                      </p:stCondLst>
+                      <p:childTnLst>
+                        <p:par>
+                          <p:cTn id="16" fill="hold">
+                            <p:stCondLst>
+                              <p:cond delay="0"/>
+                            </p:stCondLst>
+                            <p:childTnLst>
+                              <p:par>
+                                <p:cTn id="17" presetID="1" presetClass="entr" presetSubtype="0" fill="hold" nodeType="clickEffect">
+                                  <p:stCondLst>
+                                    <p:cond delay="0"/>
+                                  </p:stCondLst>
+                                  <p:childTnLst>
+                                    <p:set>
+                                      <p:cBhvr>
+                                        <p:cTn id="18" dur="1" fill="hold">
+                                          <p:stCondLst>
+                                            <p:cond delay="0"/>
+                                          </p:stCondLst>
+                                        </p:cTn>
+                                        <p:tgtEl>
+                                          <p:spTgt spid="3">
+                                            <p:txEl>
+                                              <p:pRg st="3" end="3"/>
+                                            </p:txEl>
+                                          </p:spTgt>
                                         </p:tgtEl>
                                         <p:attrNameLst>
                                           <p:attrName>style.visibility</p:attrName>
@@ -6986,62 +8446,8 @@
 </p:sld>
 </file>
 
-<file path=ppt/slides/slide7.xml><?xml version="1.0" encoding="utf-8"?>
-<p:sld xmlns:a="http://schemas.openxmlformats.org/drawingml/2006/main" xmlns:r="http://schemas.openxmlformats.org/officeDocument/2006/relationships" xmlns:p="http://schemas.openxmlformats.org/presentationml/2006/main">
-  <p:cSld>
-    <p:spTree>
-      <p:nvGrpSpPr>
-        <p:cNvPr id="1" name=""/>
-        <p:cNvGrpSpPr/>
-        <p:nvPr/>
-      </p:nvGrpSpPr>
-      <p:grpSpPr>
-        <a:xfrm>
-          <a:off x="0" y="0"/>
-          <a:ext cx="0" cy="0"/>
-          <a:chOff x="0" y="0"/>
-          <a:chExt cx="0" cy="0"/>
-        </a:xfrm>
-      </p:grpSpPr>
-      <p:pic>
-        <p:nvPicPr>
-          <p:cNvPr id="8" name="Grafik 7"/>
-          <p:cNvPicPr>
-            <a:picLocks noChangeAspect="1"/>
-          </p:cNvPicPr>
-          <p:nvPr/>
-        </p:nvPicPr>
-        <p:blipFill>
-          <a:blip r:embed="rId2"/>
-          <a:stretch>
-            <a:fillRect/>
-          </a:stretch>
-        </p:blipFill>
-        <p:spPr>
-          <a:xfrm>
-            <a:off x="355003" y="0"/>
-            <a:ext cx="11456371" cy="6858000"/>
-          </a:xfrm>
-          <a:prstGeom prst="rect">
-            <a:avLst/>
-          </a:prstGeom>
-        </p:spPr>
-      </p:pic>
-    </p:spTree>
-    <p:extLst>
-      <p:ext uri="{BB962C8B-B14F-4D97-AF65-F5344CB8AC3E}">
-        <p14:creationId xmlns:p14="http://schemas.microsoft.com/office/powerpoint/2010/main" val="2539963839"/>
-      </p:ext>
-    </p:extLst>
-  </p:cSld>
-  <p:clrMapOvr>
-    <a:masterClrMapping/>
-  </p:clrMapOvr>
-</p:sld>
-</file>
-
-<file path=ppt/slides/slide8.xml><?xml version="1.0" encoding="utf-8"?>
-<p:sld xmlns:a="http://schemas.openxmlformats.org/drawingml/2006/main" xmlns:r="http://schemas.openxmlformats.org/officeDocument/2006/relationships" xmlns:p="http://schemas.openxmlformats.org/presentationml/2006/main">
+<file path=ppt/slides/slide9.xml><?xml version="1.0" encoding="utf-8"?>
+<p:sld xmlns:a="http://schemas.openxmlformats.org/drawingml/2006/main" xmlns:r="http://schemas.openxmlformats.org/officeDocument/2006/relationships" xmlns:p="http://schemas.openxmlformats.org/presentationml/2006/main" show="0">
   <p:cSld>
     <p:spTree>
       <p:nvGrpSpPr>
@@ -7520,7 +8926,7 @@
     </p:spTree>
     <p:extLst>
       <p:ext uri="{BB962C8B-B14F-4D97-AF65-F5344CB8AC3E}">
-        <p14:creationId xmlns:p14="http://schemas.microsoft.com/office/powerpoint/2010/main" val="2774008469"/>
+        <p14:creationId xmlns:p14="http://schemas.microsoft.com/office/powerpoint/2010/main" val="1451238479"/>
       </p:ext>
     </p:extLst>
   </p:cSld>
@@ -7975,77 +9381,6 @@
       <p:bldP spid="9" grpId="0" animBg="1"/>
     </p:bldLst>
   </p:timing>
-</p:sld>
-</file>
-
-<file path=ppt/slides/slide9.xml><?xml version="1.0" encoding="utf-8"?>
-<p:sld xmlns:a="http://schemas.openxmlformats.org/drawingml/2006/main" xmlns:r="http://schemas.openxmlformats.org/officeDocument/2006/relationships" xmlns:p="http://schemas.openxmlformats.org/presentationml/2006/main">
-  <p:cSld>
-    <p:spTree>
-      <p:nvGrpSpPr>
-        <p:cNvPr id="1" name=""/>
-        <p:cNvGrpSpPr/>
-        <p:nvPr/>
-      </p:nvGrpSpPr>
-      <p:grpSpPr>
-        <a:xfrm>
-          <a:off x="0" y="0"/>
-          <a:ext cx="0" cy="0"/>
-          <a:chOff x="0" y="0"/>
-          <a:chExt cx="0" cy="0"/>
-        </a:xfrm>
-      </p:grpSpPr>
-      <p:sp>
-        <p:nvSpPr>
-          <p:cNvPr id="4" name="Titel 3"/>
-          <p:cNvSpPr>
-            <a:spLocks noGrp="1"/>
-          </p:cNvSpPr>
-          <p:nvPr>
-            <p:ph type="title"/>
-          </p:nvPr>
-        </p:nvSpPr>
-        <p:spPr/>
-        <p:txBody>
-          <a:bodyPr/>
-          <a:lstStyle/>
-          <a:p>
-            <a:r>
-              <a:rPr lang="de-AT" dirty="0"/>
-              <a:t>Prototyp</a:t>
-            </a:r>
-          </a:p>
-        </p:txBody>
-      </p:sp>
-      <p:sp>
-        <p:nvSpPr>
-          <p:cNvPr id="5" name="Textplatzhalter 4"/>
-          <p:cNvSpPr>
-            <a:spLocks noGrp="1"/>
-          </p:cNvSpPr>
-          <p:nvPr>
-            <p:ph type="body" idx="1"/>
-          </p:nvPr>
-        </p:nvSpPr>
-        <p:spPr/>
-        <p:txBody>
-          <a:bodyPr/>
-          <a:lstStyle/>
-          <a:p>
-            <a:endParaRPr lang="de-AT"/>
-          </a:p>
-        </p:txBody>
-      </p:sp>
-    </p:spTree>
-    <p:extLst>
-      <p:ext uri="{BB962C8B-B14F-4D97-AF65-F5344CB8AC3E}">
-        <p14:creationId xmlns:p14="http://schemas.microsoft.com/office/powerpoint/2010/main" val="1198627381"/>
-      </p:ext>
-    </p:extLst>
-  </p:cSld>
-  <p:clrMapOvr>
-    <a:masterClrMapping/>
-  </p:clrMapOvr>
 </p:sld>
 </file>
 
